--- a/REST/REST_part1.pptx
+++ b/REST/REST_part1.pptx
@@ -5,7 +5,7 @@
     <p:sldMasterId id="2147483648" r:id="rId1"/>
   </p:sldMasterIdLst>
   <p:notesMasterIdLst>
-    <p:notesMasterId r:id="rId7"/>
+    <p:notesMasterId r:id="rId13"/>
   </p:notesMasterIdLst>
   <p:sldIdLst>
     <p:sldId id="256" r:id="rId2"/>
@@ -13,6 +13,12 @@
     <p:sldId id="258" r:id="rId4"/>
     <p:sldId id="259" r:id="rId5"/>
     <p:sldId id="260" r:id="rId6"/>
+    <p:sldId id="261" r:id="rId7"/>
+    <p:sldId id="262" r:id="rId8"/>
+    <p:sldId id="263" r:id="rId9"/>
+    <p:sldId id="264" r:id="rId10"/>
+    <p:sldId id="265" r:id="rId11"/>
+    <p:sldId id="266" r:id="rId12"/>
   </p:sldIdLst>
   <p:sldSz cx="9144000" cy="6858000" type="screen4x3"/>
   <p:notesSz cx="6858000" cy="9144000"/>
@@ -196,7 +202,7 @@
           <a:p>
             <a:fld id="{9D1AB2DA-13AE-4D0C-8765-0F6FEAC09B78}" type="datetimeFigureOut">
               <a:rPr lang="en-US" smtClean="0"/>
-              <a:t>2/10/2016</a:t>
+              <a:t>2/11/2016</a:t>
             </a:fld>
             <a:endParaRPr lang="en-US"/>
           </a:p>
@@ -585,6 +591,152 @@
 </p:notes>
 </file>
 
+<file path=ppt/notesSlides/notesSlide10.xml><?xml version="1.0" encoding="utf-8"?>
+<p:notes xmlns:a="http://schemas.openxmlformats.org/drawingml/2006/main" xmlns:r="http://schemas.openxmlformats.org/officeDocument/2006/relationships" xmlns:p="http://schemas.openxmlformats.org/presentationml/2006/main">
+  <p:cSld>
+    <p:spTree>
+      <p:nvGrpSpPr>
+        <p:cNvPr id="1" name=""/>
+        <p:cNvGrpSpPr/>
+        <p:nvPr/>
+      </p:nvGrpSpPr>
+      <p:grpSpPr>
+        <a:xfrm>
+          <a:off x="0" y="0"/>
+          <a:ext cx="0" cy="0"/>
+          <a:chOff x="0" y="0"/>
+          <a:chExt cx="0" cy="0"/>
+        </a:xfrm>
+      </p:grpSpPr>
+      <p:sp>
+        <p:nvSpPr>
+          <p:cNvPr id="2" name="Slide Image Placeholder 1"/>
+          <p:cNvSpPr>
+            <a:spLocks noGrp="1" noRot="1" noChangeAspect="1"/>
+          </p:cNvSpPr>
+          <p:nvPr>
+            <p:ph type="sldImg"/>
+          </p:nvPr>
+        </p:nvSpPr>
+        <p:spPr/>
+      </p:sp>
+      <p:sp>
+        <p:nvSpPr>
+          <p:cNvPr id="3" name="Notes Placeholder 2"/>
+          <p:cNvSpPr>
+            <a:spLocks noGrp="1"/>
+          </p:cNvSpPr>
+          <p:nvPr>
+            <p:ph type="body" idx="1"/>
+          </p:nvPr>
+        </p:nvSpPr>
+        <p:spPr/>
+        <p:txBody>
+          <a:bodyPr/>
+          <a:lstStyle/>
+          <a:p>
+            <a:r>
+              <a:rPr lang="en-US" dirty="0" smtClean="0"/>
+              <a:t>From the YouTube play list - </a:t>
+            </a:r>
+            <a:r>
+              <a:rPr lang="en-US" sz="1200" b="0" i="0" u="none" strike="noStrike" kern="1200" dirty="0" err="1" smtClean="0">
+                <a:solidFill>
+                  <a:schemeClr val="tx1"/>
+                </a:solidFill>
+                <a:effectLst/>
+                <a:latin typeface="+mn-lt"/>
+                <a:ea typeface="+mn-ea"/>
+                <a:cs typeface="+mn-cs"/>
+                <a:hlinkClick r:id="rId3"/>
+              </a:rPr>
+              <a:t>Ratnesh</a:t>
+            </a:r>
+            <a:r>
+              <a:rPr lang="en-US" sz="1200" b="0" i="0" u="none" strike="noStrike" kern="1200" smtClean="0">
+                <a:solidFill>
+                  <a:schemeClr val="tx1"/>
+                </a:solidFill>
+                <a:effectLst/>
+                <a:latin typeface="+mn-lt"/>
+                <a:ea typeface="+mn-ea"/>
+                <a:cs typeface="+mn-cs"/>
+                <a:hlinkClick r:id="rId3"/>
+              </a:rPr>
+              <a:t> </a:t>
+            </a:r>
+            <a:r>
+              <a:rPr lang="en-US" sz="1200" b="0" i="0" u="none" strike="noStrike" kern="1200" smtClean="0">
+                <a:solidFill>
+                  <a:schemeClr val="tx1"/>
+                </a:solidFill>
+                <a:effectLst/>
+                <a:latin typeface="+mn-lt"/>
+                <a:ea typeface="+mn-ea"/>
+                <a:cs typeface="+mn-cs"/>
+                <a:hlinkClick r:id="rId3"/>
+              </a:rPr>
+              <a:t>Prasad</a:t>
+            </a:r>
+            <a:r>
+              <a:rPr lang="en-US" sz="1200" b="0" i="0" u="none" strike="noStrike" kern="1200" smtClean="0">
+                <a:solidFill>
+                  <a:schemeClr val="tx1"/>
+                </a:solidFill>
+                <a:effectLst/>
+                <a:latin typeface="+mn-lt"/>
+                <a:ea typeface="+mn-ea"/>
+                <a:cs typeface="+mn-cs"/>
+              </a:rPr>
+              <a:t>  - Video 2</a:t>
+            </a:r>
+            <a:endParaRPr lang="en-US" dirty="0" smtClean="0"/>
+          </a:p>
+          <a:p>
+            <a:r>
+              <a:rPr lang="en-US" dirty="0" smtClean="0"/>
+              <a:t>https://www.youtube.com/watch?v=5ZkEt3gzicg&amp;list=PL5u3Zdsn3teiq_RDz2xKTrDD0ybhCRPMO&amp;index=2</a:t>
+            </a:r>
+            <a:endParaRPr lang="en-US" dirty="0"/>
+          </a:p>
+        </p:txBody>
+      </p:sp>
+      <p:sp>
+        <p:nvSpPr>
+          <p:cNvPr id="4" name="Slide Number Placeholder 3"/>
+          <p:cNvSpPr>
+            <a:spLocks noGrp="1"/>
+          </p:cNvSpPr>
+          <p:nvPr>
+            <p:ph type="sldNum" sz="quarter" idx="10"/>
+          </p:nvPr>
+        </p:nvSpPr>
+        <p:spPr/>
+        <p:txBody>
+          <a:bodyPr/>
+          <a:lstStyle/>
+          <a:p>
+            <a:fld id="{91BC768D-E736-44D5-9251-E5A1967F1C19}" type="slidenum">
+              <a:rPr lang="en-US" smtClean="0"/>
+              <a:t>11</a:t>
+            </a:fld>
+            <a:endParaRPr lang="en-US"/>
+          </a:p>
+        </p:txBody>
+      </p:sp>
+    </p:spTree>
+    <p:extLst>
+      <p:ext uri="{BB962C8B-B14F-4D97-AF65-F5344CB8AC3E}">
+        <p14:creationId xmlns:p14="http://schemas.microsoft.com/office/powerpoint/2010/main" val="3989360851"/>
+      </p:ext>
+    </p:extLst>
+  </p:cSld>
+  <p:clrMapOvr>
+    <a:masterClrMapping/>
+  </p:clrMapOvr>
+</p:notes>
+</file>
+
 <file path=ppt/notesSlides/notesSlide2.xml><?xml version="1.0" encoding="utf-8"?>
 <p:notes xmlns:a="http://schemas.openxmlformats.org/drawingml/2006/main" xmlns:r="http://schemas.openxmlformats.org/officeDocument/2006/relationships" xmlns:p="http://schemas.openxmlformats.org/presentationml/2006/main">
   <p:cSld>
@@ -930,6 +1082,736 @@
             <a:fld id="{91BC768D-E736-44D5-9251-E5A1967F1C19}" type="slidenum">
               <a:rPr lang="en-US" smtClean="0"/>
               <a:t>5</a:t>
+            </a:fld>
+            <a:endParaRPr lang="en-US"/>
+          </a:p>
+        </p:txBody>
+      </p:sp>
+    </p:spTree>
+    <p:extLst>
+      <p:ext uri="{BB962C8B-B14F-4D97-AF65-F5344CB8AC3E}">
+        <p14:creationId xmlns:p14="http://schemas.microsoft.com/office/powerpoint/2010/main" val="3989360851"/>
+      </p:ext>
+    </p:extLst>
+  </p:cSld>
+  <p:clrMapOvr>
+    <a:masterClrMapping/>
+  </p:clrMapOvr>
+</p:notes>
+</file>
+
+<file path=ppt/notesSlides/notesSlide5.xml><?xml version="1.0" encoding="utf-8"?>
+<p:notes xmlns:a="http://schemas.openxmlformats.org/drawingml/2006/main" xmlns:r="http://schemas.openxmlformats.org/officeDocument/2006/relationships" xmlns:p="http://schemas.openxmlformats.org/presentationml/2006/main">
+  <p:cSld>
+    <p:spTree>
+      <p:nvGrpSpPr>
+        <p:cNvPr id="1" name=""/>
+        <p:cNvGrpSpPr/>
+        <p:nvPr/>
+      </p:nvGrpSpPr>
+      <p:grpSpPr>
+        <a:xfrm>
+          <a:off x="0" y="0"/>
+          <a:ext cx="0" cy="0"/>
+          <a:chOff x="0" y="0"/>
+          <a:chExt cx="0" cy="0"/>
+        </a:xfrm>
+      </p:grpSpPr>
+      <p:sp>
+        <p:nvSpPr>
+          <p:cNvPr id="2" name="Slide Image Placeholder 1"/>
+          <p:cNvSpPr>
+            <a:spLocks noGrp="1" noRot="1" noChangeAspect="1"/>
+          </p:cNvSpPr>
+          <p:nvPr>
+            <p:ph type="sldImg"/>
+          </p:nvPr>
+        </p:nvSpPr>
+        <p:spPr/>
+      </p:sp>
+      <p:sp>
+        <p:nvSpPr>
+          <p:cNvPr id="3" name="Notes Placeholder 2"/>
+          <p:cNvSpPr>
+            <a:spLocks noGrp="1"/>
+          </p:cNvSpPr>
+          <p:nvPr>
+            <p:ph type="body" idx="1"/>
+          </p:nvPr>
+        </p:nvSpPr>
+        <p:spPr/>
+        <p:txBody>
+          <a:bodyPr/>
+          <a:lstStyle/>
+          <a:p>
+            <a:r>
+              <a:rPr lang="en-US" dirty="0" smtClean="0"/>
+              <a:t>From the YouTube play list - </a:t>
+            </a:r>
+            <a:r>
+              <a:rPr lang="en-US" sz="1200" b="0" i="0" u="none" strike="noStrike" kern="1200" dirty="0" err="1" smtClean="0">
+                <a:solidFill>
+                  <a:schemeClr val="tx1"/>
+                </a:solidFill>
+                <a:effectLst/>
+                <a:latin typeface="+mn-lt"/>
+                <a:ea typeface="+mn-ea"/>
+                <a:cs typeface="+mn-cs"/>
+                <a:hlinkClick r:id="rId3"/>
+              </a:rPr>
+              <a:t>Ratnesh</a:t>
+            </a:r>
+            <a:r>
+              <a:rPr lang="en-US" sz="1200" b="0" i="0" u="none" strike="noStrike" kern="1200" dirty="0" smtClean="0">
+                <a:solidFill>
+                  <a:schemeClr val="tx1"/>
+                </a:solidFill>
+                <a:effectLst/>
+                <a:latin typeface="+mn-lt"/>
+                <a:ea typeface="+mn-ea"/>
+                <a:cs typeface="+mn-cs"/>
+                <a:hlinkClick r:id="rId3"/>
+              </a:rPr>
+              <a:t> </a:t>
+            </a:r>
+            <a:r>
+              <a:rPr lang="en-US" sz="1200" b="0" i="0" u="none" strike="noStrike" kern="1200" dirty="0" smtClean="0">
+                <a:solidFill>
+                  <a:schemeClr val="tx1"/>
+                </a:solidFill>
+                <a:effectLst/>
+                <a:latin typeface="+mn-lt"/>
+                <a:ea typeface="+mn-ea"/>
+                <a:cs typeface="+mn-cs"/>
+                <a:hlinkClick r:id="rId3"/>
+              </a:rPr>
+              <a:t>Prasad</a:t>
+            </a:r>
+            <a:r>
+              <a:rPr lang="en-US" sz="1200" b="0" i="0" u="none" strike="noStrike" kern="1200" dirty="0" smtClean="0">
+                <a:solidFill>
+                  <a:schemeClr val="tx1"/>
+                </a:solidFill>
+                <a:effectLst/>
+                <a:latin typeface="+mn-lt"/>
+                <a:ea typeface="+mn-ea"/>
+                <a:cs typeface="+mn-cs"/>
+              </a:rPr>
+              <a:t>  - Video 2</a:t>
+            </a:r>
+            <a:endParaRPr lang="en-US" dirty="0" smtClean="0"/>
+          </a:p>
+          <a:p>
+            <a:r>
+              <a:rPr lang="en-US" dirty="0" smtClean="0"/>
+              <a:t>https://www.youtube.com/watch?v=5ZkEt3gzicg&amp;list=PL5u3Zdsn3teiq_RDz2xKTrDD0ybhCRPMO&amp;index=2</a:t>
+            </a:r>
+            <a:endParaRPr lang="en-US" dirty="0"/>
+          </a:p>
+        </p:txBody>
+      </p:sp>
+      <p:sp>
+        <p:nvSpPr>
+          <p:cNvPr id="4" name="Slide Number Placeholder 3"/>
+          <p:cNvSpPr>
+            <a:spLocks noGrp="1"/>
+          </p:cNvSpPr>
+          <p:nvPr>
+            <p:ph type="sldNum" sz="quarter" idx="10"/>
+          </p:nvPr>
+        </p:nvSpPr>
+        <p:spPr/>
+        <p:txBody>
+          <a:bodyPr/>
+          <a:lstStyle/>
+          <a:p>
+            <a:fld id="{91BC768D-E736-44D5-9251-E5A1967F1C19}" type="slidenum">
+              <a:rPr lang="en-US" smtClean="0"/>
+              <a:t>6</a:t>
+            </a:fld>
+            <a:endParaRPr lang="en-US"/>
+          </a:p>
+        </p:txBody>
+      </p:sp>
+    </p:spTree>
+    <p:extLst>
+      <p:ext uri="{BB962C8B-B14F-4D97-AF65-F5344CB8AC3E}">
+        <p14:creationId xmlns:p14="http://schemas.microsoft.com/office/powerpoint/2010/main" val="3989360851"/>
+      </p:ext>
+    </p:extLst>
+  </p:cSld>
+  <p:clrMapOvr>
+    <a:masterClrMapping/>
+  </p:clrMapOvr>
+</p:notes>
+</file>
+
+<file path=ppt/notesSlides/notesSlide6.xml><?xml version="1.0" encoding="utf-8"?>
+<p:notes xmlns:a="http://schemas.openxmlformats.org/drawingml/2006/main" xmlns:r="http://schemas.openxmlformats.org/officeDocument/2006/relationships" xmlns:p="http://schemas.openxmlformats.org/presentationml/2006/main">
+  <p:cSld>
+    <p:spTree>
+      <p:nvGrpSpPr>
+        <p:cNvPr id="1" name=""/>
+        <p:cNvGrpSpPr/>
+        <p:nvPr/>
+      </p:nvGrpSpPr>
+      <p:grpSpPr>
+        <a:xfrm>
+          <a:off x="0" y="0"/>
+          <a:ext cx="0" cy="0"/>
+          <a:chOff x="0" y="0"/>
+          <a:chExt cx="0" cy="0"/>
+        </a:xfrm>
+      </p:grpSpPr>
+      <p:sp>
+        <p:nvSpPr>
+          <p:cNvPr id="2" name="Slide Image Placeholder 1"/>
+          <p:cNvSpPr>
+            <a:spLocks noGrp="1" noRot="1" noChangeAspect="1"/>
+          </p:cNvSpPr>
+          <p:nvPr>
+            <p:ph type="sldImg"/>
+          </p:nvPr>
+        </p:nvSpPr>
+        <p:spPr/>
+      </p:sp>
+      <p:sp>
+        <p:nvSpPr>
+          <p:cNvPr id="3" name="Notes Placeholder 2"/>
+          <p:cNvSpPr>
+            <a:spLocks noGrp="1"/>
+          </p:cNvSpPr>
+          <p:nvPr>
+            <p:ph type="body" idx="1"/>
+          </p:nvPr>
+        </p:nvSpPr>
+        <p:spPr/>
+        <p:txBody>
+          <a:bodyPr/>
+          <a:lstStyle/>
+          <a:p>
+            <a:r>
+              <a:rPr lang="en-US" dirty="0" smtClean="0"/>
+              <a:t>From the YouTube play list - </a:t>
+            </a:r>
+            <a:r>
+              <a:rPr lang="en-US" sz="1200" b="0" i="0" u="none" strike="noStrike" kern="1200" dirty="0" err="1" smtClean="0">
+                <a:solidFill>
+                  <a:schemeClr val="tx1"/>
+                </a:solidFill>
+                <a:effectLst/>
+                <a:latin typeface="+mn-lt"/>
+                <a:ea typeface="+mn-ea"/>
+                <a:cs typeface="+mn-cs"/>
+                <a:hlinkClick r:id="rId3"/>
+              </a:rPr>
+              <a:t>Ratnesh</a:t>
+            </a:r>
+            <a:r>
+              <a:rPr lang="en-US" sz="1200" b="0" i="0" u="none" strike="noStrike" kern="1200" smtClean="0">
+                <a:solidFill>
+                  <a:schemeClr val="tx1"/>
+                </a:solidFill>
+                <a:effectLst/>
+                <a:latin typeface="+mn-lt"/>
+                <a:ea typeface="+mn-ea"/>
+                <a:cs typeface="+mn-cs"/>
+                <a:hlinkClick r:id="rId3"/>
+              </a:rPr>
+              <a:t> </a:t>
+            </a:r>
+            <a:r>
+              <a:rPr lang="en-US" sz="1200" b="0" i="0" u="none" strike="noStrike" kern="1200" smtClean="0">
+                <a:solidFill>
+                  <a:schemeClr val="tx1"/>
+                </a:solidFill>
+                <a:effectLst/>
+                <a:latin typeface="+mn-lt"/>
+                <a:ea typeface="+mn-ea"/>
+                <a:cs typeface="+mn-cs"/>
+                <a:hlinkClick r:id="rId3"/>
+              </a:rPr>
+              <a:t>Prasad</a:t>
+            </a:r>
+            <a:r>
+              <a:rPr lang="en-US" sz="1200" b="0" i="0" u="none" strike="noStrike" kern="1200" smtClean="0">
+                <a:solidFill>
+                  <a:schemeClr val="tx1"/>
+                </a:solidFill>
+                <a:effectLst/>
+                <a:latin typeface="+mn-lt"/>
+                <a:ea typeface="+mn-ea"/>
+                <a:cs typeface="+mn-cs"/>
+              </a:rPr>
+              <a:t>  - Video 2</a:t>
+            </a:r>
+            <a:endParaRPr lang="en-US" dirty="0" smtClean="0"/>
+          </a:p>
+          <a:p>
+            <a:r>
+              <a:rPr lang="en-US" dirty="0" smtClean="0"/>
+              <a:t>https://www.youtube.com/watch?v=5ZkEt3gzicg&amp;list=PL5u3Zdsn3teiq_RDz2xKTrDD0ybhCRPMO&amp;index=2</a:t>
+            </a:r>
+            <a:endParaRPr lang="en-US" dirty="0"/>
+          </a:p>
+        </p:txBody>
+      </p:sp>
+      <p:sp>
+        <p:nvSpPr>
+          <p:cNvPr id="4" name="Slide Number Placeholder 3"/>
+          <p:cNvSpPr>
+            <a:spLocks noGrp="1"/>
+          </p:cNvSpPr>
+          <p:nvPr>
+            <p:ph type="sldNum" sz="quarter" idx="10"/>
+          </p:nvPr>
+        </p:nvSpPr>
+        <p:spPr/>
+        <p:txBody>
+          <a:bodyPr/>
+          <a:lstStyle/>
+          <a:p>
+            <a:fld id="{91BC768D-E736-44D5-9251-E5A1967F1C19}" type="slidenum">
+              <a:rPr lang="en-US" smtClean="0"/>
+              <a:t>7</a:t>
+            </a:fld>
+            <a:endParaRPr lang="en-US"/>
+          </a:p>
+        </p:txBody>
+      </p:sp>
+    </p:spTree>
+    <p:extLst>
+      <p:ext uri="{BB962C8B-B14F-4D97-AF65-F5344CB8AC3E}">
+        <p14:creationId xmlns:p14="http://schemas.microsoft.com/office/powerpoint/2010/main" val="3989360851"/>
+      </p:ext>
+    </p:extLst>
+  </p:cSld>
+  <p:clrMapOvr>
+    <a:masterClrMapping/>
+  </p:clrMapOvr>
+</p:notes>
+</file>
+
+<file path=ppt/notesSlides/notesSlide7.xml><?xml version="1.0" encoding="utf-8"?>
+<p:notes xmlns:a="http://schemas.openxmlformats.org/drawingml/2006/main" xmlns:r="http://schemas.openxmlformats.org/officeDocument/2006/relationships" xmlns:p="http://schemas.openxmlformats.org/presentationml/2006/main">
+  <p:cSld>
+    <p:spTree>
+      <p:nvGrpSpPr>
+        <p:cNvPr id="1" name=""/>
+        <p:cNvGrpSpPr/>
+        <p:nvPr/>
+      </p:nvGrpSpPr>
+      <p:grpSpPr>
+        <a:xfrm>
+          <a:off x="0" y="0"/>
+          <a:ext cx="0" cy="0"/>
+          <a:chOff x="0" y="0"/>
+          <a:chExt cx="0" cy="0"/>
+        </a:xfrm>
+      </p:grpSpPr>
+      <p:sp>
+        <p:nvSpPr>
+          <p:cNvPr id="2" name="Slide Image Placeholder 1"/>
+          <p:cNvSpPr>
+            <a:spLocks noGrp="1" noRot="1" noChangeAspect="1"/>
+          </p:cNvSpPr>
+          <p:nvPr>
+            <p:ph type="sldImg"/>
+          </p:nvPr>
+        </p:nvSpPr>
+        <p:spPr/>
+      </p:sp>
+      <p:sp>
+        <p:nvSpPr>
+          <p:cNvPr id="3" name="Notes Placeholder 2"/>
+          <p:cNvSpPr>
+            <a:spLocks noGrp="1"/>
+          </p:cNvSpPr>
+          <p:nvPr>
+            <p:ph type="body" idx="1"/>
+          </p:nvPr>
+        </p:nvSpPr>
+        <p:spPr/>
+        <p:txBody>
+          <a:bodyPr/>
+          <a:lstStyle/>
+          <a:p>
+            <a:r>
+              <a:rPr lang="en-US" dirty="0" smtClean="0"/>
+              <a:t>From the YouTube play list - </a:t>
+            </a:r>
+            <a:r>
+              <a:rPr lang="en-US" sz="1200" b="0" i="0" u="none" strike="noStrike" kern="1200" dirty="0" err="1" smtClean="0">
+                <a:solidFill>
+                  <a:schemeClr val="tx1"/>
+                </a:solidFill>
+                <a:effectLst/>
+                <a:latin typeface="+mn-lt"/>
+                <a:ea typeface="+mn-ea"/>
+                <a:cs typeface="+mn-cs"/>
+                <a:hlinkClick r:id="rId3"/>
+              </a:rPr>
+              <a:t>Ratnesh</a:t>
+            </a:r>
+            <a:r>
+              <a:rPr lang="en-US" sz="1200" b="0" i="0" u="none" strike="noStrike" kern="1200" smtClean="0">
+                <a:solidFill>
+                  <a:schemeClr val="tx1"/>
+                </a:solidFill>
+                <a:effectLst/>
+                <a:latin typeface="+mn-lt"/>
+                <a:ea typeface="+mn-ea"/>
+                <a:cs typeface="+mn-cs"/>
+                <a:hlinkClick r:id="rId3"/>
+              </a:rPr>
+              <a:t> </a:t>
+            </a:r>
+            <a:r>
+              <a:rPr lang="en-US" sz="1200" b="0" i="0" u="none" strike="noStrike" kern="1200" smtClean="0">
+                <a:solidFill>
+                  <a:schemeClr val="tx1"/>
+                </a:solidFill>
+                <a:effectLst/>
+                <a:latin typeface="+mn-lt"/>
+                <a:ea typeface="+mn-ea"/>
+                <a:cs typeface="+mn-cs"/>
+                <a:hlinkClick r:id="rId3"/>
+              </a:rPr>
+              <a:t>Prasad</a:t>
+            </a:r>
+            <a:r>
+              <a:rPr lang="en-US" sz="1200" b="0" i="0" u="none" strike="noStrike" kern="1200" smtClean="0">
+                <a:solidFill>
+                  <a:schemeClr val="tx1"/>
+                </a:solidFill>
+                <a:effectLst/>
+                <a:latin typeface="+mn-lt"/>
+                <a:ea typeface="+mn-ea"/>
+                <a:cs typeface="+mn-cs"/>
+              </a:rPr>
+              <a:t>  - Video 2</a:t>
+            </a:r>
+            <a:endParaRPr lang="en-US" dirty="0" smtClean="0"/>
+          </a:p>
+          <a:p>
+            <a:r>
+              <a:rPr lang="en-US" dirty="0" smtClean="0"/>
+              <a:t>https://www.youtube.com/watch?v=5ZkEt3gzicg&amp;list=PL5u3Zdsn3teiq_RDz2xKTrDD0ybhCRPMO&amp;index=2</a:t>
+            </a:r>
+            <a:endParaRPr lang="en-US" dirty="0"/>
+          </a:p>
+        </p:txBody>
+      </p:sp>
+      <p:sp>
+        <p:nvSpPr>
+          <p:cNvPr id="4" name="Slide Number Placeholder 3"/>
+          <p:cNvSpPr>
+            <a:spLocks noGrp="1"/>
+          </p:cNvSpPr>
+          <p:nvPr>
+            <p:ph type="sldNum" sz="quarter" idx="10"/>
+          </p:nvPr>
+        </p:nvSpPr>
+        <p:spPr/>
+        <p:txBody>
+          <a:bodyPr/>
+          <a:lstStyle/>
+          <a:p>
+            <a:fld id="{91BC768D-E736-44D5-9251-E5A1967F1C19}" type="slidenum">
+              <a:rPr lang="en-US" smtClean="0"/>
+              <a:t>8</a:t>
+            </a:fld>
+            <a:endParaRPr lang="en-US"/>
+          </a:p>
+        </p:txBody>
+      </p:sp>
+    </p:spTree>
+    <p:extLst>
+      <p:ext uri="{BB962C8B-B14F-4D97-AF65-F5344CB8AC3E}">
+        <p14:creationId xmlns:p14="http://schemas.microsoft.com/office/powerpoint/2010/main" val="3989360851"/>
+      </p:ext>
+    </p:extLst>
+  </p:cSld>
+  <p:clrMapOvr>
+    <a:masterClrMapping/>
+  </p:clrMapOvr>
+</p:notes>
+</file>
+
+<file path=ppt/notesSlides/notesSlide8.xml><?xml version="1.0" encoding="utf-8"?>
+<p:notes xmlns:a="http://schemas.openxmlformats.org/drawingml/2006/main" xmlns:r="http://schemas.openxmlformats.org/officeDocument/2006/relationships" xmlns:p="http://schemas.openxmlformats.org/presentationml/2006/main">
+  <p:cSld>
+    <p:spTree>
+      <p:nvGrpSpPr>
+        <p:cNvPr id="1" name=""/>
+        <p:cNvGrpSpPr/>
+        <p:nvPr/>
+      </p:nvGrpSpPr>
+      <p:grpSpPr>
+        <a:xfrm>
+          <a:off x="0" y="0"/>
+          <a:ext cx="0" cy="0"/>
+          <a:chOff x="0" y="0"/>
+          <a:chExt cx="0" cy="0"/>
+        </a:xfrm>
+      </p:grpSpPr>
+      <p:sp>
+        <p:nvSpPr>
+          <p:cNvPr id="2" name="Slide Image Placeholder 1"/>
+          <p:cNvSpPr>
+            <a:spLocks noGrp="1" noRot="1" noChangeAspect="1"/>
+          </p:cNvSpPr>
+          <p:nvPr>
+            <p:ph type="sldImg"/>
+          </p:nvPr>
+        </p:nvSpPr>
+        <p:spPr/>
+      </p:sp>
+      <p:sp>
+        <p:nvSpPr>
+          <p:cNvPr id="3" name="Notes Placeholder 2"/>
+          <p:cNvSpPr>
+            <a:spLocks noGrp="1"/>
+          </p:cNvSpPr>
+          <p:nvPr>
+            <p:ph type="body" idx="1"/>
+          </p:nvPr>
+        </p:nvSpPr>
+        <p:spPr/>
+        <p:txBody>
+          <a:bodyPr/>
+          <a:lstStyle/>
+          <a:p>
+            <a:r>
+              <a:rPr lang="en-US" dirty="0" smtClean="0"/>
+              <a:t>From the YouTube play list - </a:t>
+            </a:r>
+            <a:r>
+              <a:rPr lang="en-US" sz="1200" b="0" i="0" u="none" strike="noStrike" kern="1200" dirty="0" err="1" smtClean="0">
+                <a:solidFill>
+                  <a:schemeClr val="tx1"/>
+                </a:solidFill>
+                <a:effectLst/>
+                <a:latin typeface="+mn-lt"/>
+                <a:ea typeface="+mn-ea"/>
+                <a:cs typeface="+mn-cs"/>
+                <a:hlinkClick r:id="rId3"/>
+              </a:rPr>
+              <a:t>Ratnesh</a:t>
+            </a:r>
+            <a:r>
+              <a:rPr lang="en-US" sz="1200" b="0" i="0" u="none" strike="noStrike" kern="1200" smtClean="0">
+                <a:solidFill>
+                  <a:schemeClr val="tx1"/>
+                </a:solidFill>
+                <a:effectLst/>
+                <a:latin typeface="+mn-lt"/>
+                <a:ea typeface="+mn-ea"/>
+                <a:cs typeface="+mn-cs"/>
+                <a:hlinkClick r:id="rId3"/>
+              </a:rPr>
+              <a:t> </a:t>
+            </a:r>
+            <a:r>
+              <a:rPr lang="en-US" sz="1200" b="0" i="0" u="none" strike="noStrike" kern="1200" smtClean="0">
+                <a:solidFill>
+                  <a:schemeClr val="tx1"/>
+                </a:solidFill>
+                <a:effectLst/>
+                <a:latin typeface="+mn-lt"/>
+                <a:ea typeface="+mn-ea"/>
+                <a:cs typeface="+mn-cs"/>
+                <a:hlinkClick r:id="rId3"/>
+              </a:rPr>
+              <a:t>Prasad</a:t>
+            </a:r>
+            <a:r>
+              <a:rPr lang="en-US" sz="1200" b="0" i="0" u="none" strike="noStrike" kern="1200" smtClean="0">
+                <a:solidFill>
+                  <a:schemeClr val="tx1"/>
+                </a:solidFill>
+                <a:effectLst/>
+                <a:latin typeface="+mn-lt"/>
+                <a:ea typeface="+mn-ea"/>
+                <a:cs typeface="+mn-cs"/>
+              </a:rPr>
+              <a:t>  - Video 2</a:t>
+            </a:r>
+            <a:endParaRPr lang="en-US" dirty="0" smtClean="0"/>
+          </a:p>
+          <a:p>
+            <a:r>
+              <a:rPr lang="en-US" dirty="0" smtClean="0"/>
+              <a:t>https://www.youtube.com/watch?v=5ZkEt3gzicg&amp;list=PL5u3Zdsn3teiq_RDz2xKTrDD0ybhCRPMO&amp;index=2</a:t>
+            </a:r>
+            <a:endParaRPr lang="en-US" dirty="0"/>
+          </a:p>
+        </p:txBody>
+      </p:sp>
+      <p:sp>
+        <p:nvSpPr>
+          <p:cNvPr id="4" name="Slide Number Placeholder 3"/>
+          <p:cNvSpPr>
+            <a:spLocks noGrp="1"/>
+          </p:cNvSpPr>
+          <p:nvPr>
+            <p:ph type="sldNum" sz="quarter" idx="10"/>
+          </p:nvPr>
+        </p:nvSpPr>
+        <p:spPr/>
+        <p:txBody>
+          <a:bodyPr/>
+          <a:lstStyle/>
+          <a:p>
+            <a:fld id="{91BC768D-E736-44D5-9251-E5A1967F1C19}" type="slidenum">
+              <a:rPr lang="en-US" smtClean="0"/>
+              <a:t>9</a:t>
+            </a:fld>
+            <a:endParaRPr lang="en-US"/>
+          </a:p>
+        </p:txBody>
+      </p:sp>
+    </p:spTree>
+    <p:extLst>
+      <p:ext uri="{BB962C8B-B14F-4D97-AF65-F5344CB8AC3E}">
+        <p14:creationId xmlns:p14="http://schemas.microsoft.com/office/powerpoint/2010/main" val="3989360851"/>
+      </p:ext>
+    </p:extLst>
+  </p:cSld>
+  <p:clrMapOvr>
+    <a:masterClrMapping/>
+  </p:clrMapOvr>
+</p:notes>
+</file>
+
+<file path=ppt/notesSlides/notesSlide9.xml><?xml version="1.0" encoding="utf-8"?>
+<p:notes xmlns:a="http://schemas.openxmlformats.org/drawingml/2006/main" xmlns:r="http://schemas.openxmlformats.org/officeDocument/2006/relationships" xmlns:p="http://schemas.openxmlformats.org/presentationml/2006/main">
+  <p:cSld>
+    <p:spTree>
+      <p:nvGrpSpPr>
+        <p:cNvPr id="1" name=""/>
+        <p:cNvGrpSpPr/>
+        <p:nvPr/>
+      </p:nvGrpSpPr>
+      <p:grpSpPr>
+        <a:xfrm>
+          <a:off x="0" y="0"/>
+          <a:ext cx="0" cy="0"/>
+          <a:chOff x="0" y="0"/>
+          <a:chExt cx="0" cy="0"/>
+        </a:xfrm>
+      </p:grpSpPr>
+      <p:sp>
+        <p:nvSpPr>
+          <p:cNvPr id="2" name="Slide Image Placeholder 1"/>
+          <p:cNvSpPr>
+            <a:spLocks noGrp="1" noRot="1" noChangeAspect="1"/>
+          </p:cNvSpPr>
+          <p:nvPr>
+            <p:ph type="sldImg"/>
+          </p:nvPr>
+        </p:nvSpPr>
+        <p:spPr/>
+      </p:sp>
+      <p:sp>
+        <p:nvSpPr>
+          <p:cNvPr id="3" name="Notes Placeholder 2"/>
+          <p:cNvSpPr>
+            <a:spLocks noGrp="1"/>
+          </p:cNvSpPr>
+          <p:nvPr>
+            <p:ph type="body" idx="1"/>
+          </p:nvPr>
+        </p:nvSpPr>
+        <p:spPr/>
+        <p:txBody>
+          <a:bodyPr/>
+          <a:lstStyle/>
+          <a:p>
+            <a:r>
+              <a:rPr lang="en-US" dirty="0" smtClean="0"/>
+              <a:t>From the YouTube play list - </a:t>
+            </a:r>
+            <a:r>
+              <a:rPr lang="en-US" sz="1200" b="0" i="0" u="none" strike="noStrike" kern="1200" dirty="0" err="1" smtClean="0">
+                <a:solidFill>
+                  <a:schemeClr val="tx1"/>
+                </a:solidFill>
+                <a:effectLst/>
+                <a:latin typeface="+mn-lt"/>
+                <a:ea typeface="+mn-ea"/>
+                <a:cs typeface="+mn-cs"/>
+                <a:hlinkClick r:id="rId3"/>
+              </a:rPr>
+              <a:t>Ratnesh</a:t>
+            </a:r>
+            <a:r>
+              <a:rPr lang="en-US" sz="1200" b="0" i="0" u="none" strike="noStrike" kern="1200" smtClean="0">
+                <a:solidFill>
+                  <a:schemeClr val="tx1"/>
+                </a:solidFill>
+                <a:effectLst/>
+                <a:latin typeface="+mn-lt"/>
+                <a:ea typeface="+mn-ea"/>
+                <a:cs typeface="+mn-cs"/>
+                <a:hlinkClick r:id="rId3"/>
+              </a:rPr>
+              <a:t> </a:t>
+            </a:r>
+            <a:r>
+              <a:rPr lang="en-US" sz="1200" b="0" i="0" u="none" strike="noStrike" kern="1200" smtClean="0">
+                <a:solidFill>
+                  <a:schemeClr val="tx1"/>
+                </a:solidFill>
+                <a:effectLst/>
+                <a:latin typeface="+mn-lt"/>
+                <a:ea typeface="+mn-ea"/>
+                <a:cs typeface="+mn-cs"/>
+                <a:hlinkClick r:id="rId3"/>
+              </a:rPr>
+              <a:t>Prasad</a:t>
+            </a:r>
+            <a:r>
+              <a:rPr lang="en-US" sz="1200" b="0" i="0" u="none" strike="noStrike" kern="1200" smtClean="0">
+                <a:solidFill>
+                  <a:schemeClr val="tx1"/>
+                </a:solidFill>
+                <a:effectLst/>
+                <a:latin typeface="+mn-lt"/>
+                <a:ea typeface="+mn-ea"/>
+                <a:cs typeface="+mn-cs"/>
+              </a:rPr>
+              <a:t>  - Video 2</a:t>
+            </a:r>
+            <a:endParaRPr lang="en-US" dirty="0" smtClean="0"/>
+          </a:p>
+          <a:p>
+            <a:r>
+              <a:rPr lang="en-US" dirty="0" smtClean="0"/>
+              <a:t>https://www.youtube.com/watch?v=5ZkEt3gzicg&amp;list=PL5u3Zdsn3teiq_RDz2xKTrDD0ybhCRPMO&amp;index=2</a:t>
+            </a:r>
+            <a:endParaRPr lang="en-US" dirty="0"/>
+          </a:p>
+        </p:txBody>
+      </p:sp>
+      <p:sp>
+        <p:nvSpPr>
+          <p:cNvPr id="4" name="Slide Number Placeholder 3"/>
+          <p:cNvSpPr>
+            <a:spLocks noGrp="1"/>
+          </p:cNvSpPr>
+          <p:nvPr>
+            <p:ph type="sldNum" sz="quarter" idx="10"/>
+          </p:nvPr>
+        </p:nvSpPr>
+        <p:spPr/>
+        <p:txBody>
+          <a:bodyPr/>
+          <a:lstStyle/>
+          <a:p>
+            <a:fld id="{91BC768D-E736-44D5-9251-E5A1967F1C19}" type="slidenum">
+              <a:rPr lang="en-US" smtClean="0"/>
+              <a:t>10</a:t>
             </a:fld>
             <a:endParaRPr lang="en-US"/>
           </a:p>
@@ -1130,7 +2012,7 @@
             <a:fld id="{1D8BD707-D9CF-40AE-B4C6-C98DA3205C09}" type="datetimeFigureOut">
               <a:rPr lang="en-US" smtClean="0"/>
               <a:pPr/>
-              <a:t>2/10/2016</a:t>
+              <a:t>2/11/2016</a:t>
             </a:fld>
             <a:endParaRPr lang="en-US"/>
           </a:p>
@@ -1297,7 +2179,7 @@
             <a:fld id="{1D8BD707-D9CF-40AE-B4C6-C98DA3205C09}" type="datetimeFigureOut">
               <a:rPr lang="en-US" smtClean="0"/>
               <a:pPr/>
-              <a:t>2/10/2016</a:t>
+              <a:t>2/11/2016</a:t>
             </a:fld>
             <a:endParaRPr lang="en-US"/>
           </a:p>
@@ -1474,7 +2356,7 @@
             <a:fld id="{1D8BD707-D9CF-40AE-B4C6-C98DA3205C09}" type="datetimeFigureOut">
               <a:rPr lang="en-US" smtClean="0"/>
               <a:pPr/>
-              <a:t>2/10/2016</a:t>
+              <a:t>2/11/2016</a:t>
             </a:fld>
             <a:endParaRPr lang="en-US"/>
           </a:p>
@@ -1641,7 +2523,7 @@
             <a:fld id="{1D8BD707-D9CF-40AE-B4C6-C98DA3205C09}" type="datetimeFigureOut">
               <a:rPr lang="en-US" smtClean="0"/>
               <a:pPr/>
-              <a:t>2/10/2016</a:t>
+              <a:t>2/11/2016</a:t>
             </a:fld>
             <a:endParaRPr lang="en-US"/>
           </a:p>
@@ -1884,7 +2766,7 @@
             <a:fld id="{1D8BD707-D9CF-40AE-B4C6-C98DA3205C09}" type="datetimeFigureOut">
               <a:rPr lang="en-US" smtClean="0"/>
               <a:pPr/>
-              <a:t>2/10/2016</a:t>
+              <a:t>2/11/2016</a:t>
             </a:fld>
             <a:endParaRPr lang="en-US"/>
           </a:p>
@@ -2169,7 +3051,7 @@
             <a:fld id="{1D8BD707-D9CF-40AE-B4C6-C98DA3205C09}" type="datetimeFigureOut">
               <a:rPr lang="en-US" smtClean="0"/>
               <a:pPr/>
-              <a:t>2/10/2016</a:t>
+              <a:t>2/11/2016</a:t>
             </a:fld>
             <a:endParaRPr lang="en-US"/>
           </a:p>
@@ -2588,7 +3470,7 @@
             <a:fld id="{1D8BD707-D9CF-40AE-B4C6-C98DA3205C09}" type="datetimeFigureOut">
               <a:rPr lang="en-US" smtClean="0"/>
               <a:pPr/>
-              <a:t>2/10/2016</a:t>
+              <a:t>2/11/2016</a:t>
             </a:fld>
             <a:endParaRPr lang="en-US"/>
           </a:p>
@@ -2703,7 +3585,7 @@
             <a:fld id="{1D8BD707-D9CF-40AE-B4C6-C98DA3205C09}" type="datetimeFigureOut">
               <a:rPr lang="en-US" smtClean="0"/>
               <a:pPr/>
-              <a:t>2/10/2016</a:t>
+              <a:t>2/11/2016</a:t>
             </a:fld>
             <a:endParaRPr lang="en-US"/>
           </a:p>
@@ -2795,7 +3677,7 @@
             <a:fld id="{1D8BD707-D9CF-40AE-B4C6-C98DA3205C09}" type="datetimeFigureOut">
               <a:rPr lang="en-US" smtClean="0"/>
               <a:pPr/>
-              <a:t>2/10/2016</a:t>
+              <a:t>2/11/2016</a:t>
             </a:fld>
             <a:endParaRPr lang="en-US"/>
           </a:p>
@@ -3069,7 +3951,7 @@
             <a:fld id="{1D8BD707-D9CF-40AE-B4C6-C98DA3205C09}" type="datetimeFigureOut">
               <a:rPr lang="en-US" smtClean="0"/>
               <a:pPr/>
-              <a:t>2/10/2016</a:t>
+              <a:t>2/11/2016</a:t>
             </a:fld>
             <a:endParaRPr lang="en-US"/>
           </a:p>
@@ -3319,7 +4201,7 @@
             <a:fld id="{1D8BD707-D9CF-40AE-B4C6-C98DA3205C09}" type="datetimeFigureOut">
               <a:rPr lang="en-US" smtClean="0"/>
               <a:pPr/>
-              <a:t>2/10/2016</a:t>
+              <a:t>2/11/2016</a:t>
             </a:fld>
             <a:endParaRPr lang="en-US"/>
           </a:p>
@@ -3529,7 +4411,7 @@
             <a:fld id="{1D8BD707-D9CF-40AE-B4C6-C98DA3205C09}" type="datetimeFigureOut">
               <a:rPr lang="en-US" smtClean="0"/>
               <a:pPr/>
-              <a:t>2/10/2016</a:t>
+              <a:t>2/11/2016</a:t>
             </a:fld>
             <a:endParaRPr lang="en-US"/>
           </a:p>
@@ -3974,6 +4856,939 @@
 </p:sld>
 </file>
 
+<file path=ppt/slides/slide10.xml><?xml version="1.0" encoding="utf-8"?>
+<p:sld xmlns:a="http://schemas.openxmlformats.org/drawingml/2006/main" xmlns:r="http://schemas.openxmlformats.org/officeDocument/2006/relationships" xmlns:p="http://schemas.openxmlformats.org/presentationml/2006/main">
+  <p:cSld>
+    <p:spTree>
+      <p:nvGrpSpPr>
+        <p:cNvPr id="1" name=""/>
+        <p:cNvGrpSpPr/>
+        <p:nvPr/>
+      </p:nvGrpSpPr>
+      <p:grpSpPr>
+        <a:xfrm>
+          <a:off x="0" y="0"/>
+          <a:ext cx="0" cy="0"/>
+          <a:chOff x="0" y="0"/>
+          <a:chExt cx="0" cy="0"/>
+        </a:xfrm>
+      </p:grpSpPr>
+      <p:sp>
+        <p:nvSpPr>
+          <p:cNvPr id="2" name="Title 1"/>
+          <p:cNvSpPr>
+            <a:spLocks noGrp="1"/>
+          </p:cNvSpPr>
+          <p:nvPr>
+            <p:ph type="title"/>
+          </p:nvPr>
+        </p:nvSpPr>
+        <p:spPr>
+          <a:xfrm>
+            <a:off x="381000" y="12700"/>
+            <a:ext cx="8229600" cy="901700"/>
+          </a:xfrm>
+        </p:spPr>
+        <p:txBody>
+          <a:bodyPr>
+            <a:normAutofit/>
+          </a:bodyPr>
+          <a:lstStyle/>
+          <a:p>
+            <a:pPr algn="l"/>
+            <a:r>
+              <a:rPr lang="en-US" sz="3600" dirty="0" smtClean="0"/>
+              <a:t>How to Create RESTful web services? Cont..</a:t>
+            </a:r>
+            <a:endParaRPr lang="en-US" sz="3600" dirty="0"/>
+          </a:p>
+        </p:txBody>
+      </p:sp>
+      <p:sp>
+        <p:nvSpPr>
+          <p:cNvPr id="3" name="Content Placeholder 2"/>
+          <p:cNvSpPr>
+            <a:spLocks noGrp="1"/>
+          </p:cNvSpPr>
+          <p:nvPr>
+            <p:ph idx="1"/>
+          </p:nvPr>
+        </p:nvSpPr>
+        <p:spPr>
+          <a:xfrm>
+            <a:off x="457200" y="990600"/>
+            <a:ext cx="8382000" cy="5638800"/>
+          </a:xfrm>
+        </p:spPr>
+        <p:txBody>
+          <a:bodyPr>
+            <a:normAutofit fontScale="92500"/>
+          </a:bodyPr>
+          <a:lstStyle/>
+          <a:p>
+            <a:r>
+              <a:rPr lang="en-US" dirty="0" smtClean="0"/>
+              <a:t>There are one method types called </a:t>
+            </a:r>
+            <a:r>
+              <a:rPr lang="en-US" dirty="0" err="1" smtClean="0"/>
+              <a:t>subresource</a:t>
+            </a:r>
+            <a:r>
+              <a:rPr lang="en-US" dirty="0" smtClean="0"/>
+              <a:t> locator method, these </a:t>
+            </a:r>
+            <a:r>
+              <a:rPr lang="en-US" dirty="0" smtClean="0"/>
+              <a:t>do not have any http annotations, but have @Path annotation.</a:t>
+            </a:r>
+          </a:p>
+          <a:p>
+            <a:r>
+              <a:rPr lang="en-US" dirty="0" err="1" smtClean="0"/>
+              <a:t>E.g</a:t>
+            </a:r>
+            <a:r>
+              <a:rPr lang="en-US" dirty="0" smtClean="0"/>
+              <a:t> </a:t>
+            </a:r>
+            <a:r>
+              <a:rPr lang="en-US" dirty="0" err="1" smtClean="0"/>
+              <a:t>SpecialUser</a:t>
+            </a:r>
+            <a:r>
+              <a:rPr lang="en-US" dirty="0" smtClean="0"/>
+              <a:t> </a:t>
+            </a:r>
+            <a:r>
+              <a:rPr lang="en-US" dirty="0" err="1" smtClean="0"/>
+              <a:t>getSpecialUser</a:t>
+            </a:r>
+            <a:r>
+              <a:rPr lang="en-US" dirty="0" smtClean="0"/>
+              <a:t>(){} it have Path(“/special”)  - the main purpose of these </a:t>
+            </a:r>
+            <a:r>
+              <a:rPr lang="en-US" dirty="0" err="1" smtClean="0"/>
+              <a:t>mehtods</a:t>
+            </a:r>
+            <a:r>
+              <a:rPr lang="en-US" dirty="0" smtClean="0"/>
+              <a:t> is to just return another resource class.</a:t>
+            </a:r>
+          </a:p>
+          <a:p>
+            <a:r>
+              <a:rPr lang="en-US" dirty="0" smtClean="0"/>
+              <a:t>The class returned by </a:t>
+            </a:r>
+            <a:r>
+              <a:rPr lang="en-US" dirty="0" err="1" smtClean="0"/>
+              <a:t>subresource</a:t>
+            </a:r>
+            <a:r>
+              <a:rPr lang="en-US" dirty="0" smtClean="0"/>
+              <a:t> locator methods is called service </a:t>
+            </a:r>
+            <a:r>
+              <a:rPr lang="en-US" dirty="0" err="1" smtClean="0"/>
+              <a:t>subresource</a:t>
+            </a:r>
+            <a:r>
+              <a:rPr lang="en-US" dirty="0" smtClean="0"/>
+              <a:t> class, </a:t>
+            </a:r>
+            <a:r>
+              <a:rPr lang="en-US" dirty="0" err="1" smtClean="0"/>
+              <a:t>SpecialUser</a:t>
+            </a:r>
+            <a:r>
+              <a:rPr lang="en-US" dirty="0" smtClean="0"/>
+              <a:t> class is </a:t>
+            </a:r>
+            <a:r>
+              <a:rPr lang="en-US" dirty="0" err="1" smtClean="0"/>
+              <a:t>subresource</a:t>
+            </a:r>
+            <a:r>
+              <a:rPr lang="en-US" dirty="0" smtClean="0"/>
+              <a:t> class.</a:t>
+            </a:r>
+          </a:p>
+          <a:p>
+            <a:r>
+              <a:rPr lang="en-US" dirty="0" smtClean="0"/>
+              <a:t>The </a:t>
+            </a:r>
+            <a:r>
+              <a:rPr lang="en-US" dirty="0" err="1" smtClean="0"/>
+              <a:t>methos</a:t>
+            </a:r>
+            <a:r>
+              <a:rPr lang="en-US" dirty="0" smtClean="0"/>
+              <a:t> in </a:t>
+            </a:r>
+            <a:r>
+              <a:rPr lang="en-US" dirty="0" err="1" smtClean="0"/>
+              <a:t>SpecialUser</a:t>
+            </a:r>
+            <a:r>
+              <a:rPr lang="en-US" dirty="0" smtClean="0"/>
+              <a:t> class will have HTTP annotations methods.</a:t>
+            </a:r>
+          </a:p>
+        </p:txBody>
+      </p:sp>
+    </p:spTree>
+    <p:extLst>
+      <p:ext uri="{BB962C8B-B14F-4D97-AF65-F5344CB8AC3E}">
+        <p14:creationId xmlns:p14="http://schemas.microsoft.com/office/powerpoint/2010/main" val="9479515"/>
+      </p:ext>
+    </p:extLst>
+  </p:cSld>
+  <p:clrMapOvr>
+    <a:masterClrMapping/>
+  </p:clrMapOvr>
+  <p:timing>
+    <p:tnLst>
+      <p:par>
+        <p:cTn id="1" dur="indefinite" restart="never" nodeType="tmRoot">
+          <p:childTnLst>
+            <p:seq concurrent="1" nextAc="seek">
+              <p:cTn id="2" dur="indefinite" nodeType="mainSeq">
+                <p:childTnLst>
+                  <p:par>
+                    <p:cTn id="3" fill="hold">
+                      <p:stCondLst>
+                        <p:cond delay="indefinite"/>
+                      </p:stCondLst>
+                      <p:childTnLst>
+                        <p:par>
+                          <p:cTn id="4" fill="hold">
+                            <p:stCondLst>
+                              <p:cond delay="0"/>
+                            </p:stCondLst>
+                            <p:childTnLst>
+                              <p:par>
+                                <p:cTn id="5" presetID="16" presetClass="entr" presetSubtype="21" fill="hold" nodeType="clickEffect">
+                                  <p:stCondLst>
+                                    <p:cond delay="0"/>
+                                  </p:stCondLst>
+                                  <p:childTnLst>
+                                    <p:set>
+                                      <p:cBhvr>
+                                        <p:cTn id="6" dur="1" fill="hold">
+                                          <p:stCondLst>
+                                            <p:cond delay="0"/>
+                                          </p:stCondLst>
+                                        </p:cTn>
+                                        <p:tgtEl>
+                                          <p:spTgt spid="3">
+                                            <p:txEl>
+                                              <p:pRg st="0" end="0"/>
+                                            </p:txEl>
+                                          </p:spTgt>
+                                        </p:tgtEl>
+                                        <p:attrNameLst>
+                                          <p:attrName>style.visibility</p:attrName>
+                                        </p:attrNameLst>
+                                      </p:cBhvr>
+                                      <p:to>
+                                        <p:strVal val="visible"/>
+                                      </p:to>
+                                    </p:set>
+                                    <p:animEffect transition="in" filter="barn(inVertical)">
+                                      <p:cBhvr>
+                                        <p:cTn id="7" dur="500"/>
+                                        <p:tgtEl>
+                                          <p:spTgt spid="3">
+                                            <p:txEl>
+                                              <p:pRg st="0" end="0"/>
+                                            </p:txEl>
+                                          </p:spTgt>
+                                        </p:tgtEl>
+                                      </p:cBhvr>
+                                    </p:animEffect>
+                                  </p:childTnLst>
+                                </p:cTn>
+                              </p:par>
+                            </p:childTnLst>
+                          </p:cTn>
+                        </p:par>
+                      </p:childTnLst>
+                    </p:cTn>
+                  </p:par>
+                  <p:par>
+                    <p:cTn id="8" fill="hold">
+                      <p:stCondLst>
+                        <p:cond delay="indefinite"/>
+                      </p:stCondLst>
+                      <p:childTnLst>
+                        <p:par>
+                          <p:cTn id="9" fill="hold">
+                            <p:stCondLst>
+                              <p:cond delay="0"/>
+                            </p:stCondLst>
+                            <p:childTnLst>
+                              <p:par>
+                                <p:cTn id="10" presetID="16" presetClass="entr" presetSubtype="21" fill="hold" nodeType="clickEffect">
+                                  <p:stCondLst>
+                                    <p:cond delay="0"/>
+                                  </p:stCondLst>
+                                  <p:childTnLst>
+                                    <p:set>
+                                      <p:cBhvr>
+                                        <p:cTn id="11" dur="1" fill="hold">
+                                          <p:stCondLst>
+                                            <p:cond delay="0"/>
+                                          </p:stCondLst>
+                                        </p:cTn>
+                                        <p:tgtEl>
+                                          <p:spTgt spid="3">
+                                            <p:txEl>
+                                              <p:pRg st="1" end="1"/>
+                                            </p:txEl>
+                                          </p:spTgt>
+                                        </p:tgtEl>
+                                        <p:attrNameLst>
+                                          <p:attrName>style.visibility</p:attrName>
+                                        </p:attrNameLst>
+                                      </p:cBhvr>
+                                      <p:to>
+                                        <p:strVal val="visible"/>
+                                      </p:to>
+                                    </p:set>
+                                    <p:animEffect transition="in" filter="barn(inVertical)">
+                                      <p:cBhvr>
+                                        <p:cTn id="12" dur="500"/>
+                                        <p:tgtEl>
+                                          <p:spTgt spid="3">
+                                            <p:txEl>
+                                              <p:pRg st="1" end="1"/>
+                                            </p:txEl>
+                                          </p:spTgt>
+                                        </p:tgtEl>
+                                      </p:cBhvr>
+                                    </p:animEffect>
+                                  </p:childTnLst>
+                                </p:cTn>
+                              </p:par>
+                            </p:childTnLst>
+                          </p:cTn>
+                        </p:par>
+                      </p:childTnLst>
+                    </p:cTn>
+                  </p:par>
+                  <p:par>
+                    <p:cTn id="13" fill="hold">
+                      <p:stCondLst>
+                        <p:cond delay="indefinite"/>
+                      </p:stCondLst>
+                      <p:childTnLst>
+                        <p:par>
+                          <p:cTn id="14" fill="hold">
+                            <p:stCondLst>
+                              <p:cond delay="0"/>
+                            </p:stCondLst>
+                            <p:childTnLst>
+                              <p:par>
+                                <p:cTn id="15" presetID="16" presetClass="entr" presetSubtype="21" fill="hold" nodeType="clickEffect">
+                                  <p:stCondLst>
+                                    <p:cond delay="0"/>
+                                  </p:stCondLst>
+                                  <p:childTnLst>
+                                    <p:set>
+                                      <p:cBhvr>
+                                        <p:cTn id="16" dur="1" fill="hold">
+                                          <p:stCondLst>
+                                            <p:cond delay="0"/>
+                                          </p:stCondLst>
+                                        </p:cTn>
+                                        <p:tgtEl>
+                                          <p:spTgt spid="3">
+                                            <p:txEl>
+                                              <p:pRg st="2" end="2"/>
+                                            </p:txEl>
+                                          </p:spTgt>
+                                        </p:tgtEl>
+                                        <p:attrNameLst>
+                                          <p:attrName>style.visibility</p:attrName>
+                                        </p:attrNameLst>
+                                      </p:cBhvr>
+                                      <p:to>
+                                        <p:strVal val="visible"/>
+                                      </p:to>
+                                    </p:set>
+                                    <p:animEffect transition="in" filter="barn(inVertical)">
+                                      <p:cBhvr>
+                                        <p:cTn id="17" dur="500"/>
+                                        <p:tgtEl>
+                                          <p:spTgt spid="3">
+                                            <p:txEl>
+                                              <p:pRg st="2" end="2"/>
+                                            </p:txEl>
+                                          </p:spTgt>
+                                        </p:tgtEl>
+                                      </p:cBhvr>
+                                    </p:animEffect>
+                                  </p:childTnLst>
+                                </p:cTn>
+                              </p:par>
+                            </p:childTnLst>
+                          </p:cTn>
+                        </p:par>
+                      </p:childTnLst>
+                    </p:cTn>
+                  </p:par>
+                  <p:par>
+                    <p:cTn id="18" fill="hold">
+                      <p:stCondLst>
+                        <p:cond delay="indefinite"/>
+                      </p:stCondLst>
+                      <p:childTnLst>
+                        <p:par>
+                          <p:cTn id="19" fill="hold">
+                            <p:stCondLst>
+                              <p:cond delay="0"/>
+                            </p:stCondLst>
+                            <p:childTnLst>
+                              <p:par>
+                                <p:cTn id="20" presetID="16" presetClass="entr" presetSubtype="21" fill="hold" nodeType="clickEffect">
+                                  <p:stCondLst>
+                                    <p:cond delay="0"/>
+                                  </p:stCondLst>
+                                  <p:childTnLst>
+                                    <p:set>
+                                      <p:cBhvr>
+                                        <p:cTn id="21" dur="1" fill="hold">
+                                          <p:stCondLst>
+                                            <p:cond delay="0"/>
+                                          </p:stCondLst>
+                                        </p:cTn>
+                                        <p:tgtEl>
+                                          <p:spTgt spid="3">
+                                            <p:txEl>
+                                              <p:pRg st="3" end="3"/>
+                                            </p:txEl>
+                                          </p:spTgt>
+                                        </p:tgtEl>
+                                        <p:attrNameLst>
+                                          <p:attrName>style.visibility</p:attrName>
+                                        </p:attrNameLst>
+                                      </p:cBhvr>
+                                      <p:to>
+                                        <p:strVal val="visible"/>
+                                      </p:to>
+                                    </p:set>
+                                    <p:animEffect transition="in" filter="barn(inVertical)">
+                                      <p:cBhvr>
+                                        <p:cTn id="22" dur="500"/>
+                                        <p:tgtEl>
+                                          <p:spTgt spid="3">
+                                            <p:txEl>
+                                              <p:pRg st="3" end="3"/>
+                                            </p:txEl>
+                                          </p:spTgt>
+                                        </p:tgtEl>
+                                      </p:cBhvr>
+                                    </p:animEffect>
+                                  </p:childTnLst>
+                                </p:cTn>
+                              </p:par>
+                            </p:childTnLst>
+                          </p:cTn>
+                        </p:par>
+                      </p:childTnLst>
+                    </p:cTn>
+                  </p:par>
+                </p:childTnLst>
+              </p:cTn>
+              <p:prevCondLst>
+                <p:cond evt="onPrev" delay="0">
+                  <p:tgtEl>
+                    <p:sldTgt/>
+                  </p:tgtEl>
+                </p:cond>
+              </p:prevCondLst>
+              <p:nextCondLst>
+                <p:cond evt="onNext" delay="0">
+                  <p:tgtEl>
+                    <p:sldTgt/>
+                  </p:tgtEl>
+                </p:cond>
+              </p:nextCondLst>
+            </p:seq>
+          </p:childTnLst>
+        </p:cTn>
+      </p:par>
+    </p:tnLst>
+  </p:timing>
+</p:sld>
+</file>
+
+<file path=ppt/slides/slide11.xml><?xml version="1.0" encoding="utf-8"?>
+<p:sld xmlns:a="http://schemas.openxmlformats.org/drawingml/2006/main" xmlns:r="http://schemas.openxmlformats.org/officeDocument/2006/relationships" xmlns:p="http://schemas.openxmlformats.org/presentationml/2006/main">
+  <p:cSld>
+    <p:spTree>
+      <p:nvGrpSpPr>
+        <p:cNvPr id="1" name=""/>
+        <p:cNvGrpSpPr/>
+        <p:nvPr/>
+      </p:nvGrpSpPr>
+      <p:grpSpPr>
+        <a:xfrm>
+          <a:off x="0" y="0"/>
+          <a:ext cx="0" cy="0"/>
+          <a:chOff x="0" y="0"/>
+          <a:chExt cx="0" cy="0"/>
+        </a:xfrm>
+      </p:grpSpPr>
+      <p:sp>
+        <p:nvSpPr>
+          <p:cNvPr id="2" name="Title 1"/>
+          <p:cNvSpPr>
+            <a:spLocks noGrp="1"/>
+          </p:cNvSpPr>
+          <p:nvPr>
+            <p:ph type="title"/>
+          </p:nvPr>
+        </p:nvSpPr>
+        <p:spPr>
+          <a:xfrm>
+            <a:off x="381000" y="12700"/>
+            <a:ext cx="8229600" cy="901700"/>
+          </a:xfrm>
+        </p:spPr>
+        <p:txBody>
+          <a:bodyPr>
+            <a:normAutofit/>
+          </a:bodyPr>
+          <a:lstStyle/>
+          <a:p>
+            <a:pPr algn="l"/>
+            <a:r>
+              <a:rPr lang="en-US" sz="3600" dirty="0" smtClean="0"/>
+              <a:t>How to Create RESTful web services? Cont..</a:t>
+            </a:r>
+            <a:endParaRPr lang="en-US" sz="3600" dirty="0"/>
+          </a:p>
+        </p:txBody>
+      </p:sp>
+      <p:sp>
+        <p:nvSpPr>
+          <p:cNvPr id="3" name="Content Placeholder 2"/>
+          <p:cNvSpPr>
+            <a:spLocks noGrp="1"/>
+          </p:cNvSpPr>
+          <p:nvPr>
+            <p:ph idx="1"/>
+          </p:nvPr>
+        </p:nvSpPr>
+        <p:spPr>
+          <a:xfrm>
+            <a:off x="457200" y="990600"/>
+            <a:ext cx="8382000" cy="5638800"/>
+          </a:xfrm>
+        </p:spPr>
+        <p:txBody>
+          <a:bodyPr>
+            <a:normAutofit fontScale="92500"/>
+          </a:bodyPr>
+          <a:lstStyle/>
+          <a:p>
+            <a:r>
+              <a:rPr lang="en-US" dirty="0" err="1" smtClean="0"/>
+              <a:t>UserSerivces</a:t>
+            </a:r>
+            <a:r>
+              <a:rPr lang="en-US" dirty="0" smtClean="0"/>
+              <a:t> class is the main class – root resource class. </a:t>
+            </a:r>
+            <a:r>
+              <a:rPr lang="en-US" dirty="0" err="1" smtClean="0"/>
+              <a:t>SpecialUsers</a:t>
+            </a:r>
+            <a:r>
+              <a:rPr lang="en-US" dirty="0" smtClean="0"/>
+              <a:t> class is </a:t>
+            </a:r>
+            <a:r>
+              <a:rPr lang="en-US" dirty="0" err="1" smtClean="0"/>
+              <a:t>subresource</a:t>
+            </a:r>
+            <a:r>
+              <a:rPr lang="en-US" dirty="0" smtClean="0"/>
+              <a:t> class.</a:t>
+            </a:r>
+          </a:p>
+          <a:p>
+            <a:r>
+              <a:rPr lang="en-US" dirty="0" smtClean="0"/>
+              <a:t>When ever client invokes /user/service/special, the </a:t>
+            </a:r>
+            <a:r>
+              <a:rPr lang="en-US" dirty="0" err="1" smtClean="0"/>
+              <a:t>getSpecialUser</a:t>
+            </a:r>
+            <a:r>
+              <a:rPr lang="en-US" dirty="0" smtClean="0"/>
+              <a:t>() is invoked and based on the http method, the </a:t>
+            </a:r>
+            <a:r>
+              <a:rPr lang="en-US" dirty="0" err="1" smtClean="0"/>
+              <a:t>resouce</a:t>
+            </a:r>
+            <a:r>
+              <a:rPr lang="en-US" dirty="0" smtClean="0"/>
+              <a:t> </a:t>
+            </a:r>
+            <a:r>
+              <a:rPr lang="en-US" dirty="0" err="1" smtClean="0"/>
+              <a:t>meod</a:t>
+            </a:r>
+            <a:r>
+              <a:rPr lang="en-US" dirty="0" smtClean="0"/>
+              <a:t> of special user class is invoked.</a:t>
+            </a:r>
+          </a:p>
+          <a:p>
+            <a:r>
+              <a:rPr lang="en-US" dirty="0" smtClean="0"/>
+              <a:t>Here the redirection is happening from </a:t>
+            </a:r>
+            <a:r>
+              <a:rPr lang="en-US" dirty="0" err="1" smtClean="0"/>
+              <a:t>Userservice</a:t>
+            </a:r>
+            <a:r>
+              <a:rPr lang="en-US" dirty="0" smtClean="0"/>
+              <a:t> class to </a:t>
+            </a:r>
+            <a:r>
+              <a:rPr lang="en-US" dirty="0" err="1" smtClean="0"/>
+              <a:t>specialusers</a:t>
+            </a:r>
+            <a:r>
+              <a:rPr lang="en-US" dirty="0" smtClean="0"/>
+              <a:t> class using the </a:t>
+            </a:r>
+            <a:r>
+              <a:rPr lang="en-US" dirty="0" err="1" smtClean="0"/>
+              <a:t>subresource</a:t>
+            </a:r>
+            <a:r>
+              <a:rPr lang="en-US" dirty="0" smtClean="0"/>
+              <a:t> locator method at </a:t>
+            </a:r>
+            <a:r>
+              <a:rPr lang="en-US" dirty="0" err="1" smtClean="0"/>
+              <a:t>getSpecialUser</a:t>
+            </a:r>
+            <a:r>
+              <a:rPr lang="en-US" dirty="0" smtClean="0"/>
+              <a:t>.</a:t>
+            </a:r>
+          </a:p>
+          <a:p>
+            <a:r>
+              <a:rPr lang="en-US" dirty="0" smtClean="0"/>
+              <a:t>The entire code not fully functional, we make the code </a:t>
+            </a:r>
+            <a:r>
+              <a:rPr lang="en-US" smtClean="0"/>
+              <a:t>fully functional now.</a:t>
+            </a:r>
+            <a:endParaRPr lang="en-US" dirty="0" smtClean="0"/>
+          </a:p>
+        </p:txBody>
+      </p:sp>
+    </p:spTree>
+    <p:extLst>
+      <p:ext uri="{BB962C8B-B14F-4D97-AF65-F5344CB8AC3E}">
+        <p14:creationId xmlns:p14="http://schemas.microsoft.com/office/powerpoint/2010/main" val="711269911"/>
+      </p:ext>
+    </p:extLst>
+  </p:cSld>
+  <p:clrMapOvr>
+    <a:masterClrMapping/>
+  </p:clrMapOvr>
+  <p:timing>
+    <p:tnLst>
+      <p:par>
+        <p:cTn id="1" dur="indefinite" restart="never" nodeType="tmRoot">
+          <p:childTnLst>
+            <p:seq concurrent="1" nextAc="seek">
+              <p:cTn id="2" dur="indefinite" nodeType="mainSeq">
+                <p:childTnLst>
+                  <p:par>
+                    <p:cTn id="3" fill="hold">
+                      <p:stCondLst>
+                        <p:cond delay="indefinite"/>
+                      </p:stCondLst>
+                      <p:childTnLst>
+                        <p:par>
+                          <p:cTn id="4" fill="hold">
+                            <p:stCondLst>
+                              <p:cond delay="0"/>
+                            </p:stCondLst>
+                            <p:childTnLst>
+                              <p:par>
+                                <p:cTn id="5" presetID="16" presetClass="entr" presetSubtype="21" fill="hold" nodeType="clickEffect">
+                                  <p:stCondLst>
+                                    <p:cond delay="0"/>
+                                  </p:stCondLst>
+                                  <p:childTnLst>
+                                    <p:set>
+                                      <p:cBhvr>
+                                        <p:cTn id="6" dur="1" fill="hold">
+                                          <p:stCondLst>
+                                            <p:cond delay="0"/>
+                                          </p:stCondLst>
+                                        </p:cTn>
+                                        <p:tgtEl>
+                                          <p:spTgt spid="3">
+                                            <p:txEl>
+                                              <p:pRg st="0" end="0"/>
+                                            </p:txEl>
+                                          </p:spTgt>
+                                        </p:tgtEl>
+                                        <p:attrNameLst>
+                                          <p:attrName>style.visibility</p:attrName>
+                                        </p:attrNameLst>
+                                      </p:cBhvr>
+                                      <p:to>
+                                        <p:strVal val="visible"/>
+                                      </p:to>
+                                    </p:set>
+                                    <p:animEffect transition="in" filter="barn(inVertical)">
+                                      <p:cBhvr>
+                                        <p:cTn id="7" dur="500"/>
+                                        <p:tgtEl>
+                                          <p:spTgt spid="3">
+                                            <p:txEl>
+                                              <p:pRg st="0" end="0"/>
+                                            </p:txEl>
+                                          </p:spTgt>
+                                        </p:tgtEl>
+                                      </p:cBhvr>
+                                    </p:animEffect>
+                                  </p:childTnLst>
+                                </p:cTn>
+                              </p:par>
+                            </p:childTnLst>
+                          </p:cTn>
+                        </p:par>
+                      </p:childTnLst>
+                    </p:cTn>
+                  </p:par>
+                  <p:par>
+                    <p:cTn id="8" fill="hold">
+                      <p:stCondLst>
+                        <p:cond delay="indefinite"/>
+                      </p:stCondLst>
+                      <p:childTnLst>
+                        <p:par>
+                          <p:cTn id="9" fill="hold">
+                            <p:stCondLst>
+                              <p:cond delay="0"/>
+                            </p:stCondLst>
+                            <p:childTnLst>
+                              <p:par>
+                                <p:cTn id="10" presetID="16" presetClass="entr" presetSubtype="21" fill="hold" nodeType="clickEffect">
+                                  <p:stCondLst>
+                                    <p:cond delay="0"/>
+                                  </p:stCondLst>
+                                  <p:childTnLst>
+                                    <p:set>
+                                      <p:cBhvr>
+                                        <p:cTn id="11" dur="1" fill="hold">
+                                          <p:stCondLst>
+                                            <p:cond delay="0"/>
+                                          </p:stCondLst>
+                                        </p:cTn>
+                                        <p:tgtEl>
+                                          <p:spTgt spid="3">
+                                            <p:txEl>
+                                              <p:pRg st="1" end="1"/>
+                                            </p:txEl>
+                                          </p:spTgt>
+                                        </p:tgtEl>
+                                        <p:attrNameLst>
+                                          <p:attrName>style.visibility</p:attrName>
+                                        </p:attrNameLst>
+                                      </p:cBhvr>
+                                      <p:to>
+                                        <p:strVal val="visible"/>
+                                      </p:to>
+                                    </p:set>
+                                    <p:animEffect transition="in" filter="barn(inVertical)">
+                                      <p:cBhvr>
+                                        <p:cTn id="12" dur="500"/>
+                                        <p:tgtEl>
+                                          <p:spTgt spid="3">
+                                            <p:txEl>
+                                              <p:pRg st="1" end="1"/>
+                                            </p:txEl>
+                                          </p:spTgt>
+                                        </p:tgtEl>
+                                      </p:cBhvr>
+                                    </p:animEffect>
+                                  </p:childTnLst>
+                                </p:cTn>
+                              </p:par>
+                            </p:childTnLst>
+                          </p:cTn>
+                        </p:par>
+                      </p:childTnLst>
+                    </p:cTn>
+                  </p:par>
+                  <p:par>
+                    <p:cTn id="13" fill="hold">
+                      <p:stCondLst>
+                        <p:cond delay="indefinite"/>
+                      </p:stCondLst>
+                      <p:childTnLst>
+                        <p:par>
+                          <p:cTn id="14" fill="hold">
+                            <p:stCondLst>
+                              <p:cond delay="0"/>
+                            </p:stCondLst>
+                            <p:childTnLst>
+                              <p:par>
+                                <p:cTn id="15" presetID="16" presetClass="entr" presetSubtype="21" fill="hold" nodeType="clickEffect">
+                                  <p:stCondLst>
+                                    <p:cond delay="0"/>
+                                  </p:stCondLst>
+                                  <p:childTnLst>
+                                    <p:set>
+                                      <p:cBhvr>
+                                        <p:cTn id="16" dur="1" fill="hold">
+                                          <p:stCondLst>
+                                            <p:cond delay="0"/>
+                                          </p:stCondLst>
+                                        </p:cTn>
+                                        <p:tgtEl>
+                                          <p:spTgt spid="3">
+                                            <p:txEl>
+                                              <p:pRg st="2" end="2"/>
+                                            </p:txEl>
+                                          </p:spTgt>
+                                        </p:tgtEl>
+                                        <p:attrNameLst>
+                                          <p:attrName>style.visibility</p:attrName>
+                                        </p:attrNameLst>
+                                      </p:cBhvr>
+                                      <p:to>
+                                        <p:strVal val="visible"/>
+                                      </p:to>
+                                    </p:set>
+                                    <p:animEffect transition="in" filter="barn(inVertical)">
+                                      <p:cBhvr>
+                                        <p:cTn id="17" dur="500"/>
+                                        <p:tgtEl>
+                                          <p:spTgt spid="3">
+                                            <p:txEl>
+                                              <p:pRg st="2" end="2"/>
+                                            </p:txEl>
+                                          </p:spTgt>
+                                        </p:tgtEl>
+                                      </p:cBhvr>
+                                    </p:animEffect>
+                                  </p:childTnLst>
+                                </p:cTn>
+                              </p:par>
+                            </p:childTnLst>
+                          </p:cTn>
+                        </p:par>
+                      </p:childTnLst>
+                    </p:cTn>
+                  </p:par>
+                  <p:par>
+                    <p:cTn id="18" fill="hold">
+                      <p:stCondLst>
+                        <p:cond delay="indefinite"/>
+                      </p:stCondLst>
+                      <p:childTnLst>
+                        <p:par>
+                          <p:cTn id="19" fill="hold">
+                            <p:stCondLst>
+                              <p:cond delay="0"/>
+                            </p:stCondLst>
+                            <p:childTnLst>
+                              <p:par>
+                                <p:cTn id="20" presetID="16" presetClass="entr" presetSubtype="21" fill="hold" nodeType="clickEffect">
+                                  <p:stCondLst>
+                                    <p:cond delay="0"/>
+                                  </p:stCondLst>
+                                  <p:childTnLst>
+                                    <p:set>
+                                      <p:cBhvr>
+                                        <p:cTn id="21" dur="1" fill="hold">
+                                          <p:stCondLst>
+                                            <p:cond delay="0"/>
+                                          </p:stCondLst>
+                                        </p:cTn>
+                                        <p:tgtEl>
+                                          <p:spTgt spid="3">
+                                            <p:txEl>
+                                              <p:pRg st="3" end="3"/>
+                                            </p:txEl>
+                                          </p:spTgt>
+                                        </p:tgtEl>
+                                        <p:attrNameLst>
+                                          <p:attrName>style.visibility</p:attrName>
+                                        </p:attrNameLst>
+                                      </p:cBhvr>
+                                      <p:to>
+                                        <p:strVal val="visible"/>
+                                      </p:to>
+                                    </p:set>
+                                    <p:animEffect transition="in" filter="barn(inVertical)">
+                                      <p:cBhvr>
+                                        <p:cTn id="22" dur="500"/>
+                                        <p:tgtEl>
+                                          <p:spTgt spid="3">
+                                            <p:txEl>
+                                              <p:pRg st="3" end="3"/>
+                                            </p:txEl>
+                                          </p:spTgt>
+                                        </p:tgtEl>
+                                      </p:cBhvr>
+                                    </p:animEffect>
+                                  </p:childTnLst>
+                                </p:cTn>
+                              </p:par>
+                            </p:childTnLst>
+                          </p:cTn>
+                        </p:par>
+                      </p:childTnLst>
+                    </p:cTn>
+                  </p:par>
+                </p:childTnLst>
+              </p:cTn>
+              <p:prevCondLst>
+                <p:cond evt="onPrev" delay="0">
+                  <p:tgtEl>
+                    <p:sldTgt/>
+                  </p:tgtEl>
+                </p:cond>
+              </p:prevCondLst>
+              <p:nextCondLst>
+                <p:cond evt="onNext" delay="0">
+                  <p:tgtEl>
+                    <p:sldTgt/>
+                  </p:tgtEl>
+                </p:cond>
+              </p:nextCondLst>
+            </p:seq>
+          </p:childTnLst>
+        </p:cTn>
+      </p:par>
+    </p:tnLst>
+  </p:timing>
+</p:sld>
+</file>
+
 <file path=ppt/slides/slide2.xml><?xml version="1.0" encoding="utf-8"?>
 <p:sld xmlns:a="http://schemas.openxmlformats.org/drawingml/2006/main" xmlns:r="http://schemas.openxmlformats.org/officeDocument/2006/relationships" xmlns:p="http://schemas.openxmlformats.org/presentationml/2006/main">
   <p:cSld>
@@ -4016,15 +5831,7 @@
             <a:pPr algn="l"/>
             <a:r>
               <a:rPr lang="en-US" dirty="0" smtClean="0"/>
-              <a:t>Introduction to </a:t>
-            </a:r>
-            <a:r>
-              <a:rPr lang="en-US" dirty="0" err="1" smtClean="0"/>
-              <a:t>RESTful</a:t>
-            </a:r>
-            <a:r>
-              <a:rPr lang="en-US" dirty="0" smtClean="0"/>
-              <a:t> web services</a:t>
+              <a:t>Introduction to RESTful web services</a:t>
             </a:r>
             <a:endParaRPr lang="en-US" dirty="0"/>
           </a:p>
@@ -4054,15 +5861,7 @@
           <a:p>
             <a:r>
               <a:rPr lang="en-US" dirty="0" smtClean="0"/>
-              <a:t>Java </a:t>
-            </a:r>
-            <a:r>
-              <a:rPr lang="en-US" dirty="0" err="1" smtClean="0"/>
-              <a:t>RESTful</a:t>
-            </a:r>
-            <a:r>
-              <a:rPr lang="en-US" dirty="0" smtClean="0"/>
-              <a:t> </a:t>
+              <a:t>Java RESTful </a:t>
             </a:r>
             <a:r>
               <a:rPr lang="en-US" dirty="0" err="1" smtClean="0"/>
@@ -4630,15 +6429,7 @@
             <a:pPr algn="l"/>
             <a:r>
               <a:rPr lang="en-US" dirty="0" smtClean="0"/>
-              <a:t>Introduction to </a:t>
-            </a:r>
-            <a:r>
-              <a:rPr lang="en-US" dirty="0" err="1" smtClean="0"/>
-              <a:t>RESTful</a:t>
-            </a:r>
-            <a:r>
-              <a:rPr lang="en-US" dirty="0" smtClean="0"/>
-              <a:t> web services</a:t>
+              <a:t>Introduction to RESTful web services</a:t>
             </a:r>
             <a:endParaRPr lang="en-US" dirty="0"/>
           </a:p>
@@ -4667,16 +6458,8 @@
           <a:lstStyle/>
           <a:p>
             <a:r>
-              <a:rPr lang="en-US" dirty="0" err="1" smtClean="0"/>
-              <a:t>RESTful</a:t>
-            </a:r>
-            <a:r>
-              <a:rPr lang="en-US" dirty="0" smtClean="0"/>
-              <a:t> – </a:t>
-            </a:r>
-            <a:r>
-              <a:rPr lang="en-US" dirty="0" smtClean="0"/>
-              <a:t>Representational State Transfer</a:t>
+              <a:rPr lang="en-US" dirty="0" smtClean="0"/>
+              <a:t>RESTful – Representational State Transfer</a:t>
             </a:r>
           </a:p>
           <a:p>
@@ -4689,15 +6472,7 @@
             <a:pPr lvl="1"/>
             <a:r>
               <a:rPr lang="en-US" dirty="0" smtClean="0"/>
-              <a:t>The data can be sent in different representations like xml or </a:t>
-            </a:r>
-            <a:r>
-              <a:rPr lang="en-US" dirty="0" err="1" smtClean="0"/>
-              <a:t>json</a:t>
-            </a:r>
-            <a:r>
-              <a:rPr lang="en-US" dirty="0" smtClean="0"/>
-              <a:t> format from server to the client or vice versa.</a:t>
+              <a:t>The data can be sent in different representations like xml or json format from server to the client or vice versa.</a:t>
             </a:r>
           </a:p>
           <a:p>
@@ -4714,20 +6489,20 @@
               <a:t>We generally send a java object from method of </a:t>
             </a:r>
             <a:r>
-              <a:rPr lang="en-US" dirty="0" err="1" smtClean="0"/>
-              <a:t>webservice</a:t>
-            </a:r>
-            <a:r>
-              <a:rPr lang="en-US" dirty="0" smtClean="0"/>
-              <a:t> class, but the runtime </a:t>
-            </a:r>
-            <a:r>
-              <a:rPr lang="en-US" dirty="0" err="1" smtClean="0"/>
-              <a:t>envionment</a:t>
-            </a:r>
-            <a:r>
-              <a:rPr lang="en-US" dirty="0" smtClean="0"/>
-              <a:t> convers the object into desired format which the client asks and sent to client.</a:t>
+              <a:rPr lang="en-US" dirty="0" smtClean="0"/>
+              <a:t>web service </a:t>
+            </a:r>
+            <a:r>
+              <a:rPr lang="en-US" dirty="0" smtClean="0"/>
+              <a:t>class, but the runtime </a:t>
+            </a:r>
+            <a:r>
+              <a:rPr lang="en-US" dirty="0" smtClean="0"/>
+              <a:t>environment </a:t>
+            </a:r>
+            <a:r>
+              <a:rPr lang="en-US" dirty="0" smtClean="0"/>
+              <a:t>convers the object into desired format which the client asks and sent to client.</a:t>
             </a:r>
           </a:p>
           <a:p>
@@ -4746,12 +6521,12 @@
           <a:p>
             <a:pPr lvl="1"/>
             <a:r>
-              <a:rPr lang="en-US" dirty="0" err="1" smtClean="0"/>
-              <a:t>E.g</a:t>
-            </a:r>
-            <a:r>
-              <a:rPr lang="en-US" dirty="0" smtClean="0"/>
-              <a:t> if we sent POST of delete HTTP request then it can update or delete the server objects. This is on server side.</a:t>
+              <a:rPr lang="en-US" dirty="0" smtClean="0"/>
+              <a:t>E.g. </a:t>
+            </a:r>
+            <a:r>
+              <a:rPr lang="en-US" dirty="0" smtClean="0"/>
+              <a:t>if we sent POST of delete HTTP request then it can update or delete the server objects. This is on server side.</a:t>
             </a:r>
           </a:p>
           <a:p>
@@ -4761,44 +6536,24 @@
               <a:t>On </a:t>
             </a:r>
             <a:r>
-              <a:rPr lang="en-US" dirty="0" err="1" smtClean="0"/>
-              <a:t>clinet</a:t>
-            </a:r>
-            <a:r>
-              <a:rPr lang="en-US" dirty="0" smtClean="0"/>
-              <a:t> side also the same thing happen. We might get new objects from server, where there is some state change involved here because of the restful call.</a:t>
-            </a:r>
-          </a:p>
-          <a:p>
-            <a:r>
-              <a:rPr lang="en-US" dirty="0" err="1" smtClean="0"/>
-              <a:t>RESTful</a:t>
-            </a:r>
-            <a:r>
-              <a:rPr lang="en-US" dirty="0" smtClean="0"/>
-              <a:t> – is about the representation of the data that results in the change of state of either server or client.</a:t>
-            </a:r>
-          </a:p>
-          <a:p>
-            <a:r>
-              <a:rPr lang="en-US" dirty="0" smtClean="0"/>
-              <a:t>Specificatio</a:t>
-            </a:r>
-            <a:r>
-              <a:rPr lang="en-US" dirty="0" smtClean="0"/>
-              <a:t>n provided for </a:t>
-            </a:r>
-            <a:r>
-              <a:rPr lang="en-US" dirty="0" err="1" smtClean="0"/>
-              <a:t>RESTful</a:t>
-            </a:r>
-            <a:r>
-              <a:rPr lang="en-US" dirty="0" smtClean="0"/>
-              <a:t> – </a:t>
-            </a:r>
-            <a:r>
-              <a:rPr lang="en-US" dirty="0" smtClean="0"/>
-              <a:t>JAX - RS – standard , mostly about annotations present and which we can use in our code, which we can make a </a:t>
+              <a:rPr lang="en-US" dirty="0" smtClean="0"/>
+              <a:t>client </a:t>
+            </a:r>
+            <a:r>
+              <a:rPr lang="en-US" dirty="0" smtClean="0"/>
+              <a:t>side also the same thing happen. We might get new objects from server, where there is some state change involved here because of the restful call.</a:t>
+            </a:r>
+          </a:p>
+          <a:p>
+            <a:r>
+              <a:rPr lang="en-US" dirty="0" smtClean="0"/>
+              <a:t>RESTful – is about the representation of the data that results in the change of state of either server or client.</a:t>
+            </a:r>
+          </a:p>
+          <a:p>
+            <a:r>
+              <a:rPr lang="en-US" dirty="0" smtClean="0"/>
+              <a:t>Specification provided for RESTful – JAX - RS – standard , mostly about annotations present and which we can use in our code, which we can make a </a:t>
             </a:r>
             <a:r>
               <a:rPr lang="en-US" dirty="0" err="1" smtClean="0"/>
@@ -4809,12 +6564,8 @@
               <a:t> class a </a:t>
             </a:r>
             <a:r>
-              <a:rPr lang="en-US" dirty="0" err="1" smtClean="0"/>
-              <a:t>webservice</a:t>
-            </a:r>
-            <a:r>
-              <a:rPr lang="en-US" dirty="0" smtClean="0"/>
-              <a:t>.</a:t>
+              <a:rPr lang="en-US" dirty="0" smtClean="0"/>
+              <a:t>web service.</a:t>
             </a:r>
             <a:endParaRPr lang="en-US" dirty="0"/>
           </a:p>
@@ -5576,15 +7327,7 @@
             <a:pPr algn="l"/>
             <a:r>
               <a:rPr lang="en-US" dirty="0" smtClean="0"/>
-              <a:t>Introduction to </a:t>
-            </a:r>
-            <a:r>
-              <a:rPr lang="en-US" dirty="0" err="1" smtClean="0"/>
-              <a:t>RESTful</a:t>
-            </a:r>
-            <a:r>
-              <a:rPr lang="en-US" dirty="0" smtClean="0"/>
-              <a:t> web services</a:t>
+              <a:t>Introduction to RESTful web services</a:t>
             </a:r>
             <a:endParaRPr lang="en-US" dirty="0"/>
           </a:p>
@@ -5608,14 +7351,19 @@
         </p:spPr>
         <p:txBody>
           <a:bodyPr>
-            <a:normAutofit fontScale="77500" lnSpcReduction="20000"/>
+            <a:normAutofit fontScale="70000" lnSpcReduction="20000"/>
           </a:bodyPr>
           <a:lstStyle/>
           <a:p>
             <a:r>
               <a:rPr lang="en-US" dirty="0" smtClean="0"/>
-              <a:t>There are many vendors like</a:t>
-            </a:r>
+              <a:t>There are many vendors </a:t>
+            </a:r>
+            <a:r>
+              <a:rPr lang="en-US" dirty="0" smtClean="0"/>
+              <a:t>who provide implementation</a:t>
+            </a:r>
+            <a:endParaRPr lang="en-US" dirty="0" smtClean="0"/>
           </a:p>
           <a:p>
             <a:pPr lvl="1"/>
@@ -5647,24 +7395,38 @@
               <a:t>We need </a:t>
             </a:r>
             <a:r>
-              <a:rPr lang="en-US" dirty="0" err="1" smtClean="0"/>
-              <a:t>toinclude</a:t>
-            </a:r>
-            <a:r>
-              <a:rPr lang="en-US" dirty="0" smtClean="0"/>
-              <a:t> the jar files to the project, then we can create or consume web services.</a:t>
-            </a:r>
-          </a:p>
-          <a:p>
-            <a:r>
-              <a:rPr lang="en-US" dirty="0" smtClean="0"/>
-              <a:t>Any POJO class can be exposed as web service.</a:t>
-            </a:r>
-          </a:p>
-          <a:p>
-            <a:r>
-              <a:rPr lang="en-US" dirty="0" smtClean="0"/>
-              <a:t>How does the runtime </a:t>
+              <a:rPr lang="en-US" dirty="0" smtClean="0"/>
+              <a:t>to include </a:t>
+            </a:r>
+            <a:r>
+              <a:rPr lang="en-US" dirty="0" smtClean="0"/>
+              <a:t>the jar files to the project, then we can create or consume </a:t>
+            </a:r>
+            <a:r>
+              <a:rPr lang="en-US" dirty="0" smtClean="0"/>
+              <a:t>RESTful </a:t>
+            </a:r>
+            <a:r>
+              <a:rPr lang="en-US" dirty="0" smtClean="0"/>
+              <a:t>web </a:t>
+            </a:r>
+            <a:r>
+              <a:rPr lang="en-US" dirty="0" smtClean="0"/>
+              <a:t>services.</a:t>
+            </a:r>
+          </a:p>
+          <a:p>
+            <a:r>
+              <a:rPr lang="en-US" dirty="0" smtClean="0"/>
+              <a:t>Any POJO class can be exposed as web service</a:t>
+            </a:r>
+            <a:r>
+              <a:rPr lang="en-US" dirty="0" smtClean="0"/>
+              <a:t>. But How </a:t>
+            </a:r>
+            <a:r>
+              <a:rPr lang="en-US" dirty="0" smtClean="0"/>
+              <a:t>does the runtime </a:t>
             </a:r>
             <a:r>
               <a:rPr lang="en-US" dirty="0" err="1" smtClean="0"/>
@@ -5678,7 +7440,23 @@
           <a:p>
             <a:r>
               <a:rPr lang="en-US" dirty="0" smtClean="0"/>
-              <a:t>for this server uses, URI pattern and uses HTTP methods like GET, POST, PUT, DELETE, to find out which class and which method is to be invoked as the web service.</a:t>
+              <a:t>for </a:t>
+            </a:r>
+            <a:r>
+              <a:rPr lang="en-US" dirty="0" smtClean="0"/>
+              <a:t>this, </a:t>
+            </a:r>
+            <a:r>
+              <a:rPr lang="en-US" dirty="0" smtClean="0"/>
+              <a:t>server uses, URI pattern and uses HTTP </a:t>
+            </a:r>
+            <a:r>
+              <a:rPr lang="en-US" dirty="0" smtClean="0"/>
+              <a:t>request methods </a:t>
+            </a:r>
+            <a:r>
+              <a:rPr lang="en-US" dirty="0" smtClean="0"/>
+              <a:t>like GET, POST, PUT, DELETE, to find out which class and which method is to be invoked as the web service.</a:t>
             </a:r>
           </a:p>
           <a:p>
@@ -5694,11 +7472,7 @@
             </a:r>
             <a:r>
               <a:rPr lang="en-US" dirty="0" err="1" smtClean="0"/>
-              <a:t>en</a:t>
-            </a:r>
-            <a:r>
-              <a:rPr lang="en-US" dirty="0" err="1" smtClean="0"/>
-              <a:t>v</a:t>
+              <a:t>env</a:t>
             </a:r>
             <a:r>
               <a:rPr lang="en-US" dirty="0" smtClean="0"/>
@@ -5710,7 +7484,15 @@
             </a:r>
             <a:r>
               <a:rPr lang="en-US" dirty="0" smtClean="0"/>
-              <a:t> or Rest easy or some times called </a:t>
+              <a:t> or Rest easy </a:t>
+            </a:r>
+            <a:r>
+              <a:rPr lang="en-US" dirty="0" smtClean="0"/>
+              <a:t>framework or </a:t>
+            </a:r>
+            <a:r>
+              <a:rPr lang="en-US" dirty="0" smtClean="0"/>
+              <a:t>some times called </a:t>
             </a:r>
             <a:r>
               <a:rPr lang="en-US" dirty="0" err="1" smtClean="0"/>
@@ -5718,7 +7500,19 @@
             </a:r>
             <a:r>
               <a:rPr lang="en-US" dirty="0" smtClean="0"/>
-              <a:t>-RS , here we will use </a:t>
+              <a:t>-RS runtime </a:t>
+            </a:r>
+            <a:r>
+              <a:rPr lang="en-US" dirty="0" err="1" smtClean="0"/>
+              <a:t>env</a:t>
+            </a:r>
+            <a:r>
+              <a:rPr lang="en-US" dirty="0" smtClean="0"/>
+              <a:t> </a:t>
+            </a:r>
+            <a:r>
+              <a:rPr lang="en-US" dirty="0" smtClean="0"/>
+              <a:t>, here we will use </a:t>
             </a:r>
             <a:r>
               <a:rPr lang="en-US" dirty="0" err="1" smtClean="0"/>
@@ -6285,67 +8079,6 @@
                                           <p:spTgt spid="3">
                                             <p:txEl>
                                               <p:pRg st="8" end="8"/>
-                                            </p:txEl>
-                                          </p:spTgt>
-                                        </p:tgtEl>
-                                      </p:cBhvr>
-                                    </p:animEffect>
-                                  </p:childTnLst>
-                                </p:cTn>
-                              </p:par>
-                            </p:childTnLst>
-                          </p:cTn>
-                        </p:par>
-                      </p:childTnLst>
-                    </p:cTn>
-                  </p:par>
-                  <p:par>
-                    <p:cTn id="48" fill="hold">
-                      <p:stCondLst>
-                        <p:cond delay="indefinite"/>
-                      </p:stCondLst>
-                      <p:childTnLst>
-                        <p:par>
-                          <p:cTn id="49" fill="hold">
-                            <p:stCondLst>
-                              <p:cond delay="0"/>
-                            </p:stCondLst>
-                            <p:childTnLst>
-                              <p:par>
-                                <p:cTn id="50" presetID="16" presetClass="entr" presetSubtype="21" fill="hold" nodeType="clickEffect">
-                                  <p:stCondLst>
-                                    <p:cond delay="0"/>
-                                  </p:stCondLst>
-                                  <p:childTnLst>
-                                    <p:set>
-                                      <p:cBhvr>
-                                        <p:cTn id="51" dur="1" fill="hold">
-                                          <p:stCondLst>
-                                            <p:cond delay="0"/>
-                                          </p:stCondLst>
-                                        </p:cTn>
-                                        <p:tgtEl>
-                                          <p:spTgt spid="3">
-                                            <p:txEl>
-                                              <p:pRg st="9" end="9"/>
-                                            </p:txEl>
-                                          </p:spTgt>
-                                        </p:tgtEl>
-                                        <p:attrNameLst>
-                                          <p:attrName>style.visibility</p:attrName>
-                                        </p:attrNameLst>
-                                      </p:cBhvr>
-                                      <p:to>
-                                        <p:strVal val="visible"/>
-                                      </p:to>
-                                    </p:set>
-                                    <p:animEffect transition="in" filter="barn(inVertical)">
-                                      <p:cBhvr>
-                                        <p:cTn id="52" dur="500"/>
-                                        <p:tgtEl>
-                                          <p:spTgt spid="3">
-                                            <p:txEl>
-                                              <p:pRg st="9" end="9"/>
                                             </p:txEl>
                                           </p:spTgt>
                                         </p:tgtEl>
@@ -6427,15 +8160,7 @@
             <a:pPr algn="l"/>
             <a:r>
               <a:rPr lang="en-US" dirty="0" smtClean="0"/>
-              <a:t>Introduction to </a:t>
-            </a:r>
-            <a:r>
-              <a:rPr lang="en-US" dirty="0" err="1" smtClean="0"/>
-              <a:t>RESTful</a:t>
-            </a:r>
-            <a:r>
-              <a:rPr lang="en-US" dirty="0" smtClean="0"/>
-              <a:t> web services</a:t>
+              <a:t>Introduction to RESTful web services</a:t>
             </a:r>
             <a:endParaRPr lang="en-US" dirty="0"/>
           </a:p>
@@ -6465,19 +8190,13 @@
           <a:p>
             <a:r>
               <a:rPr lang="en-US" dirty="0" smtClean="0"/>
-              <a:t>Note tha</a:t>
-            </a:r>
-            <a:r>
-              <a:rPr lang="en-US" dirty="0" smtClean="0"/>
-              <a:t>t we are using the existing technologies like HTTP protocol, HTTP request methods and URI patterns.</a:t>
-            </a:r>
-          </a:p>
-          <a:p>
-            <a:r>
-              <a:rPr lang="en-US" b="1" dirty="0" smtClean="0"/>
-              <a:t>See second video</a:t>
-            </a:r>
-            <a:endParaRPr lang="en-US" b="1" dirty="0"/>
+              <a:t>Note that we are using the existing technologies like HTTP protocol, HTTP request methods and URI patterns</a:t>
+            </a:r>
+            <a:r>
+              <a:rPr lang="en-US" dirty="0" smtClean="0"/>
+              <a:t>.</a:t>
+            </a:r>
+            <a:endParaRPr lang="en-US" dirty="0" smtClean="0"/>
           </a:p>
         </p:txBody>
       </p:sp>
@@ -6560,6 +8279,302 @@
                       </p:childTnLst>
                     </p:cTn>
                   </p:par>
+                </p:childTnLst>
+              </p:cTn>
+              <p:prevCondLst>
+                <p:cond evt="onPrev" delay="0">
+                  <p:tgtEl>
+                    <p:sldTgt/>
+                  </p:tgtEl>
+                </p:cond>
+              </p:prevCondLst>
+              <p:nextCondLst>
+                <p:cond evt="onNext" delay="0">
+                  <p:tgtEl>
+                    <p:sldTgt/>
+                  </p:tgtEl>
+                </p:cond>
+              </p:nextCondLst>
+            </p:seq>
+          </p:childTnLst>
+        </p:cTn>
+      </p:par>
+    </p:tnLst>
+  </p:timing>
+</p:sld>
+</file>
+
+<file path=ppt/slides/slide6.xml><?xml version="1.0" encoding="utf-8"?>
+<p:sld xmlns:a="http://schemas.openxmlformats.org/drawingml/2006/main" xmlns:r="http://schemas.openxmlformats.org/officeDocument/2006/relationships" xmlns:p="http://schemas.openxmlformats.org/presentationml/2006/main">
+  <p:cSld>
+    <p:spTree>
+      <p:nvGrpSpPr>
+        <p:cNvPr id="1" name=""/>
+        <p:cNvGrpSpPr/>
+        <p:nvPr/>
+      </p:nvGrpSpPr>
+      <p:grpSpPr>
+        <a:xfrm>
+          <a:off x="0" y="0"/>
+          <a:ext cx="0" cy="0"/>
+          <a:chOff x="0" y="0"/>
+          <a:chExt cx="0" cy="0"/>
+        </a:xfrm>
+      </p:grpSpPr>
+      <p:sp>
+        <p:nvSpPr>
+          <p:cNvPr id="2" name="Title 1"/>
+          <p:cNvSpPr>
+            <a:spLocks noGrp="1"/>
+          </p:cNvSpPr>
+          <p:nvPr>
+            <p:ph type="title"/>
+          </p:nvPr>
+        </p:nvSpPr>
+        <p:spPr>
+          <a:xfrm>
+            <a:off x="381000" y="12700"/>
+            <a:ext cx="8229600" cy="901700"/>
+          </a:xfrm>
+        </p:spPr>
+        <p:txBody>
+          <a:bodyPr>
+            <a:normAutofit fontScale="90000"/>
+          </a:bodyPr>
+          <a:lstStyle/>
+          <a:p>
+            <a:pPr algn="l"/>
+            <a:r>
+              <a:rPr lang="en-US" dirty="0" smtClean="0"/>
+              <a:t>How to Create RESTful web services?</a:t>
+            </a:r>
+            <a:endParaRPr lang="en-US" dirty="0"/>
+          </a:p>
+        </p:txBody>
+      </p:sp>
+      <p:sp>
+        <p:nvSpPr>
+          <p:cNvPr id="3" name="Content Placeholder 2"/>
+          <p:cNvSpPr>
+            <a:spLocks noGrp="1"/>
+          </p:cNvSpPr>
+          <p:nvPr>
+            <p:ph idx="1"/>
+          </p:nvPr>
+        </p:nvSpPr>
+        <p:spPr>
+          <a:xfrm>
+            <a:off x="457200" y="990600"/>
+            <a:ext cx="8382000" cy="5638800"/>
+          </a:xfrm>
+        </p:spPr>
+        <p:txBody>
+          <a:bodyPr>
+            <a:normAutofit fontScale="85000" lnSpcReduction="10000"/>
+          </a:bodyPr>
+          <a:lstStyle/>
+          <a:p>
+            <a:r>
+              <a:rPr lang="en-US" dirty="0" smtClean="0"/>
+              <a:t>Download and extract Jersey bundle.</a:t>
+            </a:r>
+          </a:p>
+          <a:p>
+            <a:pPr lvl="1"/>
+            <a:r>
+              <a:rPr lang="en-US" dirty="0">
+                <a:hlinkClick r:id="rId3"/>
+              </a:rPr>
+              <a:t>https://</a:t>
+            </a:r>
+            <a:r>
+              <a:rPr lang="en-US" dirty="0" smtClean="0">
+                <a:hlinkClick r:id="rId3"/>
+              </a:rPr>
+              <a:t>jersey.java.net/download.html</a:t>
+            </a:r>
+            <a:endParaRPr lang="en-US" dirty="0" smtClean="0"/>
+          </a:p>
+          <a:p>
+            <a:r>
+              <a:rPr lang="en-US" dirty="0" err="1" smtClean="0"/>
+              <a:t>jaxrs-ri</a:t>
+            </a:r>
+            <a:r>
+              <a:rPr lang="en-US" dirty="0" smtClean="0"/>
+              <a:t>\lib jar files are used to create web service.</a:t>
+            </a:r>
+          </a:p>
+          <a:p>
+            <a:r>
+              <a:rPr lang="en-US" dirty="0" smtClean="0"/>
+              <a:t>Eclipse – dynamic web project – name – </a:t>
+            </a:r>
+            <a:r>
+              <a:rPr lang="en-US" dirty="0" err="1" smtClean="0"/>
+              <a:t>RestfulWebService</a:t>
+            </a:r>
+            <a:r>
+              <a:rPr lang="en-US" dirty="0" smtClean="0"/>
+              <a:t>, go to WEB-INF lib folder, paste all the jersey/lib and </a:t>
+            </a:r>
+            <a:r>
+              <a:rPr lang="en-US" dirty="0" err="1" smtClean="0"/>
+              <a:t>ext</a:t>
+            </a:r>
+            <a:r>
+              <a:rPr lang="en-US" dirty="0" smtClean="0"/>
+              <a:t> jars.</a:t>
+            </a:r>
+          </a:p>
+          <a:p>
+            <a:r>
+              <a:rPr lang="en-US" dirty="0" smtClean="0"/>
+              <a:t>Create a new class in the above project, </a:t>
+            </a:r>
+            <a:r>
+              <a:rPr lang="en-US" dirty="0"/>
+              <a:t>package name </a:t>
+            </a:r>
+            <a:r>
+              <a:rPr lang="en-US" dirty="0" err="1" smtClean="0"/>
+              <a:t>com.service.user</a:t>
+            </a:r>
+            <a:r>
+              <a:rPr lang="en-US" dirty="0" smtClean="0"/>
+              <a:t> and class name as </a:t>
+            </a:r>
+            <a:r>
+              <a:rPr lang="en-US" dirty="0" err="1" smtClean="0"/>
+              <a:t>UserServices</a:t>
+            </a:r>
+            <a:r>
+              <a:rPr lang="en-US" dirty="0" smtClean="0"/>
+              <a:t>.</a:t>
+            </a:r>
+          </a:p>
+          <a:p>
+            <a:r>
+              <a:rPr lang="en-US" dirty="0" smtClean="0"/>
+              <a:t>We will create some </a:t>
+            </a:r>
+            <a:r>
+              <a:rPr lang="en-US" b="1" dirty="0" smtClean="0"/>
+              <a:t>public </a:t>
+            </a:r>
+            <a:r>
+              <a:rPr lang="en-US" dirty="0" smtClean="0"/>
+              <a:t>methods inside the class.. </a:t>
+            </a:r>
+            <a:r>
+              <a:rPr lang="en-US" dirty="0" err="1" smtClean="0"/>
+              <a:t>CreateUser,getUser,updateUser,deleteUser</a:t>
+            </a:r>
+            <a:r>
+              <a:rPr lang="en-US" dirty="0" smtClean="0"/>
+              <a:t>.</a:t>
+            </a:r>
+          </a:p>
+          <a:p>
+            <a:r>
+              <a:rPr lang="en-US" dirty="0" smtClean="0"/>
+              <a:t>Now we have some class with 4 methods, now we need to make this class as a </a:t>
+            </a:r>
+            <a:r>
+              <a:rPr lang="en-US" dirty="0" err="1" smtClean="0"/>
+              <a:t>webservice</a:t>
+            </a:r>
+            <a:r>
+              <a:rPr lang="en-US" dirty="0"/>
+              <a:t> </a:t>
+            </a:r>
+            <a:r>
+              <a:rPr lang="en-US" dirty="0" smtClean="0"/>
+              <a:t>so that it can be consumed by client.</a:t>
+            </a:r>
+            <a:endParaRPr lang="en-US" dirty="0" smtClean="0"/>
+          </a:p>
+        </p:txBody>
+      </p:sp>
+    </p:spTree>
+    <p:extLst>
+      <p:ext uri="{BB962C8B-B14F-4D97-AF65-F5344CB8AC3E}">
+        <p14:creationId xmlns:p14="http://schemas.microsoft.com/office/powerpoint/2010/main" val="3188587704"/>
+      </p:ext>
+    </p:extLst>
+  </p:cSld>
+  <p:clrMapOvr>
+    <a:masterClrMapping/>
+  </p:clrMapOvr>
+  <p:timing>
+    <p:tnLst>
+      <p:par>
+        <p:cTn id="1" dur="indefinite" restart="never" nodeType="tmRoot">
+          <p:childTnLst>
+            <p:seq concurrent="1" nextAc="seek">
+              <p:cTn id="2" dur="indefinite" nodeType="mainSeq">
+                <p:childTnLst>
+                  <p:par>
+                    <p:cTn id="3" fill="hold">
+                      <p:stCondLst>
+                        <p:cond delay="indefinite"/>
+                      </p:stCondLst>
+                      <p:childTnLst>
+                        <p:par>
+                          <p:cTn id="4" fill="hold">
+                            <p:stCondLst>
+                              <p:cond delay="0"/>
+                            </p:stCondLst>
+                            <p:childTnLst>
+                              <p:par>
+                                <p:cTn id="5" presetID="16" presetClass="entr" presetSubtype="21" fill="hold" nodeType="clickEffect">
+                                  <p:stCondLst>
+                                    <p:cond delay="0"/>
+                                  </p:stCondLst>
+                                  <p:childTnLst>
+                                    <p:set>
+                                      <p:cBhvr>
+                                        <p:cTn id="6" dur="1" fill="hold">
+                                          <p:stCondLst>
+                                            <p:cond delay="0"/>
+                                          </p:stCondLst>
+                                        </p:cTn>
+                                        <p:tgtEl>
+                                          <p:spTgt spid="3">
+                                            <p:txEl>
+                                              <p:pRg st="0" end="0"/>
+                                            </p:txEl>
+                                          </p:spTgt>
+                                        </p:tgtEl>
+                                        <p:attrNameLst>
+                                          <p:attrName>style.visibility</p:attrName>
+                                        </p:attrNameLst>
+                                      </p:cBhvr>
+                                      <p:to>
+                                        <p:strVal val="visible"/>
+                                      </p:to>
+                                    </p:set>
+                                    <p:animEffect transition="in" filter="barn(inVertical)">
+                                      <p:cBhvr>
+                                        <p:cTn id="7" dur="500"/>
+                                        <p:tgtEl>
+                                          <p:spTgt spid="3">
+                                            <p:txEl>
+                                              <p:pRg st="0" end="0"/>
+                                            </p:txEl>
+                                          </p:spTgt>
+                                        </p:tgtEl>
+                                      </p:cBhvr>
+                                    </p:animEffect>
+                                  </p:childTnLst>
+                                </p:cTn>
+                              </p:par>
+                            </p:childTnLst>
+                          </p:cTn>
+                        </p:par>
+                      </p:childTnLst>
+                    </p:cTn>
+                  </p:par>
                   <p:par>
                     <p:cTn id="8" fill="hold">
                       <p:stCondLst>
@@ -6607,6 +8622,2007 @@
                                           <p:spTgt spid="3">
                                             <p:txEl>
                                               <p:pRg st="1" end="1"/>
+                                            </p:txEl>
+                                          </p:spTgt>
+                                        </p:tgtEl>
+                                      </p:cBhvr>
+                                    </p:animEffect>
+                                  </p:childTnLst>
+                                </p:cTn>
+                              </p:par>
+                            </p:childTnLst>
+                          </p:cTn>
+                        </p:par>
+                      </p:childTnLst>
+                    </p:cTn>
+                  </p:par>
+                  <p:par>
+                    <p:cTn id="13" fill="hold">
+                      <p:stCondLst>
+                        <p:cond delay="indefinite"/>
+                      </p:stCondLst>
+                      <p:childTnLst>
+                        <p:par>
+                          <p:cTn id="14" fill="hold">
+                            <p:stCondLst>
+                              <p:cond delay="0"/>
+                            </p:stCondLst>
+                            <p:childTnLst>
+                              <p:par>
+                                <p:cTn id="15" presetID="16" presetClass="entr" presetSubtype="21" fill="hold" nodeType="clickEffect">
+                                  <p:stCondLst>
+                                    <p:cond delay="0"/>
+                                  </p:stCondLst>
+                                  <p:childTnLst>
+                                    <p:set>
+                                      <p:cBhvr>
+                                        <p:cTn id="16" dur="1" fill="hold">
+                                          <p:stCondLst>
+                                            <p:cond delay="0"/>
+                                          </p:stCondLst>
+                                        </p:cTn>
+                                        <p:tgtEl>
+                                          <p:spTgt spid="3">
+                                            <p:txEl>
+                                              <p:pRg st="2" end="2"/>
+                                            </p:txEl>
+                                          </p:spTgt>
+                                        </p:tgtEl>
+                                        <p:attrNameLst>
+                                          <p:attrName>style.visibility</p:attrName>
+                                        </p:attrNameLst>
+                                      </p:cBhvr>
+                                      <p:to>
+                                        <p:strVal val="visible"/>
+                                      </p:to>
+                                    </p:set>
+                                    <p:animEffect transition="in" filter="barn(inVertical)">
+                                      <p:cBhvr>
+                                        <p:cTn id="17" dur="500"/>
+                                        <p:tgtEl>
+                                          <p:spTgt spid="3">
+                                            <p:txEl>
+                                              <p:pRg st="2" end="2"/>
+                                            </p:txEl>
+                                          </p:spTgt>
+                                        </p:tgtEl>
+                                      </p:cBhvr>
+                                    </p:animEffect>
+                                  </p:childTnLst>
+                                </p:cTn>
+                              </p:par>
+                            </p:childTnLst>
+                          </p:cTn>
+                        </p:par>
+                      </p:childTnLst>
+                    </p:cTn>
+                  </p:par>
+                  <p:par>
+                    <p:cTn id="18" fill="hold">
+                      <p:stCondLst>
+                        <p:cond delay="indefinite"/>
+                      </p:stCondLst>
+                      <p:childTnLst>
+                        <p:par>
+                          <p:cTn id="19" fill="hold">
+                            <p:stCondLst>
+                              <p:cond delay="0"/>
+                            </p:stCondLst>
+                            <p:childTnLst>
+                              <p:par>
+                                <p:cTn id="20" presetID="16" presetClass="entr" presetSubtype="21" fill="hold" nodeType="clickEffect">
+                                  <p:stCondLst>
+                                    <p:cond delay="0"/>
+                                  </p:stCondLst>
+                                  <p:childTnLst>
+                                    <p:set>
+                                      <p:cBhvr>
+                                        <p:cTn id="21" dur="1" fill="hold">
+                                          <p:stCondLst>
+                                            <p:cond delay="0"/>
+                                          </p:stCondLst>
+                                        </p:cTn>
+                                        <p:tgtEl>
+                                          <p:spTgt spid="3">
+                                            <p:txEl>
+                                              <p:pRg st="3" end="3"/>
+                                            </p:txEl>
+                                          </p:spTgt>
+                                        </p:tgtEl>
+                                        <p:attrNameLst>
+                                          <p:attrName>style.visibility</p:attrName>
+                                        </p:attrNameLst>
+                                      </p:cBhvr>
+                                      <p:to>
+                                        <p:strVal val="visible"/>
+                                      </p:to>
+                                    </p:set>
+                                    <p:animEffect transition="in" filter="barn(inVertical)">
+                                      <p:cBhvr>
+                                        <p:cTn id="22" dur="500"/>
+                                        <p:tgtEl>
+                                          <p:spTgt spid="3">
+                                            <p:txEl>
+                                              <p:pRg st="3" end="3"/>
+                                            </p:txEl>
+                                          </p:spTgt>
+                                        </p:tgtEl>
+                                      </p:cBhvr>
+                                    </p:animEffect>
+                                  </p:childTnLst>
+                                </p:cTn>
+                              </p:par>
+                            </p:childTnLst>
+                          </p:cTn>
+                        </p:par>
+                      </p:childTnLst>
+                    </p:cTn>
+                  </p:par>
+                  <p:par>
+                    <p:cTn id="23" fill="hold">
+                      <p:stCondLst>
+                        <p:cond delay="indefinite"/>
+                      </p:stCondLst>
+                      <p:childTnLst>
+                        <p:par>
+                          <p:cTn id="24" fill="hold">
+                            <p:stCondLst>
+                              <p:cond delay="0"/>
+                            </p:stCondLst>
+                            <p:childTnLst>
+                              <p:par>
+                                <p:cTn id="25" presetID="16" presetClass="entr" presetSubtype="21" fill="hold" nodeType="clickEffect">
+                                  <p:stCondLst>
+                                    <p:cond delay="0"/>
+                                  </p:stCondLst>
+                                  <p:childTnLst>
+                                    <p:set>
+                                      <p:cBhvr>
+                                        <p:cTn id="26" dur="1" fill="hold">
+                                          <p:stCondLst>
+                                            <p:cond delay="0"/>
+                                          </p:stCondLst>
+                                        </p:cTn>
+                                        <p:tgtEl>
+                                          <p:spTgt spid="3">
+                                            <p:txEl>
+                                              <p:pRg st="4" end="4"/>
+                                            </p:txEl>
+                                          </p:spTgt>
+                                        </p:tgtEl>
+                                        <p:attrNameLst>
+                                          <p:attrName>style.visibility</p:attrName>
+                                        </p:attrNameLst>
+                                      </p:cBhvr>
+                                      <p:to>
+                                        <p:strVal val="visible"/>
+                                      </p:to>
+                                    </p:set>
+                                    <p:animEffect transition="in" filter="barn(inVertical)">
+                                      <p:cBhvr>
+                                        <p:cTn id="27" dur="500"/>
+                                        <p:tgtEl>
+                                          <p:spTgt spid="3">
+                                            <p:txEl>
+                                              <p:pRg st="4" end="4"/>
+                                            </p:txEl>
+                                          </p:spTgt>
+                                        </p:tgtEl>
+                                      </p:cBhvr>
+                                    </p:animEffect>
+                                  </p:childTnLst>
+                                </p:cTn>
+                              </p:par>
+                            </p:childTnLst>
+                          </p:cTn>
+                        </p:par>
+                      </p:childTnLst>
+                    </p:cTn>
+                  </p:par>
+                  <p:par>
+                    <p:cTn id="28" fill="hold">
+                      <p:stCondLst>
+                        <p:cond delay="indefinite"/>
+                      </p:stCondLst>
+                      <p:childTnLst>
+                        <p:par>
+                          <p:cTn id="29" fill="hold">
+                            <p:stCondLst>
+                              <p:cond delay="0"/>
+                            </p:stCondLst>
+                            <p:childTnLst>
+                              <p:par>
+                                <p:cTn id="30" presetID="16" presetClass="entr" presetSubtype="21" fill="hold" nodeType="clickEffect">
+                                  <p:stCondLst>
+                                    <p:cond delay="0"/>
+                                  </p:stCondLst>
+                                  <p:childTnLst>
+                                    <p:set>
+                                      <p:cBhvr>
+                                        <p:cTn id="31" dur="1" fill="hold">
+                                          <p:stCondLst>
+                                            <p:cond delay="0"/>
+                                          </p:stCondLst>
+                                        </p:cTn>
+                                        <p:tgtEl>
+                                          <p:spTgt spid="3">
+                                            <p:txEl>
+                                              <p:pRg st="5" end="5"/>
+                                            </p:txEl>
+                                          </p:spTgt>
+                                        </p:tgtEl>
+                                        <p:attrNameLst>
+                                          <p:attrName>style.visibility</p:attrName>
+                                        </p:attrNameLst>
+                                      </p:cBhvr>
+                                      <p:to>
+                                        <p:strVal val="visible"/>
+                                      </p:to>
+                                    </p:set>
+                                    <p:animEffect transition="in" filter="barn(inVertical)">
+                                      <p:cBhvr>
+                                        <p:cTn id="32" dur="500"/>
+                                        <p:tgtEl>
+                                          <p:spTgt spid="3">
+                                            <p:txEl>
+                                              <p:pRg st="5" end="5"/>
+                                            </p:txEl>
+                                          </p:spTgt>
+                                        </p:tgtEl>
+                                      </p:cBhvr>
+                                    </p:animEffect>
+                                  </p:childTnLst>
+                                </p:cTn>
+                              </p:par>
+                            </p:childTnLst>
+                          </p:cTn>
+                        </p:par>
+                      </p:childTnLst>
+                    </p:cTn>
+                  </p:par>
+                  <p:par>
+                    <p:cTn id="33" fill="hold">
+                      <p:stCondLst>
+                        <p:cond delay="indefinite"/>
+                      </p:stCondLst>
+                      <p:childTnLst>
+                        <p:par>
+                          <p:cTn id="34" fill="hold">
+                            <p:stCondLst>
+                              <p:cond delay="0"/>
+                            </p:stCondLst>
+                            <p:childTnLst>
+                              <p:par>
+                                <p:cTn id="35" presetID="16" presetClass="entr" presetSubtype="21" fill="hold" nodeType="clickEffect">
+                                  <p:stCondLst>
+                                    <p:cond delay="0"/>
+                                  </p:stCondLst>
+                                  <p:childTnLst>
+                                    <p:set>
+                                      <p:cBhvr>
+                                        <p:cTn id="36" dur="1" fill="hold">
+                                          <p:stCondLst>
+                                            <p:cond delay="0"/>
+                                          </p:stCondLst>
+                                        </p:cTn>
+                                        <p:tgtEl>
+                                          <p:spTgt spid="3">
+                                            <p:txEl>
+                                              <p:pRg st="6" end="6"/>
+                                            </p:txEl>
+                                          </p:spTgt>
+                                        </p:tgtEl>
+                                        <p:attrNameLst>
+                                          <p:attrName>style.visibility</p:attrName>
+                                        </p:attrNameLst>
+                                      </p:cBhvr>
+                                      <p:to>
+                                        <p:strVal val="visible"/>
+                                      </p:to>
+                                    </p:set>
+                                    <p:animEffect transition="in" filter="barn(inVertical)">
+                                      <p:cBhvr>
+                                        <p:cTn id="37" dur="500"/>
+                                        <p:tgtEl>
+                                          <p:spTgt spid="3">
+                                            <p:txEl>
+                                              <p:pRg st="6" end="6"/>
+                                            </p:txEl>
+                                          </p:spTgt>
+                                        </p:tgtEl>
+                                      </p:cBhvr>
+                                    </p:animEffect>
+                                  </p:childTnLst>
+                                </p:cTn>
+                              </p:par>
+                            </p:childTnLst>
+                          </p:cTn>
+                        </p:par>
+                      </p:childTnLst>
+                    </p:cTn>
+                  </p:par>
+                </p:childTnLst>
+              </p:cTn>
+              <p:prevCondLst>
+                <p:cond evt="onPrev" delay="0">
+                  <p:tgtEl>
+                    <p:sldTgt/>
+                  </p:tgtEl>
+                </p:cond>
+              </p:prevCondLst>
+              <p:nextCondLst>
+                <p:cond evt="onNext" delay="0">
+                  <p:tgtEl>
+                    <p:sldTgt/>
+                  </p:tgtEl>
+                </p:cond>
+              </p:nextCondLst>
+            </p:seq>
+          </p:childTnLst>
+        </p:cTn>
+      </p:par>
+    </p:tnLst>
+  </p:timing>
+</p:sld>
+</file>
+
+<file path=ppt/slides/slide7.xml><?xml version="1.0" encoding="utf-8"?>
+<p:sld xmlns:a="http://schemas.openxmlformats.org/drawingml/2006/main" xmlns:r="http://schemas.openxmlformats.org/officeDocument/2006/relationships" xmlns:p="http://schemas.openxmlformats.org/presentationml/2006/main">
+  <p:cSld>
+    <p:spTree>
+      <p:nvGrpSpPr>
+        <p:cNvPr id="1" name=""/>
+        <p:cNvGrpSpPr/>
+        <p:nvPr/>
+      </p:nvGrpSpPr>
+      <p:grpSpPr>
+        <a:xfrm>
+          <a:off x="0" y="0"/>
+          <a:ext cx="0" cy="0"/>
+          <a:chOff x="0" y="0"/>
+          <a:chExt cx="0" cy="0"/>
+        </a:xfrm>
+      </p:grpSpPr>
+      <p:sp>
+        <p:nvSpPr>
+          <p:cNvPr id="2" name="Title 1"/>
+          <p:cNvSpPr>
+            <a:spLocks noGrp="1"/>
+          </p:cNvSpPr>
+          <p:nvPr>
+            <p:ph type="title"/>
+          </p:nvPr>
+        </p:nvSpPr>
+        <p:spPr>
+          <a:xfrm>
+            <a:off x="381000" y="12700"/>
+            <a:ext cx="8229600" cy="901700"/>
+          </a:xfrm>
+        </p:spPr>
+        <p:txBody>
+          <a:bodyPr>
+            <a:normAutofit/>
+          </a:bodyPr>
+          <a:lstStyle/>
+          <a:p>
+            <a:pPr algn="l"/>
+            <a:r>
+              <a:rPr lang="en-US" sz="3600" dirty="0" smtClean="0"/>
+              <a:t>How to Create RESTful web services? Cont..</a:t>
+            </a:r>
+            <a:endParaRPr lang="en-US" sz="3600" dirty="0"/>
+          </a:p>
+        </p:txBody>
+      </p:sp>
+      <p:sp>
+        <p:nvSpPr>
+          <p:cNvPr id="3" name="Content Placeholder 2"/>
+          <p:cNvSpPr>
+            <a:spLocks noGrp="1"/>
+          </p:cNvSpPr>
+          <p:nvPr>
+            <p:ph idx="1"/>
+          </p:nvPr>
+        </p:nvSpPr>
+        <p:spPr>
+          <a:xfrm>
+            <a:off x="457200" y="990600"/>
+            <a:ext cx="8382000" cy="5638800"/>
+          </a:xfrm>
+        </p:spPr>
+        <p:txBody>
+          <a:bodyPr>
+            <a:normAutofit fontScale="85000" lnSpcReduction="10000"/>
+          </a:bodyPr>
+          <a:lstStyle/>
+          <a:p>
+            <a:r>
+              <a:rPr lang="en-US" dirty="0" smtClean="0"/>
+              <a:t>In </a:t>
+            </a:r>
+            <a:r>
+              <a:rPr lang="en-US" dirty="0" err="1" smtClean="0"/>
+              <a:t>Jax</a:t>
+            </a:r>
+            <a:r>
+              <a:rPr lang="en-US" dirty="0" smtClean="0"/>
+              <a:t>-RS spec, we have annotations called </a:t>
+            </a:r>
+            <a:r>
+              <a:rPr lang="en-US" b="1" dirty="0" smtClean="0"/>
+              <a:t>@Path.</a:t>
+            </a:r>
+            <a:r>
+              <a:rPr lang="en-US" dirty="0" smtClean="0"/>
+              <a:t> We can annotate any </a:t>
+            </a:r>
+            <a:r>
+              <a:rPr lang="en-US" dirty="0" err="1" smtClean="0"/>
+              <a:t>pojo</a:t>
+            </a:r>
+            <a:r>
+              <a:rPr lang="en-US" dirty="0" smtClean="0"/>
+              <a:t> class with it. This Path is for class.</a:t>
+            </a:r>
+          </a:p>
+          <a:p>
+            <a:r>
+              <a:rPr lang="en-US" dirty="0" smtClean="0"/>
+              <a:t>@Path need one URI , e.g. /user/service</a:t>
+            </a:r>
+          </a:p>
+          <a:p>
+            <a:r>
+              <a:rPr lang="en-US" dirty="0" smtClean="0"/>
+              <a:t>The class belongs to the above </a:t>
+            </a:r>
+            <a:r>
+              <a:rPr lang="en-US" dirty="0" err="1" smtClean="0"/>
+              <a:t>uri</a:t>
+            </a:r>
+            <a:r>
+              <a:rPr lang="en-US" dirty="0" smtClean="0"/>
+              <a:t>. </a:t>
+            </a:r>
+          </a:p>
+          <a:p>
+            <a:r>
+              <a:rPr lang="en-US" dirty="0" smtClean="0"/>
+              <a:t>When a client tries to access the </a:t>
+            </a:r>
+            <a:r>
+              <a:rPr lang="en-US" dirty="0" err="1" smtClean="0"/>
+              <a:t>uri</a:t>
+            </a:r>
+            <a:r>
+              <a:rPr lang="en-US" dirty="0" smtClean="0"/>
+              <a:t>, this class is instantiated by the server and one of its methods is executed.</a:t>
+            </a:r>
+          </a:p>
+          <a:p>
+            <a:r>
+              <a:rPr lang="en-US" dirty="0" smtClean="0"/>
+              <a:t>Which method is executed or called? Because class can have many methods. We have annotations corresponding to this http request methods, which client is using to make a </a:t>
+            </a:r>
+            <a:r>
+              <a:rPr lang="en-US" dirty="0" err="1" smtClean="0"/>
+              <a:t>uri</a:t>
+            </a:r>
+            <a:r>
+              <a:rPr lang="en-US" dirty="0" smtClean="0"/>
+              <a:t> call.</a:t>
+            </a:r>
+          </a:p>
+          <a:p>
+            <a:r>
+              <a:rPr lang="en-US" dirty="0" smtClean="0"/>
+              <a:t>For GET,  @get, put @</a:t>
+            </a:r>
+            <a:r>
+              <a:rPr lang="en-US" dirty="0" err="1" smtClean="0"/>
+              <a:t>put,post</a:t>
+            </a:r>
+            <a:r>
+              <a:rPr lang="en-US" dirty="0" smtClean="0"/>
+              <a:t> and delete.</a:t>
+            </a:r>
+          </a:p>
+          <a:p>
+            <a:r>
+              <a:rPr lang="en-US" dirty="0" smtClean="0"/>
+              <a:t>We annotate each method with these annotations.</a:t>
+            </a:r>
+          </a:p>
+        </p:txBody>
+      </p:sp>
+    </p:spTree>
+    <p:extLst>
+      <p:ext uri="{BB962C8B-B14F-4D97-AF65-F5344CB8AC3E}">
+        <p14:creationId xmlns:p14="http://schemas.microsoft.com/office/powerpoint/2010/main" val="1276362550"/>
+      </p:ext>
+    </p:extLst>
+  </p:cSld>
+  <p:clrMapOvr>
+    <a:masterClrMapping/>
+  </p:clrMapOvr>
+  <p:timing>
+    <p:tnLst>
+      <p:par>
+        <p:cTn id="1" dur="indefinite" restart="never" nodeType="tmRoot">
+          <p:childTnLst>
+            <p:seq concurrent="1" nextAc="seek">
+              <p:cTn id="2" dur="indefinite" nodeType="mainSeq">
+                <p:childTnLst>
+                  <p:par>
+                    <p:cTn id="3" fill="hold">
+                      <p:stCondLst>
+                        <p:cond delay="indefinite"/>
+                      </p:stCondLst>
+                      <p:childTnLst>
+                        <p:par>
+                          <p:cTn id="4" fill="hold">
+                            <p:stCondLst>
+                              <p:cond delay="0"/>
+                            </p:stCondLst>
+                            <p:childTnLst>
+                              <p:par>
+                                <p:cTn id="5" presetID="16" presetClass="entr" presetSubtype="21" fill="hold" nodeType="clickEffect">
+                                  <p:stCondLst>
+                                    <p:cond delay="0"/>
+                                  </p:stCondLst>
+                                  <p:childTnLst>
+                                    <p:set>
+                                      <p:cBhvr>
+                                        <p:cTn id="6" dur="1" fill="hold">
+                                          <p:stCondLst>
+                                            <p:cond delay="0"/>
+                                          </p:stCondLst>
+                                        </p:cTn>
+                                        <p:tgtEl>
+                                          <p:spTgt spid="3">
+                                            <p:txEl>
+                                              <p:pRg st="0" end="0"/>
+                                            </p:txEl>
+                                          </p:spTgt>
+                                        </p:tgtEl>
+                                        <p:attrNameLst>
+                                          <p:attrName>style.visibility</p:attrName>
+                                        </p:attrNameLst>
+                                      </p:cBhvr>
+                                      <p:to>
+                                        <p:strVal val="visible"/>
+                                      </p:to>
+                                    </p:set>
+                                    <p:animEffect transition="in" filter="barn(inVertical)">
+                                      <p:cBhvr>
+                                        <p:cTn id="7" dur="500"/>
+                                        <p:tgtEl>
+                                          <p:spTgt spid="3">
+                                            <p:txEl>
+                                              <p:pRg st="0" end="0"/>
+                                            </p:txEl>
+                                          </p:spTgt>
+                                        </p:tgtEl>
+                                      </p:cBhvr>
+                                    </p:animEffect>
+                                  </p:childTnLst>
+                                </p:cTn>
+                              </p:par>
+                            </p:childTnLst>
+                          </p:cTn>
+                        </p:par>
+                      </p:childTnLst>
+                    </p:cTn>
+                  </p:par>
+                  <p:par>
+                    <p:cTn id="8" fill="hold">
+                      <p:stCondLst>
+                        <p:cond delay="indefinite"/>
+                      </p:stCondLst>
+                      <p:childTnLst>
+                        <p:par>
+                          <p:cTn id="9" fill="hold">
+                            <p:stCondLst>
+                              <p:cond delay="0"/>
+                            </p:stCondLst>
+                            <p:childTnLst>
+                              <p:par>
+                                <p:cTn id="10" presetID="16" presetClass="entr" presetSubtype="21" fill="hold" nodeType="clickEffect">
+                                  <p:stCondLst>
+                                    <p:cond delay="0"/>
+                                  </p:stCondLst>
+                                  <p:childTnLst>
+                                    <p:set>
+                                      <p:cBhvr>
+                                        <p:cTn id="11" dur="1" fill="hold">
+                                          <p:stCondLst>
+                                            <p:cond delay="0"/>
+                                          </p:stCondLst>
+                                        </p:cTn>
+                                        <p:tgtEl>
+                                          <p:spTgt spid="3">
+                                            <p:txEl>
+                                              <p:pRg st="1" end="1"/>
+                                            </p:txEl>
+                                          </p:spTgt>
+                                        </p:tgtEl>
+                                        <p:attrNameLst>
+                                          <p:attrName>style.visibility</p:attrName>
+                                        </p:attrNameLst>
+                                      </p:cBhvr>
+                                      <p:to>
+                                        <p:strVal val="visible"/>
+                                      </p:to>
+                                    </p:set>
+                                    <p:animEffect transition="in" filter="barn(inVertical)">
+                                      <p:cBhvr>
+                                        <p:cTn id="12" dur="500"/>
+                                        <p:tgtEl>
+                                          <p:spTgt spid="3">
+                                            <p:txEl>
+                                              <p:pRg st="1" end="1"/>
+                                            </p:txEl>
+                                          </p:spTgt>
+                                        </p:tgtEl>
+                                      </p:cBhvr>
+                                    </p:animEffect>
+                                  </p:childTnLst>
+                                </p:cTn>
+                              </p:par>
+                            </p:childTnLst>
+                          </p:cTn>
+                        </p:par>
+                      </p:childTnLst>
+                    </p:cTn>
+                  </p:par>
+                  <p:par>
+                    <p:cTn id="13" fill="hold">
+                      <p:stCondLst>
+                        <p:cond delay="indefinite"/>
+                      </p:stCondLst>
+                      <p:childTnLst>
+                        <p:par>
+                          <p:cTn id="14" fill="hold">
+                            <p:stCondLst>
+                              <p:cond delay="0"/>
+                            </p:stCondLst>
+                            <p:childTnLst>
+                              <p:par>
+                                <p:cTn id="15" presetID="16" presetClass="entr" presetSubtype="21" fill="hold" nodeType="clickEffect">
+                                  <p:stCondLst>
+                                    <p:cond delay="0"/>
+                                  </p:stCondLst>
+                                  <p:childTnLst>
+                                    <p:set>
+                                      <p:cBhvr>
+                                        <p:cTn id="16" dur="1" fill="hold">
+                                          <p:stCondLst>
+                                            <p:cond delay="0"/>
+                                          </p:stCondLst>
+                                        </p:cTn>
+                                        <p:tgtEl>
+                                          <p:spTgt spid="3">
+                                            <p:txEl>
+                                              <p:pRg st="2" end="2"/>
+                                            </p:txEl>
+                                          </p:spTgt>
+                                        </p:tgtEl>
+                                        <p:attrNameLst>
+                                          <p:attrName>style.visibility</p:attrName>
+                                        </p:attrNameLst>
+                                      </p:cBhvr>
+                                      <p:to>
+                                        <p:strVal val="visible"/>
+                                      </p:to>
+                                    </p:set>
+                                    <p:animEffect transition="in" filter="barn(inVertical)">
+                                      <p:cBhvr>
+                                        <p:cTn id="17" dur="500"/>
+                                        <p:tgtEl>
+                                          <p:spTgt spid="3">
+                                            <p:txEl>
+                                              <p:pRg st="2" end="2"/>
+                                            </p:txEl>
+                                          </p:spTgt>
+                                        </p:tgtEl>
+                                      </p:cBhvr>
+                                    </p:animEffect>
+                                  </p:childTnLst>
+                                </p:cTn>
+                              </p:par>
+                            </p:childTnLst>
+                          </p:cTn>
+                        </p:par>
+                      </p:childTnLst>
+                    </p:cTn>
+                  </p:par>
+                  <p:par>
+                    <p:cTn id="18" fill="hold">
+                      <p:stCondLst>
+                        <p:cond delay="indefinite"/>
+                      </p:stCondLst>
+                      <p:childTnLst>
+                        <p:par>
+                          <p:cTn id="19" fill="hold">
+                            <p:stCondLst>
+                              <p:cond delay="0"/>
+                            </p:stCondLst>
+                            <p:childTnLst>
+                              <p:par>
+                                <p:cTn id="20" presetID="16" presetClass="entr" presetSubtype="21" fill="hold" nodeType="clickEffect">
+                                  <p:stCondLst>
+                                    <p:cond delay="0"/>
+                                  </p:stCondLst>
+                                  <p:childTnLst>
+                                    <p:set>
+                                      <p:cBhvr>
+                                        <p:cTn id="21" dur="1" fill="hold">
+                                          <p:stCondLst>
+                                            <p:cond delay="0"/>
+                                          </p:stCondLst>
+                                        </p:cTn>
+                                        <p:tgtEl>
+                                          <p:spTgt spid="3">
+                                            <p:txEl>
+                                              <p:pRg st="3" end="3"/>
+                                            </p:txEl>
+                                          </p:spTgt>
+                                        </p:tgtEl>
+                                        <p:attrNameLst>
+                                          <p:attrName>style.visibility</p:attrName>
+                                        </p:attrNameLst>
+                                      </p:cBhvr>
+                                      <p:to>
+                                        <p:strVal val="visible"/>
+                                      </p:to>
+                                    </p:set>
+                                    <p:animEffect transition="in" filter="barn(inVertical)">
+                                      <p:cBhvr>
+                                        <p:cTn id="22" dur="500"/>
+                                        <p:tgtEl>
+                                          <p:spTgt spid="3">
+                                            <p:txEl>
+                                              <p:pRg st="3" end="3"/>
+                                            </p:txEl>
+                                          </p:spTgt>
+                                        </p:tgtEl>
+                                      </p:cBhvr>
+                                    </p:animEffect>
+                                  </p:childTnLst>
+                                </p:cTn>
+                              </p:par>
+                            </p:childTnLst>
+                          </p:cTn>
+                        </p:par>
+                      </p:childTnLst>
+                    </p:cTn>
+                  </p:par>
+                  <p:par>
+                    <p:cTn id="23" fill="hold">
+                      <p:stCondLst>
+                        <p:cond delay="indefinite"/>
+                      </p:stCondLst>
+                      <p:childTnLst>
+                        <p:par>
+                          <p:cTn id="24" fill="hold">
+                            <p:stCondLst>
+                              <p:cond delay="0"/>
+                            </p:stCondLst>
+                            <p:childTnLst>
+                              <p:par>
+                                <p:cTn id="25" presetID="16" presetClass="entr" presetSubtype="21" fill="hold" nodeType="clickEffect">
+                                  <p:stCondLst>
+                                    <p:cond delay="0"/>
+                                  </p:stCondLst>
+                                  <p:childTnLst>
+                                    <p:set>
+                                      <p:cBhvr>
+                                        <p:cTn id="26" dur="1" fill="hold">
+                                          <p:stCondLst>
+                                            <p:cond delay="0"/>
+                                          </p:stCondLst>
+                                        </p:cTn>
+                                        <p:tgtEl>
+                                          <p:spTgt spid="3">
+                                            <p:txEl>
+                                              <p:pRg st="4" end="4"/>
+                                            </p:txEl>
+                                          </p:spTgt>
+                                        </p:tgtEl>
+                                        <p:attrNameLst>
+                                          <p:attrName>style.visibility</p:attrName>
+                                        </p:attrNameLst>
+                                      </p:cBhvr>
+                                      <p:to>
+                                        <p:strVal val="visible"/>
+                                      </p:to>
+                                    </p:set>
+                                    <p:animEffect transition="in" filter="barn(inVertical)">
+                                      <p:cBhvr>
+                                        <p:cTn id="27" dur="500"/>
+                                        <p:tgtEl>
+                                          <p:spTgt spid="3">
+                                            <p:txEl>
+                                              <p:pRg st="4" end="4"/>
+                                            </p:txEl>
+                                          </p:spTgt>
+                                        </p:tgtEl>
+                                      </p:cBhvr>
+                                    </p:animEffect>
+                                  </p:childTnLst>
+                                </p:cTn>
+                              </p:par>
+                            </p:childTnLst>
+                          </p:cTn>
+                        </p:par>
+                      </p:childTnLst>
+                    </p:cTn>
+                  </p:par>
+                  <p:par>
+                    <p:cTn id="28" fill="hold">
+                      <p:stCondLst>
+                        <p:cond delay="indefinite"/>
+                      </p:stCondLst>
+                      <p:childTnLst>
+                        <p:par>
+                          <p:cTn id="29" fill="hold">
+                            <p:stCondLst>
+                              <p:cond delay="0"/>
+                            </p:stCondLst>
+                            <p:childTnLst>
+                              <p:par>
+                                <p:cTn id="30" presetID="16" presetClass="entr" presetSubtype="21" fill="hold" nodeType="clickEffect">
+                                  <p:stCondLst>
+                                    <p:cond delay="0"/>
+                                  </p:stCondLst>
+                                  <p:childTnLst>
+                                    <p:set>
+                                      <p:cBhvr>
+                                        <p:cTn id="31" dur="1" fill="hold">
+                                          <p:stCondLst>
+                                            <p:cond delay="0"/>
+                                          </p:stCondLst>
+                                        </p:cTn>
+                                        <p:tgtEl>
+                                          <p:spTgt spid="3">
+                                            <p:txEl>
+                                              <p:pRg st="5" end="5"/>
+                                            </p:txEl>
+                                          </p:spTgt>
+                                        </p:tgtEl>
+                                        <p:attrNameLst>
+                                          <p:attrName>style.visibility</p:attrName>
+                                        </p:attrNameLst>
+                                      </p:cBhvr>
+                                      <p:to>
+                                        <p:strVal val="visible"/>
+                                      </p:to>
+                                    </p:set>
+                                    <p:animEffect transition="in" filter="barn(inVertical)">
+                                      <p:cBhvr>
+                                        <p:cTn id="32" dur="500"/>
+                                        <p:tgtEl>
+                                          <p:spTgt spid="3">
+                                            <p:txEl>
+                                              <p:pRg st="5" end="5"/>
+                                            </p:txEl>
+                                          </p:spTgt>
+                                        </p:tgtEl>
+                                      </p:cBhvr>
+                                    </p:animEffect>
+                                  </p:childTnLst>
+                                </p:cTn>
+                              </p:par>
+                            </p:childTnLst>
+                          </p:cTn>
+                        </p:par>
+                      </p:childTnLst>
+                    </p:cTn>
+                  </p:par>
+                  <p:par>
+                    <p:cTn id="33" fill="hold">
+                      <p:stCondLst>
+                        <p:cond delay="indefinite"/>
+                      </p:stCondLst>
+                      <p:childTnLst>
+                        <p:par>
+                          <p:cTn id="34" fill="hold">
+                            <p:stCondLst>
+                              <p:cond delay="0"/>
+                            </p:stCondLst>
+                            <p:childTnLst>
+                              <p:par>
+                                <p:cTn id="35" presetID="16" presetClass="entr" presetSubtype="21" fill="hold" nodeType="clickEffect">
+                                  <p:stCondLst>
+                                    <p:cond delay="0"/>
+                                  </p:stCondLst>
+                                  <p:childTnLst>
+                                    <p:set>
+                                      <p:cBhvr>
+                                        <p:cTn id="36" dur="1" fill="hold">
+                                          <p:stCondLst>
+                                            <p:cond delay="0"/>
+                                          </p:stCondLst>
+                                        </p:cTn>
+                                        <p:tgtEl>
+                                          <p:spTgt spid="3">
+                                            <p:txEl>
+                                              <p:pRg st="6" end="6"/>
+                                            </p:txEl>
+                                          </p:spTgt>
+                                        </p:tgtEl>
+                                        <p:attrNameLst>
+                                          <p:attrName>style.visibility</p:attrName>
+                                        </p:attrNameLst>
+                                      </p:cBhvr>
+                                      <p:to>
+                                        <p:strVal val="visible"/>
+                                      </p:to>
+                                    </p:set>
+                                    <p:animEffect transition="in" filter="barn(inVertical)">
+                                      <p:cBhvr>
+                                        <p:cTn id="37" dur="500"/>
+                                        <p:tgtEl>
+                                          <p:spTgt spid="3">
+                                            <p:txEl>
+                                              <p:pRg st="6" end="6"/>
+                                            </p:txEl>
+                                          </p:spTgt>
+                                        </p:tgtEl>
+                                      </p:cBhvr>
+                                    </p:animEffect>
+                                  </p:childTnLst>
+                                </p:cTn>
+                              </p:par>
+                            </p:childTnLst>
+                          </p:cTn>
+                        </p:par>
+                      </p:childTnLst>
+                    </p:cTn>
+                  </p:par>
+                </p:childTnLst>
+              </p:cTn>
+              <p:prevCondLst>
+                <p:cond evt="onPrev" delay="0">
+                  <p:tgtEl>
+                    <p:sldTgt/>
+                  </p:tgtEl>
+                </p:cond>
+              </p:prevCondLst>
+              <p:nextCondLst>
+                <p:cond evt="onNext" delay="0">
+                  <p:tgtEl>
+                    <p:sldTgt/>
+                  </p:tgtEl>
+                </p:cond>
+              </p:nextCondLst>
+            </p:seq>
+          </p:childTnLst>
+        </p:cTn>
+      </p:par>
+    </p:tnLst>
+  </p:timing>
+</p:sld>
+</file>
+
+<file path=ppt/slides/slide8.xml><?xml version="1.0" encoding="utf-8"?>
+<p:sld xmlns:a="http://schemas.openxmlformats.org/drawingml/2006/main" xmlns:r="http://schemas.openxmlformats.org/officeDocument/2006/relationships" xmlns:p="http://schemas.openxmlformats.org/presentationml/2006/main">
+  <p:cSld>
+    <p:spTree>
+      <p:nvGrpSpPr>
+        <p:cNvPr id="1" name=""/>
+        <p:cNvGrpSpPr/>
+        <p:nvPr/>
+      </p:nvGrpSpPr>
+      <p:grpSpPr>
+        <a:xfrm>
+          <a:off x="0" y="0"/>
+          <a:ext cx="0" cy="0"/>
+          <a:chOff x="0" y="0"/>
+          <a:chExt cx="0" cy="0"/>
+        </a:xfrm>
+      </p:grpSpPr>
+      <p:sp>
+        <p:nvSpPr>
+          <p:cNvPr id="2" name="Title 1"/>
+          <p:cNvSpPr>
+            <a:spLocks noGrp="1"/>
+          </p:cNvSpPr>
+          <p:nvPr>
+            <p:ph type="title"/>
+          </p:nvPr>
+        </p:nvSpPr>
+        <p:spPr>
+          <a:xfrm>
+            <a:off x="381000" y="12700"/>
+            <a:ext cx="8229600" cy="901700"/>
+          </a:xfrm>
+        </p:spPr>
+        <p:txBody>
+          <a:bodyPr>
+            <a:normAutofit/>
+          </a:bodyPr>
+          <a:lstStyle/>
+          <a:p>
+            <a:pPr algn="l"/>
+            <a:r>
+              <a:rPr lang="en-US" sz="3600" dirty="0" smtClean="0"/>
+              <a:t>How to Create RESTful web services? Cont..</a:t>
+            </a:r>
+            <a:endParaRPr lang="en-US" sz="3600" dirty="0"/>
+          </a:p>
+        </p:txBody>
+      </p:sp>
+      <p:sp>
+        <p:nvSpPr>
+          <p:cNvPr id="3" name="Content Placeholder 2"/>
+          <p:cNvSpPr>
+            <a:spLocks noGrp="1"/>
+          </p:cNvSpPr>
+          <p:nvPr>
+            <p:ph idx="1"/>
+          </p:nvPr>
+        </p:nvSpPr>
+        <p:spPr>
+          <a:xfrm>
+            <a:off x="457200" y="990600"/>
+            <a:ext cx="8382000" cy="5638800"/>
+          </a:xfrm>
+        </p:spPr>
+        <p:txBody>
+          <a:bodyPr>
+            <a:normAutofit fontScale="85000" lnSpcReduction="20000"/>
+          </a:bodyPr>
+          <a:lstStyle/>
+          <a:p>
+            <a:r>
+              <a:rPr lang="en-US" dirty="0" err="1" smtClean="0"/>
+              <a:t>CreateUser</a:t>
+            </a:r>
+            <a:r>
+              <a:rPr lang="en-US" dirty="0" smtClean="0"/>
+              <a:t> – PUT, </a:t>
+            </a:r>
+            <a:r>
+              <a:rPr lang="en-US" dirty="0" err="1" smtClean="0"/>
+              <a:t>getUser</a:t>
+            </a:r>
+            <a:r>
+              <a:rPr lang="en-US" dirty="0" smtClean="0"/>
+              <a:t>- GET, update –POST, delete-DELETE.</a:t>
+            </a:r>
+          </a:p>
+          <a:p>
+            <a:r>
+              <a:rPr lang="en-US" dirty="0" smtClean="0"/>
+              <a:t>So using URI and method of call, we can identify which class to be </a:t>
+            </a:r>
+            <a:r>
+              <a:rPr lang="en-US" dirty="0" err="1" smtClean="0"/>
+              <a:t>instanticated</a:t>
+            </a:r>
+            <a:r>
+              <a:rPr lang="en-US" dirty="0" smtClean="0"/>
+              <a:t> and which method need to be called.</a:t>
+            </a:r>
+          </a:p>
+          <a:p>
+            <a:r>
+              <a:rPr lang="en-US" dirty="0" smtClean="0"/>
+              <a:t>This </a:t>
+            </a:r>
+            <a:r>
+              <a:rPr lang="en-US" dirty="0" err="1" smtClean="0"/>
+              <a:t>UserServices</a:t>
+            </a:r>
+            <a:r>
+              <a:rPr lang="en-US" dirty="0" smtClean="0"/>
+              <a:t> class is known as resource class. Any class that is annotated @Path is called resource class.</a:t>
+            </a:r>
+          </a:p>
+          <a:p>
+            <a:r>
+              <a:rPr lang="en-US" dirty="0" smtClean="0"/>
+              <a:t>We have sub resource class also. Main </a:t>
+            </a:r>
+            <a:r>
+              <a:rPr lang="en-US" dirty="0" err="1" smtClean="0"/>
+              <a:t>resouce</a:t>
+            </a:r>
+            <a:r>
+              <a:rPr lang="en-US" dirty="0" smtClean="0"/>
+              <a:t> class is the entry path to our service.</a:t>
+            </a:r>
+          </a:p>
+          <a:p>
+            <a:r>
+              <a:rPr lang="en-US" dirty="0" smtClean="0"/>
+              <a:t>The methods in the resource class which are annotated with HTTP methods, are known as resource methods.</a:t>
+            </a:r>
+          </a:p>
+          <a:p>
+            <a:r>
+              <a:rPr lang="en-US" dirty="0" smtClean="0"/>
+              <a:t>We can also use @Path in the class level and method level.</a:t>
+            </a:r>
+          </a:p>
+          <a:p>
+            <a:r>
+              <a:rPr lang="en-US" dirty="0" smtClean="0"/>
+              <a:t>For example </a:t>
+            </a:r>
+            <a:r>
+              <a:rPr lang="en-US" dirty="0" err="1" smtClean="0"/>
+              <a:t>createUser</a:t>
+            </a:r>
+            <a:r>
+              <a:rPr lang="en-US" dirty="0" smtClean="0"/>
+              <a:t>() method we can annotate with Path, @Path(“create”). </a:t>
+            </a:r>
+          </a:p>
+        </p:txBody>
+      </p:sp>
+    </p:spTree>
+    <p:extLst>
+      <p:ext uri="{BB962C8B-B14F-4D97-AF65-F5344CB8AC3E}">
+        <p14:creationId xmlns:p14="http://schemas.microsoft.com/office/powerpoint/2010/main" val="1811326149"/>
+      </p:ext>
+    </p:extLst>
+  </p:cSld>
+  <p:clrMapOvr>
+    <a:masterClrMapping/>
+  </p:clrMapOvr>
+  <p:timing>
+    <p:tnLst>
+      <p:par>
+        <p:cTn id="1" dur="indefinite" restart="never" nodeType="tmRoot">
+          <p:childTnLst>
+            <p:seq concurrent="1" nextAc="seek">
+              <p:cTn id="2" dur="indefinite" nodeType="mainSeq">
+                <p:childTnLst>
+                  <p:par>
+                    <p:cTn id="3" fill="hold">
+                      <p:stCondLst>
+                        <p:cond delay="indefinite"/>
+                      </p:stCondLst>
+                      <p:childTnLst>
+                        <p:par>
+                          <p:cTn id="4" fill="hold">
+                            <p:stCondLst>
+                              <p:cond delay="0"/>
+                            </p:stCondLst>
+                            <p:childTnLst>
+                              <p:par>
+                                <p:cTn id="5" presetID="16" presetClass="entr" presetSubtype="21" fill="hold" nodeType="clickEffect">
+                                  <p:stCondLst>
+                                    <p:cond delay="0"/>
+                                  </p:stCondLst>
+                                  <p:childTnLst>
+                                    <p:set>
+                                      <p:cBhvr>
+                                        <p:cTn id="6" dur="1" fill="hold">
+                                          <p:stCondLst>
+                                            <p:cond delay="0"/>
+                                          </p:stCondLst>
+                                        </p:cTn>
+                                        <p:tgtEl>
+                                          <p:spTgt spid="3">
+                                            <p:txEl>
+                                              <p:pRg st="0" end="0"/>
+                                            </p:txEl>
+                                          </p:spTgt>
+                                        </p:tgtEl>
+                                        <p:attrNameLst>
+                                          <p:attrName>style.visibility</p:attrName>
+                                        </p:attrNameLst>
+                                      </p:cBhvr>
+                                      <p:to>
+                                        <p:strVal val="visible"/>
+                                      </p:to>
+                                    </p:set>
+                                    <p:animEffect transition="in" filter="barn(inVertical)">
+                                      <p:cBhvr>
+                                        <p:cTn id="7" dur="500"/>
+                                        <p:tgtEl>
+                                          <p:spTgt spid="3">
+                                            <p:txEl>
+                                              <p:pRg st="0" end="0"/>
+                                            </p:txEl>
+                                          </p:spTgt>
+                                        </p:tgtEl>
+                                      </p:cBhvr>
+                                    </p:animEffect>
+                                  </p:childTnLst>
+                                </p:cTn>
+                              </p:par>
+                            </p:childTnLst>
+                          </p:cTn>
+                        </p:par>
+                      </p:childTnLst>
+                    </p:cTn>
+                  </p:par>
+                  <p:par>
+                    <p:cTn id="8" fill="hold">
+                      <p:stCondLst>
+                        <p:cond delay="indefinite"/>
+                      </p:stCondLst>
+                      <p:childTnLst>
+                        <p:par>
+                          <p:cTn id="9" fill="hold">
+                            <p:stCondLst>
+                              <p:cond delay="0"/>
+                            </p:stCondLst>
+                            <p:childTnLst>
+                              <p:par>
+                                <p:cTn id="10" presetID="16" presetClass="entr" presetSubtype="21" fill="hold" nodeType="clickEffect">
+                                  <p:stCondLst>
+                                    <p:cond delay="0"/>
+                                  </p:stCondLst>
+                                  <p:childTnLst>
+                                    <p:set>
+                                      <p:cBhvr>
+                                        <p:cTn id="11" dur="1" fill="hold">
+                                          <p:stCondLst>
+                                            <p:cond delay="0"/>
+                                          </p:stCondLst>
+                                        </p:cTn>
+                                        <p:tgtEl>
+                                          <p:spTgt spid="3">
+                                            <p:txEl>
+                                              <p:pRg st="1" end="1"/>
+                                            </p:txEl>
+                                          </p:spTgt>
+                                        </p:tgtEl>
+                                        <p:attrNameLst>
+                                          <p:attrName>style.visibility</p:attrName>
+                                        </p:attrNameLst>
+                                      </p:cBhvr>
+                                      <p:to>
+                                        <p:strVal val="visible"/>
+                                      </p:to>
+                                    </p:set>
+                                    <p:animEffect transition="in" filter="barn(inVertical)">
+                                      <p:cBhvr>
+                                        <p:cTn id="12" dur="500"/>
+                                        <p:tgtEl>
+                                          <p:spTgt spid="3">
+                                            <p:txEl>
+                                              <p:pRg st="1" end="1"/>
+                                            </p:txEl>
+                                          </p:spTgt>
+                                        </p:tgtEl>
+                                      </p:cBhvr>
+                                    </p:animEffect>
+                                  </p:childTnLst>
+                                </p:cTn>
+                              </p:par>
+                            </p:childTnLst>
+                          </p:cTn>
+                        </p:par>
+                      </p:childTnLst>
+                    </p:cTn>
+                  </p:par>
+                  <p:par>
+                    <p:cTn id="13" fill="hold">
+                      <p:stCondLst>
+                        <p:cond delay="indefinite"/>
+                      </p:stCondLst>
+                      <p:childTnLst>
+                        <p:par>
+                          <p:cTn id="14" fill="hold">
+                            <p:stCondLst>
+                              <p:cond delay="0"/>
+                            </p:stCondLst>
+                            <p:childTnLst>
+                              <p:par>
+                                <p:cTn id="15" presetID="16" presetClass="entr" presetSubtype="21" fill="hold" nodeType="clickEffect">
+                                  <p:stCondLst>
+                                    <p:cond delay="0"/>
+                                  </p:stCondLst>
+                                  <p:childTnLst>
+                                    <p:set>
+                                      <p:cBhvr>
+                                        <p:cTn id="16" dur="1" fill="hold">
+                                          <p:stCondLst>
+                                            <p:cond delay="0"/>
+                                          </p:stCondLst>
+                                        </p:cTn>
+                                        <p:tgtEl>
+                                          <p:spTgt spid="3">
+                                            <p:txEl>
+                                              <p:pRg st="2" end="2"/>
+                                            </p:txEl>
+                                          </p:spTgt>
+                                        </p:tgtEl>
+                                        <p:attrNameLst>
+                                          <p:attrName>style.visibility</p:attrName>
+                                        </p:attrNameLst>
+                                      </p:cBhvr>
+                                      <p:to>
+                                        <p:strVal val="visible"/>
+                                      </p:to>
+                                    </p:set>
+                                    <p:animEffect transition="in" filter="barn(inVertical)">
+                                      <p:cBhvr>
+                                        <p:cTn id="17" dur="500"/>
+                                        <p:tgtEl>
+                                          <p:spTgt spid="3">
+                                            <p:txEl>
+                                              <p:pRg st="2" end="2"/>
+                                            </p:txEl>
+                                          </p:spTgt>
+                                        </p:tgtEl>
+                                      </p:cBhvr>
+                                    </p:animEffect>
+                                  </p:childTnLst>
+                                </p:cTn>
+                              </p:par>
+                            </p:childTnLst>
+                          </p:cTn>
+                        </p:par>
+                      </p:childTnLst>
+                    </p:cTn>
+                  </p:par>
+                  <p:par>
+                    <p:cTn id="18" fill="hold">
+                      <p:stCondLst>
+                        <p:cond delay="indefinite"/>
+                      </p:stCondLst>
+                      <p:childTnLst>
+                        <p:par>
+                          <p:cTn id="19" fill="hold">
+                            <p:stCondLst>
+                              <p:cond delay="0"/>
+                            </p:stCondLst>
+                            <p:childTnLst>
+                              <p:par>
+                                <p:cTn id="20" presetID="16" presetClass="entr" presetSubtype="21" fill="hold" nodeType="clickEffect">
+                                  <p:stCondLst>
+                                    <p:cond delay="0"/>
+                                  </p:stCondLst>
+                                  <p:childTnLst>
+                                    <p:set>
+                                      <p:cBhvr>
+                                        <p:cTn id="21" dur="1" fill="hold">
+                                          <p:stCondLst>
+                                            <p:cond delay="0"/>
+                                          </p:stCondLst>
+                                        </p:cTn>
+                                        <p:tgtEl>
+                                          <p:spTgt spid="3">
+                                            <p:txEl>
+                                              <p:pRg st="3" end="3"/>
+                                            </p:txEl>
+                                          </p:spTgt>
+                                        </p:tgtEl>
+                                        <p:attrNameLst>
+                                          <p:attrName>style.visibility</p:attrName>
+                                        </p:attrNameLst>
+                                      </p:cBhvr>
+                                      <p:to>
+                                        <p:strVal val="visible"/>
+                                      </p:to>
+                                    </p:set>
+                                    <p:animEffect transition="in" filter="barn(inVertical)">
+                                      <p:cBhvr>
+                                        <p:cTn id="22" dur="500"/>
+                                        <p:tgtEl>
+                                          <p:spTgt spid="3">
+                                            <p:txEl>
+                                              <p:pRg st="3" end="3"/>
+                                            </p:txEl>
+                                          </p:spTgt>
+                                        </p:tgtEl>
+                                      </p:cBhvr>
+                                    </p:animEffect>
+                                  </p:childTnLst>
+                                </p:cTn>
+                              </p:par>
+                            </p:childTnLst>
+                          </p:cTn>
+                        </p:par>
+                      </p:childTnLst>
+                    </p:cTn>
+                  </p:par>
+                  <p:par>
+                    <p:cTn id="23" fill="hold">
+                      <p:stCondLst>
+                        <p:cond delay="indefinite"/>
+                      </p:stCondLst>
+                      <p:childTnLst>
+                        <p:par>
+                          <p:cTn id="24" fill="hold">
+                            <p:stCondLst>
+                              <p:cond delay="0"/>
+                            </p:stCondLst>
+                            <p:childTnLst>
+                              <p:par>
+                                <p:cTn id="25" presetID="16" presetClass="entr" presetSubtype="21" fill="hold" nodeType="clickEffect">
+                                  <p:stCondLst>
+                                    <p:cond delay="0"/>
+                                  </p:stCondLst>
+                                  <p:childTnLst>
+                                    <p:set>
+                                      <p:cBhvr>
+                                        <p:cTn id="26" dur="1" fill="hold">
+                                          <p:stCondLst>
+                                            <p:cond delay="0"/>
+                                          </p:stCondLst>
+                                        </p:cTn>
+                                        <p:tgtEl>
+                                          <p:spTgt spid="3">
+                                            <p:txEl>
+                                              <p:pRg st="4" end="4"/>
+                                            </p:txEl>
+                                          </p:spTgt>
+                                        </p:tgtEl>
+                                        <p:attrNameLst>
+                                          <p:attrName>style.visibility</p:attrName>
+                                        </p:attrNameLst>
+                                      </p:cBhvr>
+                                      <p:to>
+                                        <p:strVal val="visible"/>
+                                      </p:to>
+                                    </p:set>
+                                    <p:animEffect transition="in" filter="barn(inVertical)">
+                                      <p:cBhvr>
+                                        <p:cTn id="27" dur="500"/>
+                                        <p:tgtEl>
+                                          <p:spTgt spid="3">
+                                            <p:txEl>
+                                              <p:pRg st="4" end="4"/>
+                                            </p:txEl>
+                                          </p:spTgt>
+                                        </p:tgtEl>
+                                      </p:cBhvr>
+                                    </p:animEffect>
+                                  </p:childTnLst>
+                                </p:cTn>
+                              </p:par>
+                            </p:childTnLst>
+                          </p:cTn>
+                        </p:par>
+                      </p:childTnLst>
+                    </p:cTn>
+                  </p:par>
+                  <p:par>
+                    <p:cTn id="28" fill="hold">
+                      <p:stCondLst>
+                        <p:cond delay="indefinite"/>
+                      </p:stCondLst>
+                      <p:childTnLst>
+                        <p:par>
+                          <p:cTn id="29" fill="hold">
+                            <p:stCondLst>
+                              <p:cond delay="0"/>
+                            </p:stCondLst>
+                            <p:childTnLst>
+                              <p:par>
+                                <p:cTn id="30" presetID="16" presetClass="entr" presetSubtype="21" fill="hold" nodeType="clickEffect">
+                                  <p:stCondLst>
+                                    <p:cond delay="0"/>
+                                  </p:stCondLst>
+                                  <p:childTnLst>
+                                    <p:set>
+                                      <p:cBhvr>
+                                        <p:cTn id="31" dur="1" fill="hold">
+                                          <p:stCondLst>
+                                            <p:cond delay="0"/>
+                                          </p:stCondLst>
+                                        </p:cTn>
+                                        <p:tgtEl>
+                                          <p:spTgt spid="3">
+                                            <p:txEl>
+                                              <p:pRg st="5" end="5"/>
+                                            </p:txEl>
+                                          </p:spTgt>
+                                        </p:tgtEl>
+                                        <p:attrNameLst>
+                                          <p:attrName>style.visibility</p:attrName>
+                                        </p:attrNameLst>
+                                      </p:cBhvr>
+                                      <p:to>
+                                        <p:strVal val="visible"/>
+                                      </p:to>
+                                    </p:set>
+                                    <p:animEffect transition="in" filter="barn(inVertical)">
+                                      <p:cBhvr>
+                                        <p:cTn id="32" dur="500"/>
+                                        <p:tgtEl>
+                                          <p:spTgt spid="3">
+                                            <p:txEl>
+                                              <p:pRg st="5" end="5"/>
+                                            </p:txEl>
+                                          </p:spTgt>
+                                        </p:tgtEl>
+                                      </p:cBhvr>
+                                    </p:animEffect>
+                                  </p:childTnLst>
+                                </p:cTn>
+                              </p:par>
+                            </p:childTnLst>
+                          </p:cTn>
+                        </p:par>
+                      </p:childTnLst>
+                    </p:cTn>
+                  </p:par>
+                  <p:par>
+                    <p:cTn id="33" fill="hold">
+                      <p:stCondLst>
+                        <p:cond delay="indefinite"/>
+                      </p:stCondLst>
+                      <p:childTnLst>
+                        <p:par>
+                          <p:cTn id="34" fill="hold">
+                            <p:stCondLst>
+                              <p:cond delay="0"/>
+                            </p:stCondLst>
+                            <p:childTnLst>
+                              <p:par>
+                                <p:cTn id="35" presetID="16" presetClass="entr" presetSubtype="21" fill="hold" nodeType="clickEffect">
+                                  <p:stCondLst>
+                                    <p:cond delay="0"/>
+                                  </p:stCondLst>
+                                  <p:childTnLst>
+                                    <p:set>
+                                      <p:cBhvr>
+                                        <p:cTn id="36" dur="1" fill="hold">
+                                          <p:stCondLst>
+                                            <p:cond delay="0"/>
+                                          </p:stCondLst>
+                                        </p:cTn>
+                                        <p:tgtEl>
+                                          <p:spTgt spid="3">
+                                            <p:txEl>
+                                              <p:pRg st="6" end="6"/>
+                                            </p:txEl>
+                                          </p:spTgt>
+                                        </p:tgtEl>
+                                        <p:attrNameLst>
+                                          <p:attrName>style.visibility</p:attrName>
+                                        </p:attrNameLst>
+                                      </p:cBhvr>
+                                      <p:to>
+                                        <p:strVal val="visible"/>
+                                      </p:to>
+                                    </p:set>
+                                    <p:animEffect transition="in" filter="barn(inVertical)">
+                                      <p:cBhvr>
+                                        <p:cTn id="37" dur="500"/>
+                                        <p:tgtEl>
+                                          <p:spTgt spid="3">
+                                            <p:txEl>
+                                              <p:pRg st="6" end="6"/>
+                                            </p:txEl>
+                                          </p:spTgt>
+                                        </p:tgtEl>
+                                      </p:cBhvr>
+                                    </p:animEffect>
+                                  </p:childTnLst>
+                                </p:cTn>
+                              </p:par>
+                            </p:childTnLst>
+                          </p:cTn>
+                        </p:par>
+                      </p:childTnLst>
+                    </p:cTn>
+                  </p:par>
+                </p:childTnLst>
+              </p:cTn>
+              <p:prevCondLst>
+                <p:cond evt="onPrev" delay="0">
+                  <p:tgtEl>
+                    <p:sldTgt/>
+                  </p:tgtEl>
+                </p:cond>
+              </p:prevCondLst>
+              <p:nextCondLst>
+                <p:cond evt="onNext" delay="0">
+                  <p:tgtEl>
+                    <p:sldTgt/>
+                  </p:tgtEl>
+                </p:cond>
+              </p:nextCondLst>
+            </p:seq>
+          </p:childTnLst>
+        </p:cTn>
+      </p:par>
+    </p:tnLst>
+  </p:timing>
+</p:sld>
+</file>
+
+<file path=ppt/slides/slide9.xml><?xml version="1.0" encoding="utf-8"?>
+<p:sld xmlns:a="http://schemas.openxmlformats.org/drawingml/2006/main" xmlns:r="http://schemas.openxmlformats.org/officeDocument/2006/relationships" xmlns:p="http://schemas.openxmlformats.org/presentationml/2006/main">
+  <p:cSld>
+    <p:spTree>
+      <p:nvGrpSpPr>
+        <p:cNvPr id="1" name=""/>
+        <p:cNvGrpSpPr/>
+        <p:nvPr/>
+      </p:nvGrpSpPr>
+      <p:grpSpPr>
+        <a:xfrm>
+          <a:off x="0" y="0"/>
+          <a:ext cx="0" cy="0"/>
+          <a:chOff x="0" y="0"/>
+          <a:chExt cx="0" cy="0"/>
+        </a:xfrm>
+      </p:grpSpPr>
+      <p:sp>
+        <p:nvSpPr>
+          <p:cNvPr id="2" name="Title 1"/>
+          <p:cNvSpPr>
+            <a:spLocks noGrp="1"/>
+          </p:cNvSpPr>
+          <p:nvPr>
+            <p:ph type="title"/>
+          </p:nvPr>
+        </p:nvSpPr>
+        <p:spPr>
+          <a:xfrm>
+            <a:off x="381000" y="12700"/>
+            <a:ext cx="8229600" cy="901700"/>
+          </a:xfrm>
+        </p:spPr>
+        <p:txBody>
+          <a:bodyPr>
+            <a:normAutofit/>
+          </a:bodyPr>
+          <a:lstStyle/>
+          <a:p>
+            <a:pPr algn="l"/>
+            <a:r>
+              <a:rPr lang="en-US" sz="3600" dirty="0" smtClean="0"/>
+              <a:t>How to Create RESTful web services? Cont..</a:t>
+            </a:r>
+            <a:endParaRPr lang="en-US" sz="3600" dirty="0"/>
+          </a:p>
+        </p:txBody>
+      </p:sp>
+      <p:sp>
+        <p:nvSpPr>
+          <p:cNvPr id="3" name="Content Placeholder 2"/>
+          <p:cNvSpPr>
+            <a:spLocks noGrp="1"/>
+          </p:cNvSpPr>
+          <p:nvPr>
+            <p:ph idx="1"/>
+          </p:nvPr>
+        </p:nvSpPr>
+        <p:spPr>
+          <a:xfrm>
+            <a:off x="457200" y="990600"/>
+            <a:ext cx="8382000" cy="5638800"/>
+          </a:xfrm>
+        </p:spPr>
+        <p:txBody>
+          <a:bodyPr>
+            <a:normAutofit fontScale="92500"/>
+          </a:bodyPr>
+          <a:lstStyle/>
+          <a:p>
+            <a:r>
+              <a:rPr lang="en-US" dirty="0" smtClean="0"/>
+              <a:t>Now if the client </a:t>
+            </a:r>
+            <a:r>
+              <a:rPr lang="en-US" dirty="0" smtClean="0"/>
+              <a:t>calls the </a:t>
+            </a:r>
+            <a:r>
+              <a:rPr lang="en-US" dirty="0" err="1" smtClean="0"/>
+              <a:t>uri</a:t>
+            </a:r>
+            <a:r>
+              <a:rPr lang="en-US" dirty="0" smtClean="0"/>
+              <a:t> path “/user/service/create” with put http method the </a:t>
+            </a:r>
+            <a:r>
+              <a:rPr lang="en-US" dirty="0" err="1" smtClean="0"/>
+              <a:t>createUser</a:t>
+            </a:r>
+            <a:r>
+              <a:rPr lang="en-US" dirty="0" smtClean="0"/>
+              <a:t> method of user services class is called.</a:t>
+            </a:r>
+          </a:p>
+          <a:p>
+            <a:r>
+              <a:rPr lang="en-US" dirty="0" err="1" smtClean="0"/>
+              <a:t>CreateUser</a:t>
+            </a:r>
+            <a:r>
+              <a:rPr lang="en-US" dirty="0" smtClean="0"/>
+              <a:t> method is now having its own path appended with the class, but other methods do not have its own path, they are following class path.</a:t>
+            </a:r>
+          </a:p>
+          <a:p>
+            <a:r>
+              <a:rPr lang="en-US" dirty="0" smtClean="0"/>
+              <a:t>The methods that have its own path like create method are known as service </a:t>
+            </a:r>
+            <a:r>
+              <a:rPr lang="en-US" dirty="0" err="1" smtClean="0"/>
+              <a:t>resouce</a:t>
+            </a:r>
+            <a:r>
+              <a:rPr lang="en-US" dirty="0" smtClean="0"/>
+              <a:t> method.</a:t>
+            </a:r>
+          </a:p>
+          <a:p>
+            <a:r>
+              <a:rPr lang="en-US" dirty="0" smtClean="0"/>
+              <a:t>Other methods with just http </a:t>
+            </a:r>
+            <a:r>
+              <a:rPr lang="en-US" dirty="0" err="1" smtClean="0"/>
+              <a:t>methiods</a:t>
+            </a:r>
+            <a:r>
+              <a:rPr lang="en-US" dirty="0"/>
+              <a:t> </a:t>
+            </a:r>
+            <a:r>
+              <a:rPr lang="en-US" dirty="0" smtClean="0"/>
+              <a:t>annotations </a:t>
+            </a:r>
+            <a:r>
+              <a:rPr lang="en-US" dirty="0" smtClean="0"/>
+              <a:t>are called normal resource methods.</a:t>
+            </a:r>
+          </a:p>
+        </p:txBody>
+      </p:sp>
+    </p:spTree>
+    <p:extLst>
+      <p:ext uri="{BB962C8B-B14F-4D97-AF65-F5344CB8AC3E}">
+        <p14:creationId xmlns:p14="http://schemas.microsoft.com/office/powerpoint/2010/main" val="1483709024"/>
+      </p:ext>
+    </p:extLst>
+  </p:cSld>
+  <p:clrMapOvr>
+    <a:masterClrMapping/>
+  </p:clrMapOvr>
+  <p:timing>
+    <p:tnLst>
+      <p:par>
+        <p:cTn id="1" dur="indefinite" restart="never" nodeType="tmRoot">
+          <p:childTnLst>
+            <p:seq concurrent="1" nextAc="seek">
+              <p:cTn id="2" dur="indefinite" nodeType="mainSeq">
+                <p:childTnLst>
+                  <p:par>
+                    <p:cTn id="3" fill="hold">
+                      <p:stCondLst>
+                        <p:cond delay="indefinite"/>
+                      </p:stCondLst>
+                      <p:childTnLst>
+                        <p:par>
+                          <p:cTn id="4" fill="hold">
+                            <p:stCondLst>
+                              <p:cond delay="0"/>
+                            </p:stCondLst>
+                            <p:childTnLst>
+                              <p:par>
+                                <p:cTn id="5" presetID="16" presetClass="entr" presetSubtype="21" fill="hold" nodeType="clickEffect">
+                                  <p:stCondLst>
+                                    <p:cond delay="0"/>
+                                  </p:stCondLst>
+                                  <p:childTnLst>
+                                    <p:set>
+                                      <p:cBhvr>
+                                        <p:cTn id="6" dur="1" fill="hold">
+                                          <p:stCondLst>
+                                            <p:cond delay="0"/>
+                                          </p:stCondLst>
+                                        </p:cTn>
+                                        <p:tgtEl>
+                                          <p:spTgt spid="3">
+                                            <p:txEl>
+                                              <p:pRg st="0" end="0"/>
+                                            </p:txEl>
+                                          </p:spTgt>
+                                        </p:tgtEl>
+                                        <p:attrNameLst>
+                                          <p:attrName>style.visibility</p:attrName>
+                                        </p:attrNameLst>
+                                      </p:cBhvr>
+                                      <p:to>
+                                        <p:strVal val="visible"/>
+                                      </p:to>
+                                    </p:set>
+                                    <p:animEffect transition="in" filter="barn(inVertical)">
+                                      <p:cBhvr>
+                                        <p:cTn id="7" dur="500"/>
+                                        <p:tgtEl>
+                                          <p:spTgt spid="3">
+                                            <p:txEl>
+                                              <p:pRg st="0" end="0"/>
+                                            </p:txEl>
+                                          </p:spTgt>
+                                        </p:tgtEl>
+                                      </p:cBhvr>
+                                    </p:animEffect>
+                                  </p:childTnLst>
+                                </p:cTn>
+                              </p:par>
+                            </p:childTnLst>
+                          </p:cTn>
+                        </p:par>
+                      </p:childTnLst>
+                    </p:cTn>
+                  </p:par>
+                  <p:par>
+                    <p:cTn id="8" fill="hold">
+                      <p:stCondLst>
+                        <p:cond delay="indefinite"/>
+                      </p:stCondLst>
+                      <p:childTnLst>
+                        <p:par>
+                          <p:cTn id="9" fill="hold">
+                            <p:stCondLst>
+                              <p:cond delay="0"/>
+                            </p:stCondLst>
+                            <p:childTnLst>
+                              <p:par>
+                                <p:cTn id="10" presetID="16" presetClass="entr" presetSubtype="21" fill="hold" nodeType="clickEffect">
+                                  <p:stCondLst>
+                                    <p:cond delay="0"/>
+                                  </p:stCondLst>
+                                  <p:childTnLst>
+                                    <p:set>
+                                      <p:cBhvr>
+                                        <p:cTn id="11" dur="1" fill="hold">
+                                          <p:stCondLst>
+                                            <p:cond delay="0"/>
+                                          </p:stCondLst>
+                                        </p:cTn>
+                                        <p:tgtEl>
+                                          <p:spTgt spid="3">
+                                            <p:txEl>
+                                              <p:pRg st="1" end="1"/>
+                                            </p:txEl>
+                                          </p:spTgt>
+                                        </p:tgtEl>
+                                        <p:attrNameLst>
+                                          <p:attrName>style.visibility</p:attrName>
+                                        </p:attrNameLst>
+                                      </p:cBhvr>
+                                      <p:to>
+                                        <p:strVal val="visible"/>
+                                      </p:to>
+                                    </p:set>
+                                    <p:animEffect transition="in" filter="barn(inVertical)">
+                                      <p:cBhvr>
+                                        <p:cTn id="12" dur="500"/>
+                                        <p:tgtEl>
+                                          <p:spTgt spid="3">
+                                            <p:txEl>
+                                              <p:pRg st="1" end="1"/>
+                                            </p:txEl>
+                                          </p:spTgt>
+                                        </p:tgtEl>
+                                      </p:cBhvr>
+                                    </p:animEffect>
+                                  </p:childTnLst>
+                                </p:cTn>
+                              </p:par>
+                            </p:childTnLst>
+                          </p:cTn>
+                        </p:par>
+                      </p:childTnLst>
+                    </p:cTn>
+                  </p:par>
+                  <p:par>
+                    <p:cTn id="13" fill="hold">
+                      <p:stCondLst>
+                        <p:cond delay="indefinite"/>
+                      </p:stCondLst>
+                      <p:childTnLst>
+                        <p:par>
+                          <p:cTn id="14" fill="hold">
+                            <p:stCondLst>
+                              <p:cond delay="0"/>
+                            </p:stCondLst>
+                            <p:childTnLst>
+                              <p:par>
+                                <p:cTn id="15" presetID="16" presetClass="entr" presetSubtype="21" fill="hold" nodeType="clickEffect">
+                                  <p:stCondLst>
+                                    <p:cond delay="0"/>
+                                  </p:stCondLst>
+                                  <p:childTnLst>
+                                    <p:set>
+                                      <p:cBhvr>
+                                        <p:cTn id="16" dur="1" fill="hold">
+                                          <p:stCondLst>
+                                            <p:cond delay="0"/>
+                                          </p:stCondLst>
+                                        </p:cTn>
+                                        <p:tgtEl>
+                                          <p:spTgt spid="3">
+                                            <p:txEl>
+                                              <p:pRg st="2" end="2"/>
+                                            </p:txEl>
+                                          </p:spTgt>
+                                        </p:tgtEl>
+                                        <p:attrNameLst>
+                                          <p:attrName>style.visibility</p:attrName>
+                                        </p:attrNameLst>
+                                      </p:cBhvr>
+                                      <p:to>
+                                        <p:strVal val="visible"/>
+                                      </p:to>
+                                    </p:set>
+                                    <p:animEffect transition="in" filter="barn(inVertical)">
+                                      <p:cBhvr>
+                                        <p:cTn id="17" dur="500"/>
+                                        <p:tgtEl>
+                                          <p:spTgt spid="3">
+                                            <p:txEl>
+                                              <p:pRg st="2" end="2"/>
+                                            </p:txEl>
+                                          </p:spTgt>
+                                        </p:tgtEl>
+                                      </p:cBhvr>
+                                    </p:animEffect>
+                                  </p:childTnLst>
+                                </p:cTn>
+                              </p:par>
+                            </p:childTnLst>
+                          </p:cTn>
+                        </p:par>
+                      </p:childTnLst>
+                    </p:cTn>
+                  </p:par>
+                  <p:par>
+                    <p:cTn id="18" fill="hold">
+                      <p:stCondLst>
+                        <p:cond delay="indefinite"/>
+                      </p:stCondLst>
+                      <p:childTnLst>
+                        <p:par>
+                          <p:cTn id="19" fill="hold">
+                            <p:stCondLst>
+                              <p:cond delay="0"/>
+                            </p:stCondLst>
+                            <p:childTnLst>
+                              <p:par>
+                                <p:cTn id="20" presetID="16" presetClass="entr" presetSubtype="21" fill="hold" nodeType="clickEffect">
+                                  <p:stCondLst>
+                                    <p:cond delay="0"/>
+                                  </p:stCondLst>
+                                  <p:childTnLst>
+                                    <p:set>
+                                      <p:cBhvr>
+                                        <p:cTn id="21" dur="1" fill="hold">
+                                          <p:stCondLst>
+                                            <p:cond delay="0"/>
+                                          </p:stCondLst>
+                                        </p:cTn>
+                                        <p:tgtEl>
+                                          <p:spTgt spid="3">
+                                            <p:txEl>
+                                              <p:pRg st="3" end="3"/>
+                                            </p:txEl>
+                                          </p:spTgt>
+                                        </p:tgtEl>
+                                        <p:attrNameLst>
+                                          <p:attrName>style.visibility</p:attrName>
+                                        </p:attrNameLst>
+                                      </p:cBhvr>
+                                      <p:to>
+                                        <p:strVal val="visible"/>
+                                      </p:to>
+                                    </p:set>
+                                    <p:animEffect transition="in" filter="barn(inVertical)">
+                                      <p:cBhvr>
+                                        <p:cTn id="22" dur="500"/>
+                                        <p:tgtEl>
+                                          <p:spTgt spid="3">
+                                            <p:txEl>
+                                              <p:pRg st="3" end="3"/>
                                             </p:txEl>
                                           </p:spTgt>
                                         </p:tgtEl>

--- a/REST/REST_part1.pptx
+++ b/REST/REST_part1.pptx
@@ -5,7 +5,7 @@
     <p:sldMasterId id="2147483648" r:id="rId1"/>
   </p:sldMasterIdLst>
   <p:notesMasterIdLst>
-    <p:notesMasterId r:id="rId13"/>
+    <p:notesMasterId r:id="rId15"/>
   </p:notesMasterIdLst>
   <p:sldIdLst>
     <p:sldId id="256" r:id="rId2"/>
@@ -19,6 +19,8 @@
     <p:sldId id="264" r:id="rId10"/>
     <p:sldId id="265" r:id="rId11"/>
     <p:sldId id="266" r:id="rId12"/>
+    <p:sldId id="267" r:id="rId13"/>
+    <p:sldId id="268" r:id="rId14"/>
   </p:sldIdLst>
   <p:sldSz cx="9144000" cy="6858000" type="screen4x3"/>
   <p:notesSz cx="6858000" cy="9144000"/>
@@ -202,7 +204,7 @@
           <a:p>
             <a:fld id="{9D1AB2DA-13AE-4D0C-8765-0F6FEAC09B78}" type="datetimeFigureOut">
               <a:rPr lang="en-US" smtClean="0"/>
-              <a:t>2/11/2016</a:t>
+              <a:t>2/12/2016</a:t>
             </a:fld>
             <a:endParaRPr lang="en-US"/>
           </a:p>
@@ -653,7 +655,7 @@
               <a:t>Ratnesh</a:t>
             </a:r>
             <a:r>
-              <a:rPr lang="en-US" sz="1200" b="0" i="0" u="none" strike="noStrike" kern="1200" smtClean="0">
+              <a:rPr lang="en-US" sz="1200" b="0" i="0" u="none" strike="noStrike" kern="1200" dirty="0" smtClean="0">
                 <a:solidFill>
                   <a:schemeClr val="tx1"/>
                 </a:solidFill>
@@ -663,10 +665,117 @@
                 <a:cs typeface="+mn-cs"/>
                 <a:hlinkClick r:id="rId3"/>
               </a:rPr>
-              <a:t> </a:t>
-            </a:r>
-            <a:r>
-              <a:rPr lang="en-US" sz="1200" b="0" i="0" u="none" strike="noStrike" kern="1200" smtClean="0">
+              <a:t> Prasad</a:t>
+            </a:r>
+            <a:r>
+              <a:rPr lang="en-US" sz="1200" b="0" i="0" u="none" strike="noStrike" kern="1200" dirty="0" smtClean="0">
+                <a:solidFill>
+                  <a:schemeClr val="tx1"/>
+                </a:solidFill>
+                <a:effectLst/>
+                <a:latin typeface="+mn-lt"/>
+                <a:ea typeface="+mn-ea"/>
+                <a:cs typeface="+mn-cs"/>
+              </a:rPr>
+              <a:t>  - Video 2</a:t>
+            </a:r>
+            <a:endParaRPr lang="en-US" dirty="0" smtClean="0"/>
+          </a:p>
+          <a:p>
+            <a:r>
+              <a:rPr lang="en-US" dirty="0" smtClean="0"/>
+              <a:t>https://www.youtube.com/watch?v=5ZkEt3gzicg&amp;list=PL5u3Zdsn3teiq_RDz2xKTrDD0ybhCRPMO&amp;index=2</a:t>
+            </a:r>
+            <a:endParaRPr lang="en-US" dirty="0"/>
+          </a:p>
+        </p:txBody>
+      </p:sp>
+      <p:sp>
+        <p:nvSpPr>
+          <p:cNvPr id="4" name="Slide Number Placeholder 3"/>
+          <p:cNvSpPr>
+            <a:spLocks noGrp="1"/>
+          </p:cNvSpPr>
+          <p:nvPr>
+            <p:ph type="sldNum" sz="quarter" idx="10"/>
+          </p:nvPr>
+        </p:nvSpPr>
+        <p:spPr/>
+        <p:txBody>
+          <a:bodyPr/>
+          <a:lstStyle/>
+          <a:p>
+            <a:fld id="{91BC768D-E736-44D5-9251-E5A1967F1C19}" type="slidenum">
+              <a:rPr lang="en-US" smtClean="0"/>
+              <a:t>11</a:t>
+            </a:fld>
+            <a:endParaRPr lang="en-US"/>
+          </a:p>
+        </p:txBody>
+      </p:sp>
+    </p:spTree>
+    <p:extLst>
+      <p:ext uri="{BB962C8B-B14F-4D97-AF65-F5344CB8AC3E}">
+        <p14:creationId xmlns:p14="http://schemas.microsoft.com/office/powerpoint/2010/main" val="3989360851"/>
+      </p:ext>
+    </p:extLst>
+  </p:cSld>
+  <p:clrMapOvr>
+    <a:masterClrMapping/>
+  </p:clrMapOvr>
+</p:notes>
+</file>
+
+<file path=ppt/notesSlides/notesSlide11.xml><?xml version="1.0" encoding="utf-8"?>
+<p:notes xmlns:a="http://schemas.openxmlformats.org/drawingml/2006/main" xmlns:r="http://schemas.openxmlformats.org/officeDocument/2006/relationships" xmlns:p="http://schemas.openxmlformats.org/presentationml/2006/main">
+  <p:cSld>
+    <p:spTree>
+      <p:nvGrpSpPr>
+        <p:cNvPr id="1" name=""/>
+        <p:cNvGrpSpPr/>
+        <p:nvPr/>
+      </p:nvGrpSpPr>
+      <p:grpSpPr>
+        <a:xfrm>
+          <a:off x="0" y="0"/>
+          <a:ext cx="0" cy="0"/>
+          <a:chOff x="0" y="0"/>
+          <a:chExt cx="0" cy="0"/>
+        </a:xfrm>
+      </p:grpSpPr>
+      <p:sp>
+        <p:nvSpPr>
+          <p:cNvPr id="2" name="Slide Image Placeholder 1"/>
+          <p:cNvSpPr>
+            <a:spLocks noGrp="1" noRot="1" noChangeAspect="1"/>
+          </p:cNvSpPr>
+          <p:nvPr>
+            <p:ph type="sldImg"/>
+          </p:nvPr>
+        </p:nvSpPr>
+        <p:spPr/>
+      </p:sp>
+      <p:sp>
+        <p:nvSpPr>
+          <p:cNvPr id="3" name="Notes Placeholder 2"/>
+          <p:cNvSpPr>
+            <a:spLocks noGrp="1"/>
+          </p:cNvSpPr>
+          <p:nvPr>
+            <p:ph type="body" idx="1"/>
+          </p:nvPr>
+        </p:nvSpPr>
+        <p:spPr/>
+        <p:txBody>
+          <a:bodyPr/>
+          <a:lstStyle/>
+          <a:p>
+            <a:r>
+              <a:rPr lang="en-US" dirty="0" smtClean="0"/>
+              <a:t>From the YouTube play list - </a:t>
+            </a:r>
+            <a:r>
+              <a:rPr lang="en-US" sz="1200" b="0" i="0" u="none" strike="noStrike" kern="1200" dirty="0" err="1" smtClean="0">
                 <a:solidFill>
                   <a:schemeClr val="tx1"/>
                 </a:solidFill>
@@ -676,10 +785,23 @@
                 <a:cs typeface="+mn-cs"/>
                 <a:hlinkClick r:id="rId3"/>
               </a:rPr>
-              <a:t>Prasad</a:t>
-            </a:r>
-            <a:r>
-              <a:rPr lang="en-US" sz="1200" b="0" i="0" u="none" strike="noStrike" kern="1200" smtClean="0">
+              <a:t>Ratnesh</a:t>
+            </a:r>
+            <a:r>
+              <a:rPr lang="en-US" sz="1200" b="0" i="0" u="none" strike="noStrike" kern="1200" dirty="0" smtClean="0">
+                <a:solidFill>
+                  <a:schemeClr val="tx1"/>
+                </a:solidFill>
+                <a:effectLst/>
+                <a:latin typeface="+mn-lt"/>
+                <a:ea typeface="+mn-ea"/>
+                <a:cs typeface="+mn-cs"/>
+                <a:hlinkClick r:id="rId3"/>
+              </a:rPr>
+              <a:t> Prasad</a:t>
+            </a:r>
+            <a:r>
+              <a:rPr lang="en-US" sz="1200" b="0" i="0" u="none" strike="noStrike" kern="1200" dirty="0" smtClean="0">
                 <a:solidFill>
                   <a:schemeClr val="tx1"/>
                 </a:solidFill>
@@ -688,14 +810,26 @@
                 <a:ea typeface="+mn-ea"/>
                 <a:cs typeface="+mn-cs"/>
               </a:rPr>
-              <a:t>  - Video 2</a:t>
+              <a:t>  - Video </a:t>
+            </a:r>
+            <a:r>
+              <a:rPr lang="en-US" sz="1200" b="0" i="0" u="none" strike="noStrike" kern="1200" dirty="0" smtClean="0">
+                <a:solidFill>
+                  <a:schemeClr val="tx1"/>
+                </a:solidFill>
+                <a:effectLst/>
+                <a:latin typeface="+mn-lt"/>
+                <a:ea typeface="+mn-ea"/>
+                <a:cs typeface="+mn-cs"/>
+              </a:rPr>
+              <a:t>3</a:t>
             </a:r>
             <a:endParaRPr lang="en-US" dirty="0" smtClean="0"/>
           </a:p>
           <a:p>
             <a:r>
               <a:rPr lang="en-US" dirty="0" smtClean="0"/>
-              <a:t>https://www.youtube.com/watch?v=5ZkEt3gzicg&amp;list=PL5u3Zdsn3teiq_RDz2xKTrDD0ybhCRPMO&amp;index=2</a:t>
+              <a:t>https://www.youtube.com/watch?v=Ip5eoQSB7EU&amp;index=3&amp;list=PL5u3Zdsn3teiq_RDz2xKTrDD0ybhCRPMO</a:t>
             </a:r>
             <a:endParaRPr lang="en-US" dirty="0"/>
           </a:p>
@@ -718,7 +852,152 @@
           <a:p>
             <a:fld id="{91BC768D-E736-44D5-9251-E5A1967F1C19}" type="slidenum">
               <a:rPr lang="en-US" smtClean="0"/>
-              <a:t>11</a:t>
+              <a:t>12</a:t>
+            </a:fld>
+            <a:endParaRPr lang="en-US"/>
+          </a:p>
+        </p:txBody>
+      </p:sp>
+    </p:spTree>
+    <p:extLst>
+      <p:ext uri="{BB962C8B-B14F-4D97-AF65-F5344CB8AC3E}">
+        <p14:creationId xmlns:p14="http://schemas.microsoft.com/office/powerpoint/2010/main" val="3989360851"/>
+      </p:ext>
+    </p:extLst>
+  </p:cSld>
+  <p:clrMapOvr>
+    <a:masterClrMapping/>
+  </p:clrMapOvr>
+</p:notes>
+</file>
+
+<file path=ppt/notesSlides/notesSlide12.xml><?xml version="1.0" encoding="utf-8"?>
+<p:notes xmlns:a="http://schemas.openxmlformats.org/drawingml/2006/main" xmlns:r="http://schemas.openxmlformats.org/officeDocument/2006/relationships" xmlns:p="http://schemas.openxmlformats.org/presentationml/2006/main">
+  <p:cSld>
+    <p:spTree>
+      <p:nvGrpSpPr>
+        <p:cNvPr id="1" name=""/>
+        <p:cNvGrpSpPr/>
+        <p:nvPr/>
+      </p:nvGrpSpPr>
+      <p:grpSpPr>
+        <a:xfrm>
+          <a:off x="0" y="0"/>
+          <a:ext cx="0" cy="0"/>
+          <a:chOff x="0" y="0"/>
+          <a:chExt cx="0" cy="0"/>
+        </a:xfrm>
+      </p:grpSpPr>
+      <p:sp>
+        <p:nvSpPr>
+          <p:cNvPr id="2" name="Slide Image Placeholder 1"/>
+          <p:cNvSpPr>
+            <a:spLocks noGrp="1" noRot="1" noChangeAspect="1"/>
+          </p:cNvSpPr>
+          <p:nvPr>
+            <p:ph type="sldImg"/>
+          </p:nvPr>
+        </p:nvSpPr>
+        <p:spPr/>
+      </p:sp>
+      <p:sp>
+        <p:nvSpPr>
+          <p:cNvPr id="3" name="Notes Placeholder 2"/>
+          <p:cNvSpPr>
+            <a:spLocks noGrp="1"/>
+          </p:cNvSpPr>
+          <p:nvPr>
+            <p:ph type="body" idx="1"/>
+          </p:nvPr>
+        </p:nvSpPr>
+        <p:spPr/>
+        <p:txBody>
+          <a:bodyPr/>
+          <a:lstStyle/>
+          <a:p>
+            <a:r>
+              <a:rPr lang="en-US" dirty="0" smtClean="0"/>
+              <a:t>From the YouTube play list - </a:t>
+            </a:r>
+            <a:r>
+              <a:rPr lang="en-US" sz="1200" b="0" i="0" u="none" strike="noStrike" kern="1200" dirty="0" err="1" smtClean="0">
+                <a:solidFill>
+                  <a:schemeClr val="tx1"/>
+                </a:solidFill>
+                <a:effectLst/>
+                <a:latin typeface="+mn-lt"/>
+                <a:ea typeface="+mn-ea"/>
+                <a:cs typeface="+mn-cs"/>
+                <a:hlinkClick r:id="rId3"/>
+              </a:rPr>
+              <a:t>Ratnesh</a:t>
+            </a:r>
+            <a:r>
+              <a:rPr lang="en-US" sz="1200" b="0" i="0" u="none" strike="noStrike" kern="1200" dirty="0" smtClean="0">
+                <a:solidFill>
+                  <a:schemeClr val="tx1"/>
+                </a:solidFill>
+                <a:effectLst/>
+                <a:latin typeface="+mn-lt"/>
+                <a:ea typeface="+mn-ea"/>
+                <a:cs typeface="+mn-cs"/>
+                <a:hlinkClick r:id="rId3"/>
+              </a:rPr>
+              <a:t> Prasad</a:t>
+            </a:r>
+            <a:r>
+              <a:rPr lang="en-US" sz="1200" b="0" i="0" u="none" strike="noStrike" kern="1200" dirty="0" smtClean="0">
+                <a:solidFill>
+                  <a:schemeClr val="tx1"/>
+                </a:solidFill>
+                <a:effectLst/>
+                <a:latin typeface="+mn-lt"/>
+                <a:ea typeface="+mn-ea"/>
+                <a:cs typeface="+mn-cs"/>
+              </a:rPr>
+              <a:t>  - Video </a:t>
+            </a:r>
+            <a:r>
+              <a:rPr lang="en-US" sz="1200" b="0" i="0" u="none" strike="noStrike" kern="1200" dirty="0" smtClean="0">
+                <a:solidFill>
+                  <a:schemeClr val="tx1"/>
+                </a:solidFill>
+                <a:effectLst/>
+                <a:latin typeface="+mn-lt"/>
+                <a:ea typeface="+mn-ea"/>
+                <a:cs typeface="+mn-cs"/>
+              </a:rPr>
+              <a:t>3</a:t>
+            </a:r>
+            <a:endParaRPr lang="en-US" dirty="0" smtClean="0"/>
+          </a:p>
+          <a:p>
+            <a:r>
+              <a:rPr lang="en-US" smtClean="0"/>
+              <a:t>https://www.youtube.com/watch?v=Ip5eoQSB7EU&amp;index=3&amp;list=PL5u3Zdsn3teiq_RDz2xKTrDD0ybhCRPMO</a:t>
+            </a:r>
+            <a:endParaRPr lang="en-US" dirty="0"/>
+          </a:p>
+        </p:txBody>
+      </p:sp>
+      <p:sp>
+        <p:nvSpPr>
+          <p:cNvPr id="4" name="Slide Number Placeholder 3"/>
+          <p:cNvSpPr>
+            <a:spLocks noGrp="1"/>
+          </p:cNvSpPr>
+          <p:nvPr>
+            <p:ph type="sldNum" sz="quarter" idx="10"/>
+          </p:nvPr>
+        </p:nvSpPr>
+        <p:spPr/>
+        <p:txBody>
+          <a:bodyPr/>
+          <a:lstStyle/>
+          <a:p>
+            <a:fld id="{91BC768D-E736-44D5-9251-E5A1967F1C19}" type="slidenum">
+              <a:rPr lang="en-US" smtClean="0"/>
+              <a:t>13</a:t>
             </a:fld>
             <a:endParaRPr lang="en-US"/>
           </a:p>
@@ -1172,20 +1451,7 @@
                 <a:cs typeface="+mn-cs"/>
                 <a:hlinkClick r:id="rId3"/>
               </a:rPr>
-              <a:t> </a:t>
-            </a:r>
-            <a:r>
-              <a:rPr lang="en-US" sz="1200" b="0" i="0" u="none" strike="noStrike" kern="1200" dirty="0" smtClean="0">
-                <a:solidFill>
-                  <a:schemeClr val="tx1"/>
-                </a:solidFill>
-                <a:effectLst/>
-                <a:latin typeface="+mn-lt"/>
-                <a:ea typeface="+mn-ea"/>
-                <a:cs typeface="+mn-cs"/>
-                <a:hlinkClick r:id="rId3"/>
-              </a:rPr>
-              <a:t>Prasad</a:t>
+              <a:t> Prasad</a:t>
             </a:r>
             <a:r>
               <a:rPr lang="en-US" sz="1200" b="0" i="0" u="none" strike="noStrike" kern="1200" dirty="0" smtClean="0">
@@ -1318,20 +1584,7 @@
                 <a:cs typeface="+mn-cs"/>
                 <a:hlinkClick r:id="rId3"/>
               </a:rPr>
-              <a:t> </a:t>
-            </a:r>
-            <a:r>
-              <a:rPr lang="en-US" sz="1200" b="0" i="0" u="none" strike="noStrike" kern="1200" smtClean="0">
-                <a:solidFill>
-                  <a:schemeClr val="tx1"/>
-                </a:solidFill>
-                <a:effectLst/>
-                <a:latin typeface="+mn-lt"/>
-                <a:ea typeface="+mn-ea"/>
-                <a:cs typeface="+mn-cs"/>
-                <a:hlinkClick r:id="rId3"/>
-              </a:rPr>
-              <a:t>Prasad</a:t>
+              <a:t> Prasad</a:t>
             </a:r>
             <a:r>
               <a:rPr lang="en-US" sz="1200" b="0" i="0" u="none" strike="noStrike" kern="1200" smtClean="0">
@@ -1464,20 +1717,7 @@
                 <a:cs typeface="+mn-cs"/>
                 <a:hlinkClick r:id="rId3"/>
               </a:rPr>
-              <a:t> </a:t>
-            </a:r>
-            <a:r>
-              <a:rPr lang="en-US" sz="1200" b="0" i="0" u="none" strike="noStrike" kern="1200" smtClean="0">
-                <a:solidFill>
-                  <a:schemeClr val="tx1"/>
-                </a:solidFill>
-                <a:effectLst/>
-                <a:latin typeface="+mn-lt"/>
-                <a:ea typeface="+mn-ea"/>
-                <a:cs typeface="+mn-cs"/>
-                <a:hlinkClick r:id="rId3"/>
-              </a:rPr>
-              <a:t>Prasad</a:t>
+              <a:t> Prasad</a:t>
             </a:r>
             <a:r>
               <a:rPr lang="en-US" sz="1200" b="0" i="0" u="none" strike="noStrike" kern="1200" smtClean="0">
@@ -1610,20 +1850,7 @@
                 <a:cs typeface="+mn-cs"/>
                 <a:hlinkClick r:id="rId3"/>
               </a:rPr>
-              <a:t> </a:t>
-            </a:r>
-            <a:r>
-              <a:rPr lang="en-US" sz="1200" b="0" i="0" u="none" strike="noStrike" kern="1200" smtClean="0">
-                <a:solidFill>
-                  <a:schemeClr val="tx1"/>
-                </a:solidFill>
-                <a:effectLst/>
-                <a:latin typeface="+mn-lt"/>
-                <a:ea typeface="+mn-ea"/>
-                <a:cs typeface="+mn-cs"/>
-                <a:hlinkClick r:id="rId3"/>
-              </a:rPr>
-              <a:t>Prasad</a:t>
+              <a:t> Prasad</a:t>
             </a:r>
             <a:r>
               <a:rPr lang="en-US" sz="1200" b="0" i="0" u="none" strike="noStrike" kern="1200" smtClean="0">
@@ -1756,20 +1983,7 @@
                 <a:cs typeface="+mn-cs"/>
                 <a:hlinkClick r:id="rId3"/>
               </a:rPr>
-              <a:t> </a:t>
-            </a:r>
-            <a:r>
-              <a:rPr lang="en-US" sz="1200" b="0" i="0" u="none" strike="noStrike" kern="1200" smtClean="0">
-                <a:solidFill>
-                  <a:schemeClr val="tx1"/>
-                </a:solidFill>
-                <a:effectLst/>
-                <a:latin typeface="+mn-lt"/>
-                <a:ea typeface="+mn-ea"/>
-                <a:cs typeface="+mn-cs"/>
-                <a:hlinkClick r:id="rId3"/>
-              </a:rPr>
-              <a:t>Prasad</a:t>
+              <a:t> Prasad</a:t>
             </a:r>
             <a:r>
               <a:rPr lang="en-US" sz="1200" b="0" i="0" u="none" strike="noStrike" kern="1200" smtClean="0">
@@ -2012,7 +2226,7 @@
             <a:fld id="{1D8BD707-D9CF-40AE-B4C6-C98DA3205C09}" type="datetimeFigureOut">
               <a:rPr lang="en-US" smtClean="0"/>
               <a:pPr/>
-              <a:t>2/11/2016</a:t>
+              <a:t>2/12/2016</a:t>
             </a:fld>
             <a:endParaRPr lang="en-US"/>
           </a:p>
@@ -2179,7 +2393,7 @@
             <a:fld id="{1D8BD707-D9CF-40AE-B4C6-C98DA3205C09}" type="datetimeFigureOut">
               <a:rPr lang="en-US" smtClean="0"/>
               <a:pPr/>
-              <a:t>2/11/2016</a:t>
+              <a:t>2/12/2016</a:t>
             </a:fld>
             <a:endParaRPr lang="en-US"/>
           </a:p>
@@ -2356,7 +2570,7 @@
             <a:fld id="{1D8BD707-D9CF-40AE-B4C6-C98DA3205C09}" type="datetimeFigureOut">
               <a:rPr lang="en-US" smtClean="0"/>
               <a:pPr/>
-              <a:t>2/11/2016</a:t>
+              <a:t>2/12/2016</a:t>
             </a:fld>
             <a:endParaRPr lang="en-US"/>
           </a:p>
@@ -2523,7 +2737,7 @@
             <a:fld id="{1D8BD707-D9CF-40AE-B4C6-C98DA3205C09}" type="datetimeFigureOut">
               <a:rPr lang="en-US" smtClean="0"/>
               <a:pPr/>
-              <a:t>2/11/2016</a:t>
+              <a:t>2/12/2016</a:t>
             </a:fld>
             <a:endParaRPr lang="en-US"/>
           </a:p>
@@ -2766,7 +2980,7 @@
             <a:fld id="{1D8BD707-D9CF-40AE-B4C6-C98DA3205C09}" type="datetimeFigureOut">
               <a:rPr lang="en-US" smtClean="0"/>
               <a:pPr/>
-              <a:t>2/11/2016</a:t>
+              <a:t>2/12/2016</a:t>
             </a:fld>
             <a:endParaRPr lang="en-US"/>
           </a:p>
@@ -3051,7 +3265,7 @@
             <a:fld id="{1D8BD707-D9CF-40AE-B4C6-C98DA3205C09}" type="datetimeFigureOut">
               <a:rPr lang="en-US" smtClean="0"/>
               <a:pPr/>
-              <a:t>2/11/2016</a:t>
+              <a:t>2/12/2016</a:t>
             </a:fld>
             <a:endParaRPr lang="en-US"/>
           </a:p>
@@ -3470,7 +3684,7 @@
             <a:fld id="{1D8BD707-D9CF-40AE-B4C6-C98DA3205C09}" type="datetimeFigureOut">
               <a:rPr lang="en-US" smtClean="0"/>
               <a:pPr/>
-              <a:t>2/11/2016</a:t>
+              <a:t>2/12/2016</a:t>
             </a:fld>
             <a:endParaRPr lang="en-US"/>
           </a:p>
@@ -3585,7 +3799,7 @@
             <a:fld id="{1D8BD707-D9CF-40AE-B4C6-C98DA3205C09}" type="datetimeFigureOut">
               <a:rPr lang="en-US" smtClean="0"/>
               <a:pPr/>
-              <a:t>2/11/2016</a:t>
+              <a:t>2/12/2016</a:t>
             </a:fld>
             <a:endParaRPr lang="en-US"/>
           </a:p>
@@ -3677,7 +3891,7 @@
             <a:fld id="{1D8BD707-D9CF-40AE-B4C6-C98DA3205C09}" type="datetimeFigureOut">
               <a:rPr lang="en-US" smtClean="0"/>
               <a:pPr/>
-              <a:t>2/11/2016</a:t>
+              <a:t>2/12/2016</a:t>
             </a:fld>
             <a:endParaRPr lang="en-US"/>
           </a:p>
@@ -3951,7 +4165,7 @@
             <a:fld id="{1D8BD707-D9CF-40AE-B4C6-C98DA3205C09}" type="datetimeFigureOut">
               <a:rPr lang="en-US" smtClean="0"/>
               <a:pPr/>
-              <a:t>2/11/2016</a:t>
+              <a:t>2/12/2016</a:t>
             </a:fld>
             <a:endParaRPr lang="en-US"/>
           </a:p>
@@ -4201,7 +4415,7 @@
             <a:fld id="{1D8BD707-D9CF-40AE-B4C6-C98DA3205C09}" type="datetimeFigureOut">
               <a:rPr lang="en-US" smtClean="0"/>
               <a:pPr/>
-              <a:t>2/11/2016</a:t>
+              <a:t>2/12/2016</a:t>
             </a:fld>
             <a:endParaRPr lang="en-US"/>
           </a:p>
@@ -4411,7 +4625,7 @@
             <a:fld id="{1D8BD707-D9CF-40AE-B4C6-C98DA3205C09}" type="datetimeFigureOut">
               <a:rPr lang="en-US" smtClean="0"/>
               <a:pPr/>
-              <a:t>2/11/2016</a:t>
+              <a:t>2/12/2016</a:t>
             </a:fld>
             <a:endParaRPr lang="en-US"/>
           </a:p>
@@ -4936,11 +5150,7 @@
             </a:r>
             <a:r>
               <a:rPr lang="en-US" dirty="0" smtClean="0"/>
-              <a:t> locator method, these </a:t>
-            </a:r>
-            <a:r>
-              <a:rPr lang="en-US" dirty="0" smtClean="0"/>
-              <a:t>do not have any http annotations, but have @Path annotation.</a:t>
+              <a:t> locator method, these do not have any http annotations, but have @Path annotation.</a:t>
             </a:r>
           </a:p>
           <a:p>
@@ -5492,13 +5702,8 @@
           <a:p>
             <a:r>
               <a:rPr lang="en-US" dirty="0" smtClean="0"/>
-              <a:t>The entire code not fully functional, we make the code </a:t>
-            </a:r>
-            <a:r>
-              <a:rPr lang="en-US" smtClean="0"/>
-              <a:t>fully functional now.</a:t>
-            </a:r>
-            <a:endParaRPr lang="en-US" dirty="0" smtClean="0"/>
+              <a:t>The entire code not fully functional, we make the code fully functional now.</a:t>
+            </a:r>
           </a:p>
         </p:txBody>
       </p:sp>
@@ -5750,6 +5955,1332 @@
                                           <p:spTgt spid="3">
                                             <p:txEl>
                                               <p:pRg st="3" end="3"/>
+                                            </p:txEl>
+                                          </p:spTgt>
+                                        </p:tgtEl>
+                                      </p:cBhvr>
+                                    </p:animEffect>
+                                  </p:childTnLst>
+                                </p:cTn>
+                              </p:par>
+                            </p:childTnLst>
+                          </p:cTn>
+                        </p:par>
+                      </p:childTnLst>
+                    </p:cTn>
+                  </p:par>
+                </p:childTnLst>
+              </p:cTn>
+              <p:prevCondLst>
+                <p:cond evt="onPrev" delay="0">
+                  <p:tgtEl>
+                    <p:sldTgt/>
+                  </p:tgtEl>
+                </p:cond>
+              </p:prevCondLst>
+              <p:nextCondLst>
+                <p:cond evt="onNext" delay="0">
+                  <p:tgtEl>
+                    <p:sldTgt/>
+                  </p:tgtEl>
+                </p:cond>
+              </p:nextCondLst>
+            </p:seq>
+          </p:childTnLst>
+        </p:cTn>
+      </p:par>
+    </p:tnLst>
+  </p:timing>
+</p:sld>
+</file>
+
+<file path=ppt/slides/slide12.xml><?xml version="1.0" encoding="utf-8"?>
+<p:sld xmlns:a="http://schemas.openxmlformats.org/drawingml/2006/main" xmlns:r="http://schemas.openxmlformats.org/officeDocument/2006/relationships" xmlns:p="http://schemas.openxmlformats.org/presentationml/2006/main">
+  <p:cSld>
+    <p:spTree>
+      <p:nvGrpSpPr>
+        <p:cNvPr id="1" name=""/>
+        <p:cNvGrpSpPr/>
+        <p:nvPr/>
+      </p:nvGrpSpPr>
+      <p:grpSpPr>
+        <a:xfrm>
+          <a:off x="0" y="0"/>
+          <a:ext cx="0" cy="0"/>
+          <a:chOff x="0" y="0"/>
+          <a:chExt cx="0" cy="0"/>
+        </a:xfrm>
+      </p:grpSpPr>
+      <p:sp>
+        <p:nvSpPr>
+          <p:cNvPr id="2" name="Title 1"/>
+          <p:cNvSpPr>
+            <a:spLocks noGrp="1"/>
+          </p:cNvSpPr>
+          <p:nvPr>
+            <p:ph type="title"/>
+          </p:nvPr>
+        </p:nvSpPr>
+        <p:spPr>
+          <a:xfrm>
+            <a:off x="381000" y="12700"/>
+            <a:ext cx="8229600" cy="901700"/>
+          </a:xfrm>
+        </p:spPr>
+        <p:txBody>
+          <a:bodyPr>
+            <a:normAutofit/>
+          </a:bodyPr>
+          <a:lstStyle/>
+          <a:p>
+            <a:pPr algn="l"/>
+            <a:r>
+              <a:rPr lang="en-US" sz="3600" dirty="0" smtClean="0"/>
+              <a:t>Code – make it fully functional</a:t>
+            </a:r>
+            <a:endParaRPr lang="en-US" sz="3600" dirty="0"/>
+          </a:p>
+        </p:txBody>
+      </p:sp>
+      <p:sp>
+        <p:nvSpPr>
+          <p:cNvPr id="3" name="Content Placeholder 2"/>
+          <p:cNvSpPr>
+            <a:spLocks noGrp="1"/>
+          </p:cNvSpPr>
+          <p:nvPr>
+            <p:ph idx="1"/>
+          </p:nvPr>
+        </p:nvSpPr>
+        <p:spPr>
+          <a:xfrm>
+            <a:off x="457200" y="990600"/>
+            <a:ext cx="8382000" cy="5638800"/>
+          </a:xfrm>
+        </p:spPr>
+        <p:txBody>
+          <a:bodyPr>
+            <a:normAutofit fontScale="85000" lnSpcReduction="20000"/>
+          </a:bodyPr>
+          <a:lstStyle/>
+          <a:p>
+            <a:r>
+              <a:rPr lang="en-US" dirty="0" smtClean="0"/>
+              <a:t>Remove errors relating to annotations by importing the packages. Javax.ws.rs.*</a:t>
+            </a:r>
+          </a:p>
+          <a:p>
+            <a:r>
+              <a:rPr lang="en-US" dirty="0" smtClean="0"/>
+              <a:t>Add </a:t>
+            </a:r>
+            <a:r>
+              <a:rPr lang="en-US" dirty="0" err="1" smtClean="0"/>
+              <a:t>syso</a:t>
+            </a:r>
+            <a:r>
+              <a:rPr lang="en-US" dirty="0" smtClean="0"/>
+              <a:t> statements in some methods of resource class. E.g. get, update user methods.</a:t>
+            </a:r>
+          </a:p>
+          <a:p>
+            <a:r>
+              <a:rPr lang="en-US" dirty="0" smtClean="0"/>
+              <a:t>We will access the methods using GET and POST methods.</a:t>
+            </a:r>
+          </a:p>
+          <a:p>
+            <a:r>
+              <a:rPr lang="en-US" dirty="0" smtClean="0"/>
+              <a:t>Note that </a:t>
+            </a:r>
+            <a:r>
+              <a:rPr lang="en-US" dirty="0" err="1" smtClean="0"/>
+              <a:t>Jersy</a:t>
+            </a:r>
+            <a:r>
+              <a:rPr lang="en-US" dirty="0" smtClean="0"/>
+              <a:t> framework works on the servlet framework. So if we want to give control to jersey, to create a </a:t>
+            </a:r>
+            <a:r>
+              <a:rPr lang="en-US" dirty="0" err="1" smtClean="0"/>
+              <a:t>webservice</a:t>
+            </a:r>
+            <a:r>
+              <a:rPr lang="en-US" dirty="0" smtClean="0"/>
+              <a:t> from our code, then we need to declare their servlet in Web.xml file.</a:t>
+            </a:r>
+          </a:p>
+          <a:p>
+            <a:pPr lvl="1"/>
+            <a:r>
+              <a:rPr lang="en-US" dirty="0"/>
+              <a:t>&lt;servlet</a:t>
+            </a:r>
+            <a:r>
+              <a:rPr lang="en-US" dirty="0" smtClean="0"/>
+              <a:t>&gt;   </a:t>
+            </a:r>
+            <a:r>
+              <a:rPr lang="en-US" dirty="0"/>
+              <a:t>&lt;servlet-name&gt;Jersey&lt;/servlet-name</a:t>
+            </a:r>
+            <a:r>
+              <a:rPr lang="en-US" dirty="0" smtClean="0"/>
+              <a:t>&gt;   </a:t>
+            </a:r>
+            <a:r>
+              <a:rPr lang="en-US" dirty="0"/>
+              <a:t>&lt;servlet-class&gt;</a:t>
+            </a:r>
+            <a:r>
+              <a:rPr lang="en-US" dirty="0" err="1"/>
+              <a:t>com.sun.jersey.spi.container.servlet.ServletContainer</a:t>
+            </a:r>
+            <a:r>
+              <a:rPr lang="en-US" dirty="0"/>
+              <a:t>&lt;/servlet-class</a:t>
+            </a:r>
+            <a:r>
+              <a:rPr lang="en-US" dirty="0" smtClean="0"/>
+              <a:t>&gt;</a:t>
+            </a:r>
+          </a:p>
+          <a:p>
+            <a:pPr lvl="1"/>
+            <a:r>
+              <a:rPr lang="en-US" dirty="0" smtClean="0"/>
+              <a:t>&lt;/</a:t>
+            </a:r>
+            <a:r>
+              <a:rPr lang="en-US" dirty="0"/>
+              <a:t>servlet</a:t>
+            </a:r>
+            <a:r>
+              <a:rPr lang="en-US" dirty="0" smtClean="0"/>
+              <a:t>&gt;   </a:t>
+            </a:r>
+            <a:r>
+              <a:rPr lang="en-US" dirty="0"/>
+              <a:t>&lt;servlet-mapping</a:t>
+            </a:r>
+            <a:r>
+              <a:rPr lang="en-US" dirty="0" smtClean="0"/>
+              <a:t>&gt;   </a:t>
+            </a:r>
+            <a:r>
+              <a:rPr lang="en-US" dirty="0"/>
+              <a:t>&lt;servlet-name&gt;Jersey&lt;/servlet-name</a:t>
+            </a:r>
+            <a:r>
+              <a:rPr lang="en-US" dirty="0" smtClean="0"/>
+              <a:t>&gt;   </a:t>
+            </a:r>
+            <a:r>
+              <a:rPr lang="en-US" dirty="0"/>
+              <a:t>&lt;</a:t>
+            </a:r>
+            <a:r>
+              <a:rPr lang="en-US" dirty="0" err="1"/>
+              <a:t>url</a:t>
+            </a:r>
+            <a:r>
+              <a:rPr lang="en-US" dirty="0"/>
+              <a:t>-pattern&gt;/</a:t>
+            </a:r>
+            <a:r>
+              <a:rPr lang="en-US" dirty="0" smtClean="0"/>
+              <a:t>backend/*&lt;/</a:t>
+            </a:r>
+            <a:r>
+              <a:rPr lang="en-US" dirty="0" err="1"/>
+              <a:t>url</a:t>
+            </a:r>
+            <a:r>
+              <a:rPr lang="en-US" dirty="0"/>
+              <a:t>-pattern</a:t>
+            </a:r>
+            <a:r>
+              <a:rPr lang="en-US" dirty="0" smtClean="0"/>
+              <a:t>&gt;   </a:t>
+            </a:r>
+            <a:r>
+              <a:rPr lang="en-US" dirty="0"/>
+              <a:t>&lt;/servlet-mapping&gt;</a:t>
+            </a:r>
+            <a:endParaRPr lang="en-US" dirty="0" smtClean="0"/>
+          </a:p>
+        </p:txBody>
+      </p:sp>
+    </p:spTree>
+    <p:extLst>
+      <p:ext uri="{BB962C8B-B14F-4D97-AF65-F5344CB8AC3E}">
+        <p14:creationId xmlns:p14="http://schemas.microsoft.com/office/powerpoint/2010/main" val="3240528076"/>
+      </p:ext>
+    </p:extLst>
+  </p:cSld>
+  <p:clrMapOvr>
+    <a:masterClrMapping/>
+  </p:clrMapOvr>
+  <p:timing>
+    <p:tnLst>
+      <p:par>
+        <p:cTn id="1" dur="indefinite" restart="never" nodeType="tmRoot">
+          <p:childTnLst>
+            <p:seq concurrent="1" nextAc="seek">
+              <p:cTn id="2" dur="indefinite" nodeType="mainSeq">
+                <p:childTnLst>
+                  <p:par>
+                    <p:cTn id="3" fill="hold">
+                      <p:stCondLst>
+                        <p:cond delay="indefinite"/>
+                      </p:stCondLst>
+                      <p:childTnLst>
+                        <p:par>
+                          <p:cTn id="4" fill="hold">
+                            <p:stCondLst>
+                              <p:cond delay="0"/>
+                            </p:stCondLst>
+                            <p:childTnLst>
+                              <p:par>
+                                <p:cTn id="5" presetID="16" presetClass="entr" presetSubtype="21" fill="hold" nodeType="clickEffect">
+                                  <p:stCondLst>
+                                    <p:cond delay="0"/>
+                                  </p:stCondLst>
+                                  <p:childTnLst>
+                                    <p:set>
+                                      <p:cBhvr>
+                                        <p:cTn id="6" dur="1" fill="hold">
+                                          <p:stCondLst>
+                                            <p:cond delay="0"/>
+                                          </p:stCondLst>
+                                        </p:cTn>
+                                        <p:tgtEl>
+                                          <p:spTgt spid="3">
+                                            <p:txEl>
+                                              <p:pRg st="0" end="0"/>
+                                            </p:txEl>
+                                          </p:spTgt>
+                                        </p:tgtEl>
+                                        <p:attrNameLst>
+                                          <p:attrName>style.visibility</p:attrName>
+                                        </p:attrNameLst>
+                                      </p:cBhvr>
+                                      <p:to>
+                                        <p:strVal val="visible"/>
+                                      </p:to>
+                                    </p:set>
+                                    <p:animEffect transition="in" filter="barn(inVertical)">
+                                      <p:cBhvr>
+                                        <p:cTn id="7" dur="500"/>
+                                        <p:tgtEl>
+                                          <p:spTgt spid="3">
+                                            <p:txEl>
+                                              <p:pRg st="0" end="0"/>
+                                            </p:txEl>
+                                          </p:spTgt>
+                                        </p:tgtEl>
+                                      </p:cBhvr>
+                                    </p:animEffect>
+                                  </p:childTnLst>
+                                </p:cTn>
+                              </p:par>
+                            </p:childTnLst>
+                          </p:cTn>
+                        </p:par>
+                      </p:childTnLst>
+                    </p:cTn>
+                  </p:par>
+                  <p:par>
+                    <p:cTn id="8" fill="hold">
+                      <p:stCondLst>
+                        <p:cond delay="indefinite"/>
+                      </p:stCondLst>
+                      <p:childTnLst>
+                        <p:par>
+                          <p:cTn id="9" fill="hold">
+                            <p:stCondLst>
+                              <p:cond delay="0"/>
+                            </p:stCondLst>
+                            <p:childTnLst>
+                              <p:par>
+                                <p:cTn id="10" presetID="16" presetClass="entr" presetSubtype="21" fill="hold" nodeType="clickEffect">
+                                  <p:stCondLst>
+                                    <p:cond delay="0"/>
+                                  </p:stCondLst>
+                                  <p:childTnLst>
+                                    <p:set>
+                                      <p:cBhvr>
+                                        <p:cTn id="11" dur="1" fill="hold">
+                                          <p:stCondLst>
+                                            <p:cond delay="0"/>
+                                          </p:stCondLst>
+                                        </p:cTn>
+                                        <p:tgtEl>
+                                          <p:spTgt spid="3">
+                                            <p:txEl>
+                                              <p:pRg st="1" end="1"/>
+                                            </p:txEl>
+                                          </p:spTgt>
+                                        </p:tgtEl>
+                                        <p:attrNameLst>
+                                          <p:attrName>style.visibility</p:attrName>
+                                        </p:attrNameLst>
+                                      </p:cBhvr>
+                                      <p:to>
+                                        <p:strVal val="visible"/>
+                                      </p:to>
+                                    </p:set>
+                                    <p:animEffect transition="in" filter="barn(inVertical)">
+                                      <p:cBhvr>
+                                        <p:cTn id="12" dur="500"/>
+                                        <p:tgtEl>
+                                          <p:spTgt spid="3">
+                                            <p:txEl>
+                                              <p:pRg st="1" end="1"/>
+                                            </p:txEl>
+                                          </p:spTgt>
+                                        </p:tgtEl>
+                                      </p:cBhvr>
+                                    </p:animEffect>
+                                  </p:childTnLst>
+                                </p:cTn>
+                              </p:par>
+                            </p:childTnLst>
+                          </p:cTn>
+                        </p:par>
+                      </p:childTnLst>
+                    </p:cTn>
+                  </p:par>
+                  <p:par>
+                    <p:cTn id="13" fill="hold">
+                      <p:stCondLst>
+                        <p:cond delay="indefinite"/>
+                      </p:stCondLst>
+                      <p:childTnLst>
+                        <p:par>
+                          <p:cTn id="14" fill="hold">
+                            <p:stCondLst>
+                              <p:cond delay="0"/>
+                            </p:stCondLst>
+                            <p:childTnLst>
+                              <p:par>
+                                <p:cTn id="15" presetID="16" presetClass="entr" presetSubtype="21" fill="hold" nodeType="clickEffect">
+                                  <p:stCondLst>
+                                    <p:cond delay="0"/>
+                                  </p:stCondLst>
+                                  <p:childTnLst>
+                                    <p:set>
+                                      <p:cBhvr>
+                                        <p:cTn id="16" dur="1" fill="hold">
+                                          <p:stCondLst>
+                                            <p:cond delay="0"/>
+                                          </p:stCondLst>
+                                        </p:cTn>
+                                        <p:tgtEl>
+                                          <p:spTgt spid="3">
+                                            <p:txEl>
+                                              <p:pRg st="2" end="2"/>
+                                            </p:txEl>
+                                          </p:spTgt>
+                                        </p:tgtEl>
+                                        <p:attrNameLst>
+                                          <p:attrName>style.visibility</p:attrName>
+                                        </p:attrNameLst>
+                                      </p:cBhvr>
+                                      <p:to>
+                                        <p:strVal val="visible"/>
+                                      </p:to>
+                                    </p:set>
+                                    <p:animEffect transition="in" filter="barn(inVertical)">
+                                      <p:cBhvr>
+                                        <p:cTn id="17" dur="500"/>
+                                        <p:tgtEl>
+                                          <p:spTgt spid="3">
+                                            <p:txEl>
+                                              <p:pRg st="2" end="2"/>
+                                            </p:txEl>
+                                          </p:spTgt>
+                                        </p:tgtEl>
+                                      </p:cBhvr>
+                                    </p:animEffect>
+                                  </p:childTnLst>
+                                </p:cTn>
+                              </p:par>
+                            </p:childTnLst>
+                          </p:cTn>
+                        </p:par>
+                      </p:childTnLst>
+                    </p:cTn>
+                  </p:par>
+                  <p:par>
+                    <p:cTn id="18" fill="hold">
+                      <p:stCondLst>
+                        <p:cond delay="indefinite"/>
+                      </p:stCondLst>
+                      <p:childTnLst>
+                        <p:par>
+                          <p:cTn id="19" fill="hold">
+                            <p:stCondLst>
+                              <p:cond delay="0"/>
+                            </p:stCondLst>
+                            <p:childTnLst>
+                              <p:par>
+                                <p:cTn id="20" presetID="16" presetClass="entr" presetSubtype="21" fill="hold" nodeType="clickEffect">
+                                  <p:stCondLst>
+                                    <p:cond delay="0"/>
+                                  </p:stCondLst>
+                                  <p:childTnLst>
+                                    <p:set>
+                                      <p:cBhvr>
+                                        <p:cTn id="21" dur="1" fill="hold">
+                                          <p:stCondLst>
+                                            <p:cond delay="0"/>
+                                          </p:stCondLst>
+                                        </p:cTn>
+                                        <p:tgtEl>
+                                          <p:spTgt spid="3">
+                                            <p:txEl>
+                                              <p:pRg st="3" end="3"/>
+                                            </p:txEl>
+                                          </p:spTgt>
+                                        </p:tgtEl>
+                                        <p:attrNameLst>
+                                          <p:attrName>style.visibility</p:attrName>
+                                        </p:attrNameLst>
+                                      </p:cBhvr>
+                                      <p:to>
+                                        <p:strVal val="visible"/>
+                                      </p:to>
+                                    </p:set>
+                                    <p:animEffect transition="in" filter="barn(inVertical)">
+                                      <p:cBhvr>
+                                        <p:cTn id="22" dur="500"/>
+                                        <p:tgtEl>
+                                          <p:spTgt spid="3">
+                                            <p:txEl>
+                                              <p:pRg st="3" end="3"/>
+                                            </p:txEl>
+                                          </p:spTgt>
+                                        </p:tgtEl>
+                                      </p:cBhvr>
+                                    </p:animEffect>
+                                  </p:childTnLst>
+                                </p:cTn>
+                              </p:par>
+                            </p:childTnLst>
+                          </p:cTn>
+                        </p:par>
+                      </p:childTnLst>
+                    </p:cTn>
+                  </p:par>
+                  <p:par>
+                    <p:cTn id="23" fill="hold">
+                      <p:stCondLst>
+                        <p:cond delay="indefinite"/>
+                      </p:stCondLst>
+                      <p:childTnLst>
+                        <p:par>
+                          <p:cTn id="24" fill="hold">
+                            <p:stCondLst>
+                              <p:cond delay="0"/>
+                            </p:stCondLst>
+                            <p:childTnLst>
+                              <p:par>
+                                <p:cTn id="25" presetID="16" presetClass="entr" presetSubtype="21" fill="hold" nodeType="clickEffect">
+                                  <p:stCondLst>
+                                    <p:cond delay="0"/>
+                                  </p:stCondLst>
+                                  <p:childTnLst>
+                                    <p:set>
+                                      <p:cBhvr>
+                                        <p:cTn id="26" dur="1" fill="hold">
+                                          <p:stCondLst>
+                                            <p:cond delay="0"/>
+                                          </p:stCondLst>
+                                        </p:cTn>
+                                        <p:tgtEl>
+                                          <p:spTgt spid="3">
+                                            <p:txEl>
+                                              <p:pRg st="4" end="4"/>
+                                            </p:txEl>
+                                          </p:spTgt>
+                                        </p:tgtEl>
+                                        <p:attrNameLst>
+                                          <p:attrName>style.visibility</p:attrName>
+                                        </p:attrNameLst>
+                                      </p:cBhvr>
+                                      <p:to>
+                                        <p:strVal val="visible"/>
+                                      </p:to>
+                                    </p:set>
+                                    <p:animEffect transition="in" filter="barn(inVertical)">
+                                      <p:cBhvr>
+                                        <p:cTn id="27" dur="500"/>
+                                        <p:tgtEl>
+                                          <p:spTgt spid="3">
+                                            <p:txEl>
+                                              <p:pRg st="4" end="4"/>
+                                            </p:txEl>
+                                          </p:spTgt>
+                                        </p:tgtEl>
+                                      </p:cBhvr>
+                                    </p:animEffect>
+                                  </p:childTnLst>
+                                </p:cTn>
+                              </p:par>
+                            </p:childTnLst>
+                          </p:cTn>
+                        </p:par>
+                      </p:childTnLst>
+                    </p:cTn>
+                  </p:par>
+                  <p:par>
+                    <p:cTn id="28" fill="hold">
+                      <p:stCondLst>
+                        <p:cond delay="indefinite"/>
+                      </p:stCondLst>
+                      <p:childTnLst>
+                        <p:par>
+                          <p:cTn id="29" fill="hold">
+                            <p:stCondLst>
+                              <p:cond delay="0"/>
+                            </p:stCondLst>
+                            <p:childTnLst>
+                              <p:par>
+                                <p:cTn id="30" presetID="16" presetClass="entr" presetSubtype="21" fill="hold" nodeType="clickEffect">
+                                  <p:stCondLst>
+                                    <p:cond delay="0"/>
+                                  </p:stCondLst>
+                                  <p:childTnLst>
+                                    <p:set>
+                                      <p:cBhvr>
+                                        <p:cTn id="31" dur="1" fill="hold">
+                                          <p:stCondLst>
+                                            <p:cond delay="0"/>
+                                          </p:stCondLst>
+                                        </p:cTn>
+                                        <p:tgtEl>
+                                          <p:spTgt spid="3">
+                                            <p:txEl>
+                                              <p:pRg st="5" end="5"/>
+                                            </p:txEl>
+                                          </p:spTgt>
+                                        </p:tgtEl>
+                                        <p:attrNameLst>
+                                          <p:attrName>style.visibility</p:attrName>
+                                        </p:attrNameLst>
+                                      </p:cBhvr>
+                                      <p:to>
+                                        <p:strVal val="visible"/>
+                                      </p:to>
+                                    </p:set>
+                                    <p:animEffect transition="in" filter="barn(inVertical)">
+                                      <p:cBhvr>
+                                        <p:cTn id="32" dur="500"/>
+                                        <p:tgtEl>
+                                          <p:spTgt spid="3">
+                                            <p:txEl>
+                                              <p:pRg st="5" end="5"/>
+                                            </p:txEl>
+                                          </p:spTgt>
+                                        </p:tgtEl>
+                                      </p:cBhvr>
+                                    </p:animEffect>
+                                  </p:childTnLst>
+                                </p:cTn>
+                              </p:par>
+                            </p:childTnLst>
+                          </p:cTn>
+                        </p:par>
+                      </p:childTnLst>
+                    </p:cTn>
+                  </p:par>
+                </p:childTnLst>
+              </p:cTn>
+              <p:prevCondLst>
+                <p:cond evt="onPrev" delay="0">
+                  <p:tgtEl>
+                    <p:sldTgt/>
+                  </p:tgtEl>
+                </p:cond>
+              </p:prevCondLst>
+              <p:nextCondLst>
+                <p:cond evt="onNext" delay="0">
+                  <p:tgtEl>
+                    <p:sldTgt/>
+                  </p:tgtEl>
+                </p:cond>
+              </p:nextCondLst>
+            </p:seq>
+          </p:childTnLst>
+        </p:cTn>
+      </p:par>
+    </p:tnLst>
+  </p:timing>
+</p:sld>
+</file>
+
+<file path=ppt/slides/slide13.xml><?xml version="1.0" encoding="utf-8"?>
+<p:sld xmlns:a="http://schemas.openxmlformats.org/drawingml/2006/main" xmlns:r="http://schemas.openxmlformats.org/officeDocument/2006/relationships" xmlns:p="http://schemas.openxmlformats.org/presentationml/2006/main">
+  <p:cSld>
+    <p:spTree>
+      <p:nvGrpSpPr>
+        <p:cNvPr id="1" name=""/>
+        <p:cNvGrpSpPr/>
+        <p:nvPr/>
+      </p:nvGrpSpPr>
+      <p:grpSpPr>
+        <a:xfrm>
+          <a:off x="0" y="0"/>
+          <a:ext cx="0" cy="0"/>
+          <a:chOff x="0" y="0"/>
+          <a:chExt cx="0" cy="0"/>
+        </a:xfrm>
+      </p:grpSpPr>
+      <p:sp>
+        <p:nvSpPr>
+          <p:cNvPr id="2" name="Title 1"/>
+          <p:cNvSpPr>
+            <a:spLocks noGrp="1"/>
+          </p:cNvSpPr>
+          <p:nvPr>
+            <p:ph type="title"/>
+          </p:nvPr>
+        </p:nvSpPr>
+        <p:spPr>
+          <a:xfrm>
+            <a:off x="381000" y="12700"/>
+            <a:ext cx="8229600" cy="901700"/>
+          </a:xfrm>
+        </p:spPr>
+        <p:txBody>
+          <a:bodyPr>
+            <a:normAutofit/>
+          </a:bodyPr>
+          <a:lstStyle/>
+          <a:p>
+            <a:pPr algn="l"/>
+            <a:r>
+              <a:rPr lang="en-US" sz="3600" dirty="0" smtClean="0"/>
+              <a:t>Code – make it fully functional cont..</a:t>
+            </a:r>
+            <a:endParaRPr lang="en-US" sz="3600" dirty="0"/>
+          </a:p>
+        </p:txBody>
+      </p:sp>
+      <p:sp>
+        <p:nvSpPr>
+          <p:cNvPr id="3" name="Content Placeholder 2"/>
+          <p:cNvSpPr>
+            <a:spLocks noGrp="1"/>
+          </p:cNvSpPr>
+          <p:nvPr>
+            <p:ph idx="1"/>
+          </p:nvPr>
+        </p:nvSpPr>
+        <p:spPr>
+          <a:xfrm>
+            <a:off x="457200" y="990600"/>
+            <a:ext cx="8382000" cy="5638800"/>
+          </a:xfrm>
+        </p:spPr>
+        <p:txBody>
+          <a:bodyPr>
+            <a:normAutofit fontScale="77500" lnSpcReduction="20000"/>
+          </a:bodyPr>
+          <a:lstStyle/>
+          <a:p>
+            <a:r>
+              <a:rPr lang="en-US" dirty="0" smtClean="0"/>
+              <a:t>We have give URL,  /backend/*. Any URL with /backend/* will call the jersey servlet.</a:t>
+            </a:r>
+          </a:p>
+          <a:p>
+            <a:r>
+              <a:rPr lang="en-US" dirty="0" smtClean="0"/>
+              <a:t>The code is ready with configuration file.</a:t>
+            </a:r>
+          </a:p>
+          <a:p>
+            <a:r>
+              <a:rPr lang="en-US" dirty="0" smtClean="0"/>
+              <a:t>Lets build the project and run it on the server.</a:t>
+            </a:r>
+          </a:p>
+          <a:p>
+            <a:r>
+              <a:rPr lang="en-US" dirty="0" smtClean="0"/>
+              <a:t>We may get an error, 404. this is because we have not set any project context root.</a:t>
+            </a:r>
+          </a:p>
+          <a:p>
+            <a:r>
+              <a:rPr lang="en-US" dirty="0" smtClean="0"/>
+              <a:t>We need to give, localhost:8080/</a:t>
+            </a:r>
+            <a:r>
+              <a:rPr lang="en-US" dirty="0" err="1" smtClean="0"/>
+              <a:t>RESTfulWebService</a:t>
+            </a:r>
+            <a:r>
+              <a:rPr lang="en-US" dirty="0" smtClean="0"/>
+              <a:t>/backend/user/service. </a:t>
+            </a:r>
+          </a:p>
+          <a:p>
+            <a:r>
+              <a:rPr lang="en-US" dirty="0" smtClean="0"/>
+              <a:t>When we hit the </a:t>
+            </a:r>
+            <a:r>
+              <a:rPr lang="en-US" dirty="0" err="1" smtClean="0"/>
+              <a:t>url</a:t>
+            </a:r>
+            <a:r>
+              <a:rPr lang="en-US" dirty="0" smtClean="0"/>
+              <a:t>, jersey scan for root resource class and provider class in the entire class path of the project, this is done by jersey servlet container.</a:t>
+            </a:r>
+          </a:p>
+          <a:p>
+            <a:r>
+              <a:rPr lang="en-US" dirty="0" smtClean="0"/>
+              <a:t>By the above </a:t>
+            </a:r>
+            <a:r>
+              <a:rPr lang="en-US" dirty="0" err="1" smtClean="0"/>
+              <a:t>url</a:t>
+            </a:r>
+            <a:r>
+              <a:rPr lang="en-US" dirty="0" smtClean="0"/>
+              <a:t>, we hit the </a:t>
+            </a:r>
+            <a:r>
+              <a:rPr lang="en-US" dirty="0" err="1" smtClean="0"/>
+              <a:t>getuser</a:t>
+            </a:r>
+            <a:r>
+              <a:rPr lang="en-US" dirty="0" smtClean="0"/>
+              <a:t> method.</a:t>
+            </a:r>
+          </a:p>
+          <a:p>
+            <a:r>
+              <a:rPr lang="en-US" dirty="0" smtClean="0"/>
+              <a:t>To access </a:t>
+            </a:r>
+            <a:r>
+              <a:rPr lang="en-US" dirty="0" err="1" smtClean="0"/>
+              <a:t>updateUser</a:t>
+            </a:r>
+            <a:r>
+              <a:rPr lang="en-US" dirty="0" smtClean="0"/>
+              <a:t>() method, we need HTTP Post method. For that we need to create a dynamic </a:t>
+            </a:r>
+            <a:r>
+              <a:rPr lang="en-US" dirty="0" err="1" smtClean="0"/>
+              <a:t>webproject</a:t>
+            </a:r>
+            <a:r>
+              <a:rPr lang="en-US" smtClean="0"/>
+              <a:t>.</a:t>
+            </a:r>
+            <a:endParaRPr lang="en-US" dirty="0" smtClean="0"/>
+          </a:p>
+        </p:txBody>
+      </p:sp>
+    </p:spTree>
+    <p:extLst>
+      <p:ext uri="{BB962C8B-B14F-4D97-AF65-F5344CB8AC3E}">
+        <p14:creationId xmlns:p14="http://schemas.microsoft.com/office/powerpoint/2010/main" val="3192220988"/>
+      </p:ext>
+    </p:extLst>
+  </p:cSld>
+  <p:clrMapOvr>
+    <a:masterClrMapping/>
+  </p:clrMapOvr>
+  <p:timing>
+    <p:tnLst>
+      <p:par>
+        <p:cTn id="1" dur="indefinite" restart="never" nodeType="tmRoot">
+          <p:childTnLst>
+            <p:seq concurrent="1" nextAc="seek">
+              <p:cTn id="2" dur="indefinite" nodeType="mainSeq">
+                <p:childTnLst>
+                  <p:par>
+                    <p:cTn id="3" fill="hold">
+                      <p:stCondLst>
+                        <p:cond delay="indefinite"/>
+                      </p:stCondLst>
+                      <p:childTnLst>
+                        <p:par>
+                          <p:cTn id="4" fill="hold">
+                            <p:stCondLst>
+                              <p:cond delay="0"/>
+                            </p:stCondLst>
+                            <p:childTnLst>
+                              <p:par>
+                                <p:cTn id="5" presetID="16" presetClass="entr" presetSubtype="21" fill="hold" nodeType="clickEffect">
+                                  <p:stCondLst>
+                                    <p:cond delay="0"/>
+                                  </p:stCondLst>
+                                  <p:childTnLst>
+                                    <p:set>
+                                      <p:cBhvr>
+                                        <p:cTn id="6" dur="1" fill="hold">
+                                          <p:stCondLst>
+                                            <p:cond delay="0"/>
+                                          </p:stCondLst>
+                                        </p:cTn>
+                                        <p:tgtEl>
+                                          <p:spTgt spid="3">
+                                            <p:txEl>
+                                              <p:pRg st="0" end="0"/>
+                                            </p:txEl>
+                                          </p:spTgt>
+                                        </p:tgtEl>
+                                        <p:attrNameLst>
+                                          <p:attrName>style.visibility</p:attrName>
+                                        </p:attrNameLst>
+                                      </p:cBhvr>
+                                      <p:to>
+                                        <p:strVal val="visible"/>
+                                      </p:to>
+                                    </p:set>
+                                    <p:animEffect transition="in" filter="barn(inVertical)">
+                                      <p:cBhvr>
+                                        <p:cTn id="7" dur="500"/>
+                                        <p:tgtEl>
+                                          <p:spTgt spid="3">
+                                            <p:txEl>
+                                              <p:pRg st="0" end="0"/>
+                                            </p:txEl>
+                                          </p:spTgt>
+                                        </p:tgtEl>
+                                      </p:cBhvr>
+                                    </p:animEffect>
+                                  </p:childTnLst>
+                                </p:cTn>
+                              </p:par>
+                            </p:childTnLst>
+                          </p:cTn>
+                        </p:par>
+                      </p:childTnLst>
+                    </p:cTn>
+                  </p:par>
+                  <p:par>
+                    <p:cTn id="8" fill="hold">
+                      <p:stCondLst>
+                        <p:cond delay="indefinite"/>
+                      </p:stCondLst>
+                      <p:childTnLst>
+                        <p:par>
+                          <p:cTn id="9" fill="hold">
+                            <p:stCondLst>
+                              <p:cond delay="0"/>
+                            </p:stCondLst>
+                            <p:childTnLst>
+                              <p:par>
+                                <p:cTn id="10" presetID="16" presetClass="entr" presetSubtype="21" fill="hold" nodeType="clickEffect">
+                                  <p:stCondLst>
+                                    <p:cond delay="0"/>
+                                  </p:stCondLst>
+                                  <p:childTnLst>
+                                    <p:set>
+                                      <p:cBhvr>
+                                        <p:cTn id="11" dur="1" fill="hold">
+                                          <p:stCondLst>
+                                            <p:cond delay="0"/>
+                                          </p:stCondLst>
+                                        </p:cTn>
+                                        <p:tgtEl>
+                                          <p:spTgt spid="3">
+                                            <p:txEl>
+                                              <p:pRg st="1" end="1"/>
+                                            </p:txEl>
+                                          </p:spTgt>
+                                        </p:tgtEl>
+                                        <p:attrNameLst>
+                                          <p:attrName>style.visibility</p:attrName>
+                                        </p:attrNameLst>
+                                      </p:cBhvr>
+                                      <p:to>
+                                        <p:strVal val="visible"/>
+                                      </p:to>
+                                    </p:set>
+                                    <p:animEffect transition="in" filter="barn(inVertical)">
+                                      <p:cBhvr>
+                                        <p:cTn id="12" dur="500"/>
+                                        <p:tgtEl>
+                                          <p:spTgt spid="3">
+                                            <p:txEl>
+                                              <p:pRg st="1" end="1"/>
+                                            </p:txEl>
+                                          </p:spTgt>
+                                        </p:tgtEl>
+                                      </p:cBhvr>
+                                    </p:animEffect>
+                                  </p:childTnLst>
+                                </p:cTn>
+                              </p:par>
+                            </p:childTnLst>
+                          </p:cTn>
+                        </p:par>
+                      </p:childTnLst>
+                    </p:cTn>
+                  </p:par>
+                  <p:par>
+                    <p:cTn id="13" fill="hold">
+                      <p:stCondLst>
+                        <p:cond delay="indefinite"/>
+                      </p:stCondLst>
+                      <p:childTnLst>
+                        <p:par>
+                          <p:cTn id="14" fill="hold">
+                            <p:stCondLst>
+                              <p:cond delay="0"/>
+                            </p:stCondLst>
+                            <p:childTnLst>
+                              <p:par>
+                                <p:cTn id="15" presetID="16" presetClass="entr" presetSubtype="21" fill="hold" nodeType="clickEffect">
+                                  <p:stCondLst>
+                                    <p:cond delay="0"/>
+                                  </p:stCondLst>
+                                  <p:childTnLst>
+                                    <p:set>
+                                      <p:cBhvr>
+                                        <p:cTn id="16" dur="1" fill="hold">
+                                          <p:stCondLst>
+                                            <p:cond delay="0"/>
+                                          </p:stCondLst>
+                                        </p:cTn>
+                                        <p:tgtEl>
+                                          <p:spTgt spid="3">
+                                            <p:txEl>
+                                              <p:pRg st="2" end="2"/>
+                                            </p:txEl>
+                                          </p:spTgt>
+                                        </p:tgtEl>
+                                        <p:attrNameLst>
+                                          <p:attrName>style.visibility</p:attrName>
+                                        </p:attrNameLst>
+                                      </p:cBhvr>
+                                      <p:to>
+                                        <p:strVal val="visible"/>
+                                      </p:to>
+                                    </p:set>
+                                    <p:animEffect transition="in" filter="barn(inVertical)">
+                                      <p:cBhvr>
+                                        <p:cTn id="17" dur="500"/>
+                                        <p:tgtEl>
+                                          <p:spTgt spid="3">
+                                            <p:txEl>
+                                              <p:pRg st="2" end="2"/>
+                                            </p:txEl>
+                                          </p:spTgt>
+                                        </p:tgtEl>
+                                      </p:cBhvr>
+                                    </p:animEffect>
+                                  </p:childTnLst>
+                                </p:cTn>
+                              </p:par>
+                            </p:childTnLst>
+                          </p:cTn>
+                        </p:par>
+                      </p:childTnLst>
+                    </p:cTn>
+                  </p:par>
+                  <p:par>
+                    <p:cTn id="18" fill="hold">
+                      <p:stCondLst>
+                        <p:cond delay="indefinite"/>
+                      </p:stCondLst>
+                      <p:childTnLst>
+                        <p:par>
+                          <p:cTn id="19" fill="hold">
+                            <p:stCondLst>
+                              <p:cond delay="0"/>
+                            </p:stCondLst>
+                            <p:childTnLst>
+                              <p:par>
+                                <p:cTn id="20" presetID="16" presetClass="entr" presetSubtype="21" fill="hold" nodeType="clickEffect">
+                                  <p:stCondLst>
+                                    <p:cond delay="0"/>
+                                  </p:stCondLst>
+                                  <p:childTnLst>
+                                    <p:set>
+                                      <p:cBhvr>
+                                        <p:cTn id="21" dur="1" fill="hold">
+                                          <p:stCondLst>
+                                            <p:cond delay="0"/>
+                                          </p:stCondLst>
+                                        </p:cTn>
+                                        <p:tgtEl>
+                                          <p:spTgt spid="3">
+                                            <p:txEl>
+                                              <p:pRg st="3" end="3"/>
+                                            </p:txEl>
+                                          </p:spTgt>
+                                        </p:tgtEl>
+                                        <p:attrNameLst>
+                                          <p:attrName>style.visibility</p:attrName>
+                                        </p:attrNameLst>
+                                      </p:cBhvr>
+                                      <p:to>
+                                        <p:strVal val="visible"/>
+                                      </p:to>
+                                    </p:set>
+                                    <p:animEffect transition="in" filter="barn(inVertical)">
+                                      <p:cBhvr>
+                                        <p:cTn id="22" dur="500"/>
+                                        <p:tgtEl>
+                                          <p:spTgt spid="3">
+                                            <p:txEl>
+                                              <p:pRg st="3" end="3"/>
+                                            </p:txEl>
+                                          </p:spTgt>
+                                        </p:tgtEl>
+                                      </p:cBhvr>
+                                    </p:animEffect>
+                                  </p:childTnLst>
+                                </p:cTn>
+                              </p:par>
+                            </p:childTnLst>
+                          </p:cTn>
+                        </p:par>
+                      </p:childTnLst>
+                    </p:cTn>
+                  </p:par>
+                  <p:par>
+                    <p:cTn id="23" fill="hold">
+                      <p:stCondLst>
+                        <p:cond delay="indefinite"/>
+                      </p:stCondLst>
+                      <p:childTnLst>
+                        <p:par>
+                          <p:cTn id="24" fill="hold">
+                            <p:stCondLst>
+                              <p:cond delay="0"/>
+                            </p:stCondLst>
+                            <p:childTnLst>
+                              <p:par>
+                                <p:cTn id="25" presetID="16" presetClass="entr" presetSubtype="21" fill="hold" nodeType="clickEffect">
+                                  <p:stCondLst>
+                                    <p:cond delay="0"/>
+                                  </p:stCondLst>
+                                  <p:childTnLst>
+                                    <p:set>
+                                      <p:cBhvr>
+                                        <p:cTn id="26" dur="1" fill="hold">
+                                          <p:stCondLst>
+                                            <p:cond delay="0"/>
+                                          </p:stCondLst>
+                                        </p:cTn>
+                                        <p:tgtEl>
+                                          <p:spTgt spid="3">
+                                            <p:txEl>
+                                              <p:pRg st="4" end="4"/>
+                                            </p:txEl>
+                                          </p:spTgt>
+                                        </p:tgtEl>
+                                        <p:attrNameLst>
+                                          <p:attrName>style.visibility</p:attrName>
+                                        </p:attrNameLst>
+                                      </p:cBhvr>
+                                      <p:to>
+                                        <p:strVal val="visible"/>
+                                      </p:to>
+                                    </p:set>
+                                    <p:animEffect transition="in" filter="barn(inVertical)">
+                                      <p:cBhvr>
+                                        <p:cTn id="27" dur="500"/>
+                                        <p:tgtEl>
+                                          <p:spTgt spid="3">
+                                            <p:txEl>
+                                              <p:pRg st="4" end="4"/>
+                                            </p:txEl>
+                                          </p:spTgt>
+                                        </p:tgtEl>
+                                      </p:cBhvr>
+                                    </p:animEffect>
+                                  </p:childTnLst>
+                                </p:cTn>
+                              </p:par>
+                            </p:childTnLst>
+                          </p:cTn>
+                        </p:par>
+                      </p:childTnLst>
+                    </p:cTn>
+                  </p:par>
+                  <p:par>
+                    <p:cTn id="28" fill="hold">
+                      <p:stCondLst>
+                        <p:cond delay="indefinite"/>
+                      </p:stCondLst>
+                      <p:childTnLst>
+                        <p:par>
+                          <p:cTn id="29" fill="hold">
+                            <p:stCondLst>
+                              <p:cond delay="0"/>
+                            </p:stCondLst>
+                            <p:childTnLst>
+                              <p:par>
+                                <p:cTn id="30" presetID="16" presetClass="entr" presetSubtype="21" fill="hold" nodeType="clickEffect">
+                                  <p:stCondLst>
+                                    <p:cond delay="0"/>
+                                  </p:stCondLst>
+                                  <p:childTnLst>
+                                    <p:set>
+                                      <p:cBhvr>
+                                        <p:cTn id="31" dur="1" fill="hold">
+                                          <p:stCondLst>
+                                            <p:cond delay="0"/>
+                                          </p:stCondLst>
+                                        </p:cTn>
+                                        <p:tgtEl>
+                                          <p:spTgt spid="3">
+                                            <p:txEl>
+                                              <p:pRg st="5" end="5"/>
+                                            </p:txEl>
+                                          </p:spTgt>
+                                        </p:tgtEl>
+                                        <p:attrNameLst>
+                                          <p:attrName>style.visibility</p:attrName>
+                                        </p:attrNameLst>
+                                      </p:cBhvr>
+                                      <p:to>
+                                        <p:strVal val="visible"/>
+                                      </p:to>
+                                    </p:set>
+                                    <p:animEffect transition="in" filter="barn(inVertical)">
+                                      <p:cBhvr>
+                                        <p:cTn id="32" dur="500"/>
+                                        <p:tgtEl>
+                                          <p:spTgt spid="3">
+                                            <p:txEl>
+                                              <p:pRg st="5" end="5"/>
+                                            </p:txEl>
+                                          </p:spTgt>
+                                        </p:tgtEl>
+                                      </p:cBhvr>
+                                    </p:animEffect>
+                                  </p:childTnLst>
+                                </p:cTn>
+                              </p:par>
+                            </p:childTnLst>
+                          </p:cTn>
+                        </p:par>
+                      </p:childTnLst>
+                    </p:cTn>
+                  </p:par>
+                  <p:par>
+                    <p:cTn id="33" fill="hold">
+                      <p:stCondLst>
+                        <p:cond delay="indefinite"/>
+                      </p:stCondLst>
+                      <p:childTnLst>
+                        <p:par>
+                          <p:cTn id="34" fill="hold">
+                            <p:stCondLst>
+                              <p:cond delay="0"/>
+                            </p:stCondLst>
+                            <p:childTnLst>
+                              <p:par>
+                                <p:cTn id="35" presetID="16" presetClass="entr" presetSubtype="21" fill="hold" nodeType="clickEffect">
+                                  <p:stCondLst>
+                                    <p:cond delay="0"/>
+                                  </p:stCondLst>
+                                  <p:childTnLst>
+                                    <p:set>
+                                      <p:cBhvr>
+                                        <p:cTn id="36" dur="1" fill="hold">
+                                          <p:stCondLst>
+                                            <p:cond delay="0"/>
+                                          </p:stCondLst>
+                                        </p:cTn>
+                                        <p:tgtEl>
+                                          <p:spTgt spid="3">
+                                            <p:txEl>
+                                              <p:pRg st="6" end="6"/>
+                                            </p:txEl>
+                                          </p:spTgt>
+                                        </p:tgtEl>
+                                        <p:attrNameLst>
+                                          <p:attrName>style.visibility</p:attrName>
+                                        </p:attrNameLst>
+                                      </p:cBhvr>
+                                      <p:to>
+                                        <p:strVal val="visible"/>
+                                      </p:to>
+                                    </p:set>
+                                    <p:animEffect transition="in" filter="barn(inVertical)">
+                                      <p:cBhvr>
+                                        <p:cTn id="37" dur="500"/>
+                                        <p:tgtEl>
+                                          <p:spTgt spid="3">
+                                            <p:txEl>
+                                              <p:pRg st="6" end="6"/>
+                                            </p:txEl>
+                                          </p:spTgt>
+                                        </p:tgtEl>
+                                      </p:cBhvr>
+                                    </p:animEffect>
+                                  </p:childTnLst>
+                                </p:cTn>
+                              </p:par>
+                            </p:childTnLst>
+                          </p:cTn>
+                        </p:par>
+                      </p:childTnLst>
+                    </p:cTn>
+                  </p:par>
+                  <p:par>
+                    <p:cTn id="38" fill="hold">
+                      <p:stCondLst>
+                        <p:cond delay="indefinite"/>
+                      </p:stCondLst>
+                      <p:childTnLst>
+                        <p:par>
+                          <p:cTn id="39" fill="hold">
+                            <p:stCondLst>
+                              <p:cond delay="0"/>
+                            </p:stCondLst>
+                            <p:childTnLst>
+                              <p:par>
+                                <p:cTn id="40" presetID="16" presetClass="entr" presetSubtype="21" fill="hold" nodeType="clickEffect">
+                                  <p:stCondLst>
+                                    <p:cond delay="0"/>
+                                  </p:stCondLst>
+                                  <p:childTnLst>
+                                    <p:set>
+                                      <p:cBhvr>
+                                        <p:cTn id="41" dur="1" fill="hold">
+                                          <p:stCondLst>
+                                            <p:cond delay="0"/>
+                                          </p:stCondLst>
+                                        </p:cTn>
+                                        <p:tgtEl>
+                                          <p:spTgt spid="3">
+                                            <p:txEl>
+                                              <p:pRg st="7" end="7"/>
+                                            </p:txEl>
+                                          </p:spTgt>
+                                        </p:tgtEl>
+                                        <p:attrNameLst>
+                                          <p:attrName>style.visibility</p:attrName>
+                                        </p:attrNameLst>
+                                      </p:cBhvr>
+                                      <p:to>
+                                        <p:strVal val="visible"/>
+                                      </p:to>
+                                    </p:set>
+                                    <p:animEffect transition="in" filter="barn(inVertical)">
+                                      <p:cBhvr>
+                                        <p:cTn id="42" dur="500"/>
+                                        <p:tgtEl>
+                                          <p:spTgt spid="3">
+                                            <p:txEl>
+                                              <p:pRg st="7" end="7"/>
                                             </p:txEl>
                                           </p:spTgt>
                                         </p:tgtEl>
@@ -6486,23 +8017,7 @@
             <a:pPr lvl="1"/>
             <a:r>
               <a:rPr lang="en-US" dirty="0" smtClean="0"/>
-              <a:t>We generally send a java object from method of </a:t>
-            </a:r>
-            <a:r>
-              <a:rPr lang="en-US" dirty="0" smtClean="0"/>
-              <a:t>web service </a:t>
-            </a:r>
-            <a:r>
-              <a:rPr lang="en-US" dirty="0" smtClean="0"/>
-              <a:t>class, but the runtime </a:t>
-            </a:r>
-            <a:r>
-              <a:rPr lang="en-US" dirty="0" smtClean="0"/>
-              <a:t>environment </a:t>
-            </a:r>
-            <a:r>
-              <a:rPr lang="en-US" dirty="0" smtClean="0"/>
-              <a:t>convers the object into desired format which the client asks and sent to client.</a:t>
+              <a:t>We generally send a java object from method of web service class, but the runtime environment convers the object into desired format which the client asks and sent to client.</a:t>
             </a:r>
           </a:p>
           <a:p>
@@ -6522,26 +8037,14 @@
             <a:pPr lvl="1"/>
             <a:r>
               <a:rPr lang="en-US" dirty="0" smtClean="0"/>
-              <a:t>E.g. </a:t>
-            </a:r>
-            <a:r>
-              <a:rPr lang="en-US" dirty="0" smtClean="0"/>
-              <a:t>if we sent POST of delete HTTP request then it can update or delete the server objects. This is on server side.</a:t>
+              <a:t>E.g. if we sent POST of delete HTTP request then it can update or delete the server objects. This is on server side.</a:t>
             </a:r>
           </a:p>
           <a:p>
             <a:pPr lvl="1"/>
             <a:r>
               <a:rPr lang="en-US" dirty="0" smtClean="0"/>
-              <a:t>On </a:t>
-            </a:r>
-            <a:r>
-              <a:rPr lang="en-US" dirty="0" smtClean="0"/>
-              <a:t>client </a:t>
-            </a:r>
-            <a:r>
-              <a:rPr lang="en-US" dirty="0" smtClean="0"/>
-              <a:t>side also the same thing happen. We might get new objects from server, where there is some state change involved here because of the restful call.</a:t>
+              <a:t>On client side also the same thing happen. We might get new objects from server, where there is some state change involved here because of the restful call.</a:t>
             </a:r>
           </a:p>
           <a:p>
@@ -6561,11 +8064,7 @@
             </a:r>
             <a:r>
               <a:rPr lang="en-US" dirty="0" smtClean="0"/>
-              <a:t> class a </a:t>
-            </a:r>
-            <a:r>
-              <a:rPr lang="en-US" dirty="0" smtClean="0"/>
-              <a:t>web service.</a:t>
+              <a:t> class a web service.</a:t>
             </a:r>
             <a:endParaRPr lang="en-US" dirty="0"/>
           </a:p>
@@ -7357,13 +8856,8 @@
           <a:p>
             <a:r>
               <a:rPr lang="en-US" dirty="0" smtClean="0"/>
-              <a:t>There are many vendors </a:t>
-            </a:r>
-            <a:r>
-              <a:rPr lang="en-US" dirty="0" smtClean="0"/>
-              <a:t>who provide implementation</a:t>
-            </a:r>
-            <a:endParaRPr lang="en-US" dirty="0" smtClean="0"/>
+              <a:t>There are many vendors who provide implementation</a:t>
+            </a:r>
           </a:p>
           <a:p>
             <a:pPr lvl="1"/>
@@ -7392,41 +8886,13 @@
           <a:p>
             <a:r>
               <a:rPr lang="en-US" dirty="0" smtClean="0"/>
-              <a:t>We need </a:t>
-            </a:r>
-            <a:r>
-              <a:rPr lang="en-US" dirty="0" smtClean="0"/>
-              <a:t>to include </a:t>
-            </a:r>
-            <a:r>
-              <a:rPr lang="en-US" dirty="0" smtClean="0"/>
-              <a:t>the jar files to the project, then we can create or consume </a:t>
-            </a:r>
-            <a:r>
-              <a:rPr lang="en-US" dirty="0" smtClean="0"/>
-              <a:t>RESTful </a:t>
-            </a:r>
-            <a:r>
-              <a:rPr lang="en-US" dirty="0" smtClean="0"/>
-              <a:t>web </a:t>
-            </a:r>
-            <a:r>
-              <a:rPr lang="en-US" dirty="0" smtClean="0"/>
-              <a:t>services.</a:t>
-            </a:r>
-          </a:p>
-          <a:p>
-            <a:r>
-              <a:rPr lang="en-US" dirty="0" smtClean="0"/>
-              <a:t>Any POJO class can be exposed as web service</a:t>
-            </a:r>
-            <a:r>
-              <a:rPr lang="en-US" dirty="0" smtClean="0"/>
-              <a:t>. But How </a:t>
-            </a:r>
-            <a:r>
-              <a:rPr lang="en-US" dirty="0" smtClean="0"/>
-              <a:t>does the runtime </a:t>
+              <a:t>We need to include the jar files to the project, then we can create or consume RESTful web services.</a:t>
+            </a:r>
+          </a:p>
+          <a:p>
+            <a:r>
+              <a:rPr lang="en-US" dirty="0" smtClean="0"/>
+              <a:t>Any POJO class can be exposed as web service. But How does the runtime </a:t>
             </a:r>
             <a:r>
               <a:rPr lang="en-US" dirty="0" err="1" smtClean="0"/>
@@ -7440,23 +8906,7 @@
           <a:p>
             <a:r>
               <a:rPr lang="en-US" dirty="0" smtClean="0"/>
-              <a:t>for </a:t>
-            </a:r>
-            <a:r>
-              <a:rPr lang="en-US" dirty="0" smtClean="0"/>
-              <a:t>this, </a:t>
-            </a:r>
-            <a:r>
-              <a:rPr lang="en-US" dirty="0" smtClean="0"/>
-              <a:t>server uses, URI pattern and uses HTTP </a:t>
-            </a:r>
-            <a:r>
-              <a:rPr lang="en-US" dirty="0" smtClean="0"/>
-              <a:t>request methods </a:t>
-            </a:r>
-            <a:r>
-              <a:rPr lang="en-US" dirty="0" smtClean="0"/>
-              <a:t>like GET, POST, PUT, DELETE, to find out which class and which method is to be invoked as the web service.</a:t>
+              <a:t>for this, server uses, URI pattern and uses HTTP request methods like GET, POST, PUT, DELETE, to find out which class and which method is to be invoked as the web service.</a:t>
             </a:r>
           </a:p>
           <a:p>
@@ -7484,15 +8934,7 @@
             </a:r>
             <a:r>
               <a:rPr lang="en-US" dirty="0" smtClean="0"/>
-              <a:t> or Rest easy </a:t>
-            </a:r>
-            <a:r>
-              <a:rPr lang="en-US" dirty="0" smtClean="0"/>
-              <a:t>framework or </a:t>
-            </a:r>
-            <a:r>
-              <a:rPr lang="en-US" dirty="0" smtClean="0"/>
-              <a:t>some times called </a:t>
+              <a:t> or Rest easy framework or some times called </a:t>
             </a:r>
             <a:r>
               <a:rPr lang="en-US" dirty="0" err="1" smtClean="0"/>
@@ -7508,11 +8950,7 @@
             </a:r>
             <a:r>
               <a:rPr lang="en-US" dirty="0" smtClean="0"/>
-              <a:t> </a:t>
-            </a:r>
-            <a:r>
-              <a:rPr lang="en-US" dirty="0" smtClean="0"/>
-              <a:t>, here we will use </a:t>
+              <a:t> , here we will use </a:t>
             </a:r>
             <a:r>
               <a:rPr lang="en-US" dirty="0" err="1" smtClean="0"/>
@@ -8190,13 +9628,8 @@
           <a:p>
             <a:r>
               <a:rPr lang="en-US" dirty="0" smtClean="0"/>
-              <a:t>Note that we are using the existing technologies like HTTP protocol, HTTP request methods and URI patterns</a:t>
-            </a:r>
-            <a:r>
-              <a:rPr lang="en-US" dirty="0" smtClean="0"/>
-              <a:t>.</a:t>
-            </a:r>
-            <a:endParaRPr lang="en-US" dirty="0" smtClean="0"/>
+              <a:t>Note that we are using the existing technologies like HTTP protocol, HTTP request methods and URI patterns.</a:t>
+            </a:r>
           </a:p>
         </p:txBody>
       </p:sp>
@@ -8492,7 +9925,6 @@
               <a:rPr lang="en-US" dirty="0" smtClean="0"/>
               <a:t>so that it can be consumed by client.</a:t>
             </a:r>
-            <a:endParaRPr lang="en-US" dirty="0" smtClean="0"/>
           </a:p>
         </p:txBody>
       </p:sp>
@@ -9698,12 +11130,12 @@
               <a:t>So using URI and method of call, we can identify which class to be </a:t>
             </a:r>
             <a:r>
-              <a:rPr lang="en-US" dirty="0" err="1" smtClean="0"/>
-              <a:t>instanticated</a:t>
-            </a:r>
-            <a:r>
-              <a:rPr lang="en-US" dirty="0" smtClean="0"/>
-              <a:t> and which method need to be called.</a:t>
+              <a:rPr lang="en-US" dirty="0" smtClean="0"/>
+              <a:t>instantiated </a:t>
+            </a:r>
+            <a:r>
+              <a:rPr lang="en-US" dirty="0" smtClean="0"/>
+              <a:t>and which method need to be called.</a:t>
             </a:r>
           </a:p>
           <a:p>
@@ -9726,12 +11158,12 @@
               <a:t>We have sub resource class also. Main </a:t>
             </a:r>
             <a:r>
-              <a:rPr lang="en-US" dirty="0" err="1" smtClean="0"/>
-              <a:t>resouce</a:t>
-            </a:r>
-            <a:r>
-              <a:rPr lang="en-US" dirty="0" smtClean="0"/>
-              <a:t> class is the entry path to our service.</a:t>
+              <a:rPr lang="en-US" dirty="0" smtClean="0"/>
+              <a:t>resource </a:t>
+            </a:r>
+            <a:r>
+              <a:rPr lang="en-US" dirty="0" smtClean="0"/>
+              <a:t>class is the entry path to our service.</a:t>
             </a:r>
           </a:p>
           <a:p>
@@ -10304,11 +11736,7 @@
           <a:p>
             <a:r>
               <a:rPr lang="en-US" dirty="0" smtClean="0"/>
-              <a:t>Now if the client </a:t>
-            </a:r>
-            <a:r>
-              <a:rPr lang="en-US" dirty="0" smtClean="0"/>
-              <a:t>calls the </a:t>
+              <a:t>Now if the client calls the </a:t>
             </a:r>
             <a:r>
               <a:rPr lang="en-US" dirty="0" err="1" smtClean="0"/>
@@ -10343,12 +11771,12 @@
               <a:t>The methods that have its own path like create method are known as service </a:t>
             </a:r>
             <a:r>
-              <a:rPr lang="en-US" dirty="0" err="1" smtClean="0"/>
-              <a:t>resouce</a:t>
-            </a:r>
-            <a:r>
-              <a:rPr lang="en-US" dirty="0" smtClean="0"/>
-              <a:t> method.</a:t>
+              <a:rPr lang="en-US" dirty="0" smtClean="0"/>
+              <a:t>resource </a:t>
+            </a:r>
+            <a:r>
+              <a:rPr lang="en-US" dirty="0" smtClean="0"/>
+              <a:t>method.</a:t>
             </a:r>
           </a:p>
           <a:p>
@@ -10357,20 +11785,12 @@
               <a:t>Other methods with just http </a:t>
             </a:r>
             <a:r>
-              <a:rPr lang="en-US" dirty="0" err="1" smtClean="0"/>
-              <a:t>methiods</a:t>
-            </a:r>
-            <a:r>
-              <a:rPr lang="en-US" dirty="0"/>
-              <a:t> </a:t>
-            </a:r>
-            <a:r>
-              <a:rPr lang="en-US" dirty="0" smtClean="0"/>
-              <a:t>annotations </a:t>
-            </a:r>
-            <a:r>
-              <a:rPr lang="en-US" dirty="0" smtClean="0"/>
-              <a:t>are called normal resource methods.</a:t>
+              <a:rPr lang="en-US" dirty="0" smtClean="0"/>
+              <a:t>methods </a:t>
+            </a:r>
+            <a:r>
+              <a:rPr lang="en-US" dirty="0" smtClean="0"/>
+              <a:t>annotations are called normal resource methods.</a:t>
             </a:r>
           </a:p>
         </p:txBody>
